--- a/HR Analytics.pptx
+++ b/HR Analytics.pptx
@@ -1,12 +1,13 @@
 
 <file path=ppt/presentation.xml><?xml version="1.0" encoding="utf-8"?>
-<p:presentation xmlns:a="http://schemas.openxmlformats.org/drawingml/2006/main" xmlns:p="http://schemas.openxmlformats.org/presentationml/2006/main" xmlns:r="http://schemas.openxmlformats.org/officeDocument/2006/relationships" saveSubsetFonts="1">
+<p:presentation xmlns:a="http://schemas.openxmlformats.org/drawingml/2006/main" xmlns:r="http://schemas.openxmlformats.org/officeDocument/2006/relationships" xmlns:p="http://schemas.openxmlformats.org/presentationml/2006/main" saveSubsetFonts="1">
   <p:sldMasterIdLst>
-    <p:sldMasterId id="2147483648" r:id="rId1"/>
+    <p:sldMasterId id="2147483678" r:id="rId1"/>
   </p:sldMasterIdLst>
   <p:sldIdLst>
-    <p:sldId id="256" r:id="rId6"/>
-    <p:sldId id="257" r:id="rId7"/>
+    <p:sldId id="256" r:id="rId2"/>
+    <p:sldId id="257" r:id="rId3"/>
+    <p:sldId id="259" r:id="rId4"/>
   </p:sldIdLst>
   <p:sldSz cx="12192000" cy="6858000"/>
   <p:notesSz cx="6858000" cy="9144000"/>
@@ -14,8 +15,8 @@
     <a:defPPr>
       <a:defRPr lang="en-US"/>
     </a:defPPr>
-    <a:lvl1pPr algn="l" defTabSz="914400" eaLnBrk="1" hangingPunct="1" latinLnBrk="0" marL="0" rtl="0">
-      <a:defRPr kern="1200" sz="1800">
+    <a:lvl1pPr marL="0" algn="l" defTabSz="914400" rtl="0" eaLnBrk="1" latinLnBrk="0" hangingPunct="1">
+      <a:defRPr sz="1800" kern="1200">
         <a:solidFill>
           <a:schemeClr val="tx1"/>
         </a:solidFill>
@@ -24,8 +25,8 @@
         <a:cs typeface="+mn-cs"/>
       </a:defRPr>
     </a:lvl1pPr>
-    <a:lvl2pPr algn="l" defTabSz="914400" eaLnBrk="1" hangingPunct="1" latinLnBrk="0" marL="457200" rtl="0">
-      <a:defRPr kern="1200" sz="1800">
+    <a:lvl2pPr marL="457200" algn="l" defTabSz="914400" rtl="0" eaLnBrk="1" latinLnBrk="0" hangingPunct="1">
+      <a:defRPr sz="1800" kern="1200">
         <a:solidFill>
           <a:schemeClr val="tx1"/>
         </a:solidFill>
@@ -34,8 +35,8 @@
         <a:cs typeface="+mn-cs"/>
       </a:defRPr>
     </a:lvl2pPr>
-    <a:lvl3pPr algn="l" defTabSz="914400" eaLnBrk="1" hangingPunct="1" latinLnBrk="0" marL="914400" rtl="0">
-      <a:defRPr kern="1200" sz="1800">
+    <a:lvl3pPr marL="914400" algn="l" defTabSz="914400" rtl="0" eaLnBrk="1" latinLnBrk="0" hangingPunct="1">
+      <a:defRPr sz="1800" kern="1200">
         <a:solidFill>
           <a:schemeClr val="tx1"/>
         </a:solidFill>
@@ -44,8 +45,8 @@
         <a:cs typeface="+mn-cs"/>
       </a:defRPr>
     </a:lvl3pPr>
-    <a:lvl4pPr algn="l" defTabSz="914400" eaLnBrk="1" hangingPunct="1" latinLnBrk="0" marL="1371600" rtl="0">
-      <a:defRPr kern="1200" sz="1800">
+    <a:lvl4pPr marL="1371600" algn="l" defTabSz="914400" rtl="0" eaLnBrk="1" latinLnBrk="0" hangingPunct="1">
+      <a:defRPr sz="1800" kern="1200">
         <a:solidFill>
           <a:schemeClr val="tx1"/>
         </a:solidFill>
@@ -54,8 +55,8 @@
         <a:cs typeface="+mn-cs"/>
       </a:defRPr>
     </a:lvl4pPr>
-    <a:lvl5pPr algn="l" defTabSz="914400" eaLnBrk="1" hangingPunct="1" latinLnBrk="0" marL="1828800" rtl="0">
-      <a:defRPr kern="1200" sz="1800">
+    <a:lvl5pPr marL="1828800" algn="l" defTabSz="914400" rtl="0" eaLnBrk="1" latinLnBrk="0" hangingPunct="1">
+      <a:defRPr sz="1800" kern="1200">
         <a:solidFill>
           <a:schemeClr val="tx1"/>
         </a:solidFill>
@@ -64,8 +65,8 @@
         <a:cs typeface="+mn-cs"/>
       </a:defRPr>
     </a:lvl5pPr>
-    <a:lvl6pPr algn="l" defTabSz="914400" eaLnBrk="1" hangingPunct="1" latinLnBrk="0" marL="2286000" rtl="0">
-      <a:defRPr kern="1200" sz="1800">
+    <a:lvl6pPr marL="2286000" algn="l" defTabSz="914400" rtl="0" eaLnBrk="1" latinLnBrk="0" hangingPunct="1">
+      <a:defRPr sz="1800" kern="1200">
         <a:solidFill>
           <a:schemeClr val="tx1"/>
         </a:solidFill>
@@ -74,8 +75,8 @@
         <a:cs typeface="+mn-cs"/>
       </a:defRPr>
     </a:lvl6pPr>
-    <a:lvl7pPr algn="l" defTabSz="914400" eaLnBrk="1" hangingPunct="1" latinLnBrk="0" marL="2743200" rtl="0">
-      <a:defRPr kern="1200" sz="1800">
+    <a:lvl7pPr marL="2743200" algn="l" defTabSz="914400" rtl="0" eaLnBrk="1" latinLnBrk="0" hangingPunct="1">
+      <a:defRPr sz="1800" kern="1200">
         <a:solidFill>
           <a:schemeClr val="tx1"/>
         </a:solidFill>
@@ -84,8 +85,8 @@
         <a:cs typeface="+mn-cs"/>
       </a:defRPr>
     </a:lvl7pPr>
-    <a:lvl8pPr algn="l" defTabSz="914400" eaLnBrk="1" hangingPunct="1" latinLnBrk="0" marL="3200400" rtl="0">
-      <a:defRPr kern="1200" sz="1800">
+    <a:lvl8pPr marL="3200400" algn="l" defTabSz="914400" rtl="0" eaLnBrk="1" latinLnBrk="0" hangingPunct="1">
+      <a:defRPr sz="1800" kern="1200">
         <a:solidFill>
           <a:schemeClr val="tx1"/>
         </a:solidFill>
@@ -94,8 +95,8 @@
         <a:cs typeface="+mn-cs"/>
       </a:defRPr>
     </a:lvl8pPr>
-    <a:lvl9pPr algn="l" defTabSz="914400" eaLnBrk="1" hangingPunct="1" latinLnBrk="0" marL="3657600" rtl="0">
-      <a:defRPr kern="1200" sz="1800">
+    <a:lvl9pPr marL="3657600" algn="l" defTabSz="914400" rtl="0" eaLnBrk="1" latinLnBrk="0" hangingPunct="1">
+      <a:defRPr sz="1800" kern="1200">
         <a:solidFill>
           <a:schemeClr val="tx1"/>
         </a:solidFill>
@@ -105,11 +106,16 @@
       </a:defRPr>
     </a:lvl9pPr>
   </p:defaultTextStyle>
+  <p:extLst>
+    <p:ext uri="{EFAFB233-063F-42B5-8137-9DF3F51BA10A}">
+      <p15:sldGuideLst xmlns:p15="http://schemas.microsoft.com/office/powerpoint/2012/main"/>
+    </p:ext>
+  </p:extLst>
 </p:presentation>
 </file>
 
 <file path=ppt/slideLayouts/slideLayout1.xml><?xml version="1.0" encoding="utf-8"?>
-<p:sldLayout xmlns:a="http://schemas.openxmlformats.org/drawingml/2006/main" xmlns:r="http://schemas.openxmlformats.org/officeDocument/2006/relationships" xmlns:p="http://schemas.openxmlformats.org/presentationml/2006/main" type="title" preserve="1">
+<p:sldLayout xmlns:a="http://schemas.openxmlformats.org/drawingml/2006/main" xmlns:r="http://schemas.openxmlformats.org/officeDocument/2006/relationships" xmlns:p="http://schemas.openxmlformats.org/presentationml/2006/main" showMasterSp="0" type="title" preserve="1">
   <p:cSld name="Title Slide">
     <p:spTree>
       <p:nvGrpSpPr>
@@ -125,15 +131,539 @@
           <a:chExt cx="0" cy="0"/>
         </a:xfrm>
       </p:grpSpPr>
-      <p:sp>
-        <p:nvSpPr>
-          <p:cNvPr id="2" name="Title 1">
-            <a:extLst>
-              <a:ext uri="{FF2B5EF4-FFF2-40B4-BE49-F238E27FC236}">
-                <a16:creationId xmlns:a16="http://schemas.microsoft.com/office/drawing/2014/main" id="{00D1A6E6-075E-4828-AF88-09BD0A74259E}"/>
-              </a:ext>
-            </a:extLst>
-          </p:cNvPr>
+      <p:grpSp>
+        <p:nvGrpSpPr>
+          <p:cNvPr id="7" name="Group 6"/>
+          <p:cNvGrpSpPr/>
+          <p:nvPr/>
+        </p:nvGrpSpPr>
+        <p:grpSpPr>
+          <a:xfrm>
+            <a:off x="0" y="-8467"/>
+            <a:ext cx="12192000" cy="6866467"/>
+            <a:chOff x="0" y="-8467"/>
+            <a:chExt cx="12192000" cy="6866467"/>
+          </a:xfrm>
+        </p:grpSpPr>
+        <p:cxnSp>
+          <p:nvCxnSpPr>
+            <p:cNvPr id="32" name="Straight Connector 31"/>
+            <p:cNvCxnSpPr/>
+            <p:nvPr/>
+          </p:nvCxnSpPr>
+          <p:spPr>
+            <a:xfrm>
+              <a:off x="9371012" y="0"/>
+              <a:ext cx="1219200" cy="6858000"/>
+            </a:xfrm>
+            <a:prstGeom prst="line">
+              <a:avLst/>
+            </a:prstGeom>
+            <a:ln w="9525">
+              <a:solidFill>
+                <a:schemeClr val="bg1">
+                  <a:lumMod val="75000"/>
+                </a:schemeClr>
+              </a:solidFill>
+            </a:ln>
+          </p:spPr>
+          <p:style>
+            <a:lnRef idx="2">
+              <a:schemeClr val="accent1"/>
+            </a:lnRef>
+            <a:fillRef idx="0">
+              <a:schemeClr val="accent1"/>
+            </a:fillRef>
+            <a:effectRef idx="1">
+              <a:schemeClr val="accent1"/>
+            </a:effectRef>
+            <a:fontRef idx="minor">
+              <a:schemeClr val="tx1"/>
+            </a:fontRef>
+          </p:style>
+        </p:cxnSp>
+        <p:cxnSp>
+          <p:nvCxnSpPr>
+            <p:cNvPr id="21" name="Straight Connector 20"/>
+            <p:cNvCxnSpPr/>
+            <p:nvPr/>
+          </p:nvCxnSpPr>
+          <p:spPr>
+            <a:xfrm flipH="1">
+              <a:off x="7425267" y="3681413"/>
+              <a:ext cx="4763558" cy="3176587"/>
+            </a:xfrm>
+            <a:prstGeom prst="line">
+              <a:avLst/>
+            </a:prstGeom>
+            <a:ln w="9525">
+              <a:solidFill>
+                <a:schemeClr val="bg1">
+                  <a:lumMod val="85000"/>
+                </a:schemeClr>
+              </a:solidFill>
+            </a:ln>
+          </p:spPr>
+          <p:style>
+            <a:lnRef idx="2">
+              <a:schemeClr val="accent1"/>
+            </a:lnRef>
+            <a:fillRef idx="0">
+              <a:schemeClr val="accent1"/>
+            </a:fillRef>
+            <a:effectRef idx="1">
+              <a:schemeClr val="accent1"/>
+            </a:effectRef>
+            <a:fontRef idx="minor">
+              <a:schemeClr val="tx1"/>
+            </a:fontRef>
+          </p:style>
+        </p:cxnSp>
+        <p:sp>
+          <p:nvSpPr>
+            <p:cNvPr id="24" name="Rectangle 23"/>
+            <p:cNvSpPr/>
+            <p:nvPr/>
+          </p:nvSpPr>
+          <p:spPr>
+            <a:xfrm>
+              <a:off x="9181476" y="-8467"/>
+              <a:ext cx="3007349" cy="6866467"/>
+            </a:xfrm>
+            <a:custGeom>
+              <a:avLst/>
+              <a:gdLst/>
+              <a:ahLst/>
+              <a:cxnLst/>
+              <a:rect l="l" t="t" r="r" b="b"/>
+              <a:pathLst>
+                <a:path w="3007349" h="6866467">
+                  <a:moveTo>
+                    <a:pt x="2045532" y="0"/>
+                  </a:moveTo>
+                  <a:lnTo>
+                    <a:pt x="3007349" y="0"/>
+                  </a:lnTo>
+                  <a:lnTo>
+                    <a:pt x="3007349" y="6866467"/>
+                  </a:lnTo>
+                  <a:lnTo>
+                    <a:pt x="0" y="6866467"/>
+                  </a:lnTo>
+                  <a:lnTo>
+                    <a:pt x="2045532" y="0"/>
+                  </a:lnTo>
+                  <a:close/>
+                </a:path>
+              </a:pathLst>
+            </a:custGeom>
+            <a:solidFill>
+              <a:schemeClr val="accent1">
+                <a:alpha val="30000"/>
+              </a:schemeClr>
+            </a:solidFill>
+            <a:ln>
+              <a:noFill/>
+            </a:ln>
+            <a:effectLst/>
+          </p:spPr>
+          <p:style>
+            <a:lnRef idx="1">
+              <a:schemeClr val="accent1"/>
+            </a:lnRef>
+            <a:fillRef idx="3">
+              <a:schemeClr val="accent1"/>
+            </a:fillRef>
+            <a:effectRef idx="2">
+              <a:schemeClr val="accent1"/>
+            </a:effectRef>
+            <a:fontRef idx="minor">
+              <a:schemeClr val="lt1"/>
+            </a:fontRef>
+          </p:style>
+        </p:sp>
+        <p:sp>
+          <p:nvSpPr>
+            <p:cNvPr id="26" name="Rectangle 25"/>
+            <p:cNvSpPr/>
+            <p:nvPr/>
+          </p:nvSpPr>
+          <p:spPr>
+            <a:xfrm>
+              <a:off x="9603442" y="-8467"/>
+              <a:ext cx="2588558" cy="6866467"/>
+            </a:xfrm>
+            <a:custGeom>
+              <a:avLst/>
+              <a:gdLst/>
+              <a:ahLst/>
+              <a:cxnLst/>
+              <a:rect l="l" t="t" r="r" b="b"/>
+              <a:pathLst>
+                <a:path w="2573311" h="6866467">
+                  <a:moveTo>
+                    <a:pt x="0" y="0"/>
+                  </a:moveTo>
+                  <a:lnTo>
+                    <a:pt x="2573311" y="0"/>
+                  </a:lnTo>
+                  <a:lnTo>
+                    <a:pt x="2573311" y="6866467"/>
+                  </a:lnTo>
+                  <a:lnTo>
+                    <a:pt x="1202336" y="6866467"/>
+                  </a:lnTo>
+                  <a:lnTo>
+                    <a:pt x="0" y="0"/>
+                  </a:lnTo>
+                  <a:close/>
+                </a:path>
+              </a:pathLst>
+            </a:custGeom>
+            <a:solidFill>
+              <a:schemeClr val="accent1">
+                <a:alpha val="20000"/>
+              </a:schemeClr>
+            </a:solidFill>
+            <a:ln>
+              <a:noFill/>
+            </a:ln>
+            <a:effectLst/>
+          </p:spPr>
+          <p:style>
+            <a:lnRef idx="1">
+              <a:schemeClr val="accent1"/>
+            </a:lnRef>
+            <a:fillRef idx="3">
+              <a:schemeClr val="accent1"/>
+            </a:fillRef>
+            <a:effectRef idx="2">
+              <a:schemeClr val="accent1"/>
+            </a:effectRef>
+            <a:fontRef idx="minor">
+              <a:schemeClr val="lt1"/>
+            </a:fontRef>
+          </p:style>
+        </p:sp>
+        <p:sp>
+          <p:nvSpPr>
+            <p:cNvPr id="27" name="Isosceles Triangle 26"/>
+            <p:cNvSpPr/>
+            <p:nvPr/>
+          </p:nvSpPr>
+          <p:spPr>
+            <a:xfrm>
+              <a:off x="8932333" y="3048000"/>
+              <a:ext cx="3259667" cy="3810000"/>
+            </a:xfrm>
+            <a:prstGeom prst="triangle">
+              <a:avLst>
+                <a:gd name="adj" fmla="val 100000"/>
+              </a:avLst>
+            </a:prstGeom>
+            <a:solidFill>
+              <a:schemeClr val="accent2">
+                <a:alpha val="72000"/>
+              </a:schemeClr>
+            </a:solidFill>
+            <a:ln>
+              <a:noFill/>
+            </a:ln>
+            <a:effectLst/>
+          </p:spPr>
+          <p:style>
+            <a:lnRef idx="1">
+              <a:schemeClr val="accent1"/>
+            </a:lnRef>
+            <a:fillRef idx="3">
+              <a:schemeClr val="accent1"/>
+            </a:fillRef>
+            <a:effectRef idx="2">
+              <a:schemeClr val="accent1"/>
+            </a:effectRef>
+            <a:fontRef idx="minor">
+              <a:schemeClr val="lt1"/>
+            </a:fontRef>
+          </p:style>
+        </p:sp>
+        <p:sp>
+          <p:nvSpPr>
+            <p:cNvPr id="28" name="Rectangle 27"/>
+            <p:cNvSpPr/>
+            <p:nvPr/>
+          </p:nvSpPr>
+          <p:spPr>
+            <a:xfrm>
+              <a:off x="9334500" y="-8467"/>
+              <a:ext cx="2854326" cy="6866467"/>
+            </a:xfrm>
+            <a:custGeom>
+              <a:avLst/>
+              <a:gdLst/>
+              <a:ahLst/>
+              <a:cxnLst/>
+              <a:rect l="l" t="t" r="r" b="b"/>
+              <a:pathLst>
+                <a:path w="2858013" h="6866467">
+                  <a:moveTo>
+                    <a:pt x="0" y="0"/>
+                  </a:moveTo>
+                  <a:lnTo>
+                    <a:pt x="2858013" y="0"/>
+                  </a:lnTo>
+                  <a:lnTo>
+                    <a:pt x="2858013" y="6866467"/>
+                  </a:lnTo>
+                  <a:lnTo>
+                    <a:pt x="2473942" y="6866467"/>
+                  </a:lnTo>
+                  <a:lnTo>
+                    <a:pt x="0" y="0"/>
+                  </a:lnTo>
+                  <a:close/>
+                </a:path>
+              </a:pathLst>
+            </a:custGeom>
+            <a:solidFill>
+              <a:schemeClr val="accent2">
+                <a:lumMod val="75000"/>
+                <a:alpha val="70000"/>
+              </a:schemeClr>
+            </a:solidFill>
+            <a:ln>
+              <a:noFill/>
+            </a:ln>
+            <a:effectLst/>
+          </p:spPr>
+          <p:style>
+            <a:lnRef idx="1">
+              <a:schemeClr val="accent1"/>
+            </a:lnRef>
+            <a:fillRef idx="3">
+              <a:schemeClr val="accent1"/>
+            </a:fillRef>
+            <a:effectRef idx="2">
+              <a:schemeClr val="accent1"/>
+            </a:effectRef>
+            <a:fontRef idx="minor">
+              <a:schemeClr val="lt1"/>
+            </a:fontRef>
+          </p:style>
+        </p:sp>
+        <p:sp>
+          <p:nvSpPr>
+            <p:cNvPr id="29" name="Rectangle 28"/>
+            <p:cNvSpPr/>
+            <p:nvPr/>
+          </p:nvSpPr>
+          <p:spPr>
+            <a:xfrm>
+              <a:off x="10898730" y="-8467"/>
+              <a:ext cx="1290094" cy="6866467"/>
+            </a:xfrm>
+            <a:custGeom>
+              <a:avLst/>
+              <a:gdLst/>
+              <a:ahLst/>
+              <a:cxnLst/>
+              <a:rect l="l" t="t" r="r" b="b"/>
+              <a:pathLst>
+                <a:path w="1290094" h="6858000">
+                  <a:moveTo>
+                    <a:pt x="1019735" y="0"/>
+                  </a:moveTo>
+                  <a:lnTo>
+                    <a:pt x="1290094" y="0"/>
+                  </a:lnTo>
+                  <a:lnTo>
+                    <a:pt x="1290094" y="6858000"/>
+                  </a:lnTo>
+                  <a:lnTo>
+                    <a:pt x="0" y="6858000"/>
+                  </a:lnTo>
+                  <a:lnTo>
+                    <a:pt x="1019735" y="0"/>
+                  </a:lnTo>
+                  <a:close/>
+                </a:path>
+              </a:pathLst>
+            </a:custGeom>
+            <a:solidFill>
+              <a:schemeClr val="accent1">
+                <a:lumMod val="60000"/>
+                <a:lumOff val="40000"/>
+                <a:alpha val="70000"/>
+              </a:schemeClr>
+            </a:solidFill>
+            <a:ln>
+              <a:noFill/>
+            </a:ln>
+            <a:effectLst/>
+          </p:spPr>
+          <p:style>
+            <a:lnRef idx="1">
+              <a:schemeClr val="accent1"/>
+            </a:lnRef>
+            <a:fillRef idx="3">
+              <a:schemeClr val="accent1"/>
+            </a:fillRef>
+            <a:effectRef idx="2">
+              <a:schemeClr val="accent1"/>
+            </a:effectRef>
+            <a:fontRef idx="minor">
+              <a:schemeClr val="lt1"/>
+            </a:fontRef>
+          </p:style>
+        </p:sp>
+        <p:sp>
+          <p:nvSpPr>
+            <p:cNvPr id="30" name="Rectangle 29"/>
+            <p:cNvSpPr/>
+            <p:nvPr/>
+          </p:nvSpPr>
+          <p:spPr>
+            <a:xfrm>
+              <a:off x="10938999" y="-8467"/>
+              <a:ext cx="1249825" cy="6866467"/>
+            </a:xfrm>
+            <a:custGeom>
+              <a:avLst/>
+              <a:gdLst/>
+              <a:ahLst/>
+              <a:cxnLst/>
+              <a:rect l="l" t="t" r="r" b="b"/>
+              <a:pathLst>
+                <a:path w="1249825" h="6858000">
+                  <a:moveTo>
+                    <a:pt x="0" y="0"/>
+                  </a:moveTo>
+                  <a:lnTo>
+                    <a:pt x="1249825" y="0"/>
+                  </a:lnTo>
+                  <a:lnTo>
+                    <a:pt x="1249825" y="6858000"/>
+                  </a:lnTo>
+                  <a:lnTo>
+                    <a:pt x="1109382" y="6858000"/>
+                  </a:lnTo>
+                  <a:lnTo>
+                    <a:pt x="0" y="0"/>
+                  </a:lnTo>
+                  <a:close/>
+                </a:path>
+              </a:pathLst>
+            </a:custGeom>
+            <a:solidFill>
+              <a:schemeClr val="accent1">
+                <a:alpha val="65000"/>
+              </a:schemeClr>
+            </a:solidFill>
+            <a:ln>
+              <a:noFill/>
+            </a:ln>
+            <a:effectLst/>
+          </p:spPr>
+          <p:style>
+            <a:lnRef idx="1">
+              <a:schemeClr val="accent1"/>
+            </a:lnRef>
+            <a:fillRef idx="3">
+              <a:schemeClr val="accent1"/>
+            </a:fillRef>
+            <a:effectRef idx="2">
+              <a:schemeClr val="accent1"/>
+            </a:effectRef>
+            <a:fontRef idx="minor">
+              <a:schemeClr val="lt1"/>
+            </a:fontRef>
+          </p:style>
+        </p:sp>
+        <p:sp>
+          <p:nvSpPr>
+            <p:cNvPr id="31" name="Isosceles Triangle 30"/>
+            <p:cNvSpPr/>
+            <p:nvPr/>
+          </p:nvSpPr>
+          <p:spPr>
+            <a:xfrm>
+              <a:off x="10371666" y="3589867"/>
+              <a:ext cx="1817159" cy="3268133"/>
+            </a:xfrm>
+            <a:prstGeom prst="triangle">
+              <a:avLst>
+                <a:gd name="adj" fmla="val 100000"/>
+              </a:avLst>
+            </a:prstGeom>
+            <a:solidFill>
+              <a:schemeClr val="accent1">
+                <a:alpha val="80000"/>
+              </a:schemeClr>
+            </a:solidFill>
+            <a:ln>
+              <a:noFill/>
+            </a:ln>
+            <a:effectLst/>
+          </p:spPr>
+          <p:style>
+            <a:lnRef idx="1">
+              <a:schemeClr val="accent1"/>
+            </a:lnRef>
+            <a:fillRef idx="3">
+              <a:schemeClr val="accent1"/>
+            </a:fillRef>
+            <a:effectRef idx="2">
+              <a:schemeClr val="accent1"/>
+            </a:effectRef>
+            <a:fontRef idx="minor">
+              <a:schemeClr val="lt1"/>
+            </a:fontRef>
+          </p:style>
+        </p:sp>
+        <p:sp>
+          <p:nvSpPr>
+            <p:cNvPr id="19" name="Isosceles Triangle 18"/>
+            <p:cNvSpPr/>
+            <p:nvPr/>
+          </p:nvSpPr>
+          <p:spPr>
+            <a:xfrm rot="10800000">
+              <a:off x="0" y="0"/>
+              <a:ext cx="842596" cy="5666154"/>
+            </a:xfrm>
+            <a:prstGeom prst="triangle">
+              <a:avLst>
+                <a:gd name="adj" fmla="val 100000"/>
+              </a:avLst>
+            </a:prstGeom>
+            <a:solidFill>
+              <a:schemeClr val="accent1">
+                <a:alpha val="85000"/>
+              </a:schemeClr>
+            </a:solidFill>
+            <a:ln>
+              <a:noFill/>
+            </a:ln>
+            <a:effectLst/>
+          </p:spPr>
+          <p:style>
+            <a:lnRef idx="1">
+              <a:schemeClr val="accent1"/>
+            </a:lnRef>
+            <a:fillRef idx="3">
+              <a:schemeClr val="accent1"/>
+            </a:fillRef>
+            <a:effectRef idx="2">
+              <a:schemeClr val="accent1"/>
+            </a:effectRef>
+            <a:fontRef idx="minor">
+              <a:schemeClr val="lt1"/>
+            </a:fontRef>
+          </p:style>
+        </p:sp>
+      </p:grpSp>
+      <p:sp>
+        <p:nvSpPr>
+          <p:cNvPr id="2" name="Title 1"/>
           <p:cNvSpPr>
             <a:spLocks noGrp="1"/>
           </p:cNvSpPr>
@@ -143,34 +673,35 @@
         </p:nvSpPr>
         <p:spPr>
           <a:xfrm>
-            <a:off x="1524000" y="1122363"/>
-            <a:ext cx="9144000" cy="2387600"/>
+            <a:off x="1507067" y="2404534"/>
+            <a:ext cx="7766936" cy="1646302"/>
           </a:xfrm>
         </p:spPr>
         <p:txBody>
-          <a:bodyPr anchor="b"/>
+          <a:bodyPr anchor="b">
+            <a:noAutofit/>
+          </a:bodyPr>
           <a:lstStyle>
-            <a:lvl1pPr algn="ctr">
-              <a:defRPr sz="6000"/>
+            <a:lvl1pPr algn="r">
+              <a:defRPr sz="5400">
+                <a:solidFill>
+                  <a:schemeClr val="accent1"/>
+                </a:solidFill>
+              </a:defRPr>
             </a:lvl1pPr>
           </a:lstStyle>
           <a:p>
             <a:r>
-              <a:rPr lang="en-US"/>
+              <a:rPr lang="en-US" smtClean="0"/>
               <a:t>Click to edit Master title style</a:t>
             </a:r>
-          </a:p>
-        </p:txBody>
-      </p:sp>
-      <p:sp>
-        <p:nvSpPr>
-          <p:cNvPr id="3" name="Subtitle 2">
-            <a:extLst>
-              <a:ext uri="{FF2B5EF4-FFF2-40B4-BE49-F238E27FC236}">
-                <a16:creationId xmlns:a16="http://schemas.microsoft.com/office/drawing/2014/main" id="{5F3800DB-487B-4E23-AC0B-90C9ED4E1076}"/>
-              </a:ext>
-            </a:extLst>
-          </p:cNvPr>
+            <a:endParaRPr lang="en-US" dirty="0"/>
+          </a:p>
+        </p:txBody>
+      </p:sp>
+      <p:sp>
+        <p:nvSpPr>
+          <p:cNvPr id="3" name="Subtitle 2"/>
           <p:cNvSpPr>
             <a:spLocks noGrp="1"/>
           </p:cNvSpPr>
@@ -180,67 +711,117 @@
         </p:nvSpPr>
         <p:spPr>
           <a:xfrm>
-            <a:off x="1524000" y="3602038"/>
-            <a:ext cx="9144000" cy="1655762"/>
+            <a:off x="1507067" y="4050833"/>
+            <a:ext cx="7766936" cy="1096899"/>
           </a:xfrm>
         </p:spPr>
         <p:txBody>
-          <a:bodyPr/>
+          <a:bodyPr anchor="t"/>
           <a:lstStyle>
-            <a:lvl1pPr marL="0" indent="0" algn="ctr">
-              <a:buNone/>
-              <a:defRPr sz="2400"/>
+            <a:lvl1pPr marL="0" indent="0" algn="r">
+              <a:buNone/>
+              <a:defRPr>
+                <a:solidFill>
+                  <a:schemeClr val="tx1">
+                    <a:lumMod val="50000"/>
+                    <a:lumOff val="50000"/>
+                  </a:schemeClr>
+                </a:solidFill>
+              </a:defRPr>
             </a:lvl1pPr>
             <a:lvl2pPr marL="457200" indent="0" algn="ctr">
               <a:buNone/>
-              <a:defRPr sz="2000"/>
+              <a:defRPr>
+                <a:solidFill>
+                  <a:schemeClr val="tx1">
+                    <a:tint val="75000"/>
+                  </a:schemeClr>
+                </a:solidFill>
+              </a:defRPr>
             </a:lvl2pPr>
             <a:lvl3pPr marL="914400" indent="0" algn="ctr">
               <a:buNone/>
-              <a:defRPr sz="1800"/>
+              <a:defRPr>
+                <a:solidFill>
+                  <a:schemeClr val="tx1">
+                    <a:tint val="75000"/>
+                  </a:schemeClr>
+                </a:solidFill>
+              </a:defRPr>
             </a:lvl3pPr>
             <a:lvl4pPr marL="1371600" indent="0" algn="ctr">
               <a:buNone/>
-              <a:defRPr sz="1600"/>
+              <a:defRPr>
+                <a:solidFill>
+                  <a:schemeClr val="tx1">
+                    <a:tint val="75000"/>
+                  </a:schemeClr>
+                </a:solidFill>
+              </a:defRPr>
             </a:lvl4pPr>
             <a:lvl5pPr marL="1828800" indent="0" algn="ctr">
               <a:buNone/>
-              <a:defRPr sz="1600"/>
+              <a:defRPr>
+                <a:solidFill>
+                  <a:schemeClr val="tx1">
+                    <a:tint val="75000"/>
+                  </a:schemeClr>
+                </a:solidFill>
+              </a:defRPr>
             </a:lvl5pPr>
             <a:lvl6pPr marL="2286000" indent="0" algn="ctr">
               <a:buNone/>
-              <a:defRPr sz="1600"/>
+              <a:defRPr>
+                <a:solidFill>
+                  <a:schemeClr val="tx1">
+                    <a:tint val="75000"/>
+                  </a:schemeClr>
+                </a:solidFill>
+              </a:defRPr>
             </a:lvl6pPr>
             <a:lvl7pPr marL="2743200" indent="0" algn="ctr">
               <a:buNone/>
-              <a:defRPr sz="1600"/>
+              <a:defRPr>
+                <a:solidFill>
+                  <a:schemeClr val="tx1">
+                    <a:tint val="75000"/>
+                  </a:schemeClr>
+                </a:solidFill>
+              </a:defRPr>
             </a:lvl7pPr>
             <a:lvl8pPr marL="3200400" indent="0" algn="ctr">
               <a:buNone/>
-              <a:defRPr sz="1600"/>
+              <a:defRPr>
+                <a:solidFill>
+                  <a:schemeClr val="tx1">
+                    <a:tint val="75000"/>
+                  </a:schemeClr>
+                </a:solidFill>
+              </a:defRPr>
             </a:lvl8pPr>
             <a:lvl9pPr marL="3657600" indent="0" algn="ctr">
               <a:buNone/>
-              <a:defRPr sz="1600"/>
+              <a:defRPr>
+                <a:solidFill>
+                  <a:schemeClr val="tx1">
+                    <a:tint val="75000"/>
+                  </a:schemeClr>
+                </a:solidFill>
+              </a:defRPr>
             </a:lvl9pPr>
           </a:lstStyle>
           <a:p>
             <a:r>
-              <a:rPr lang="en-US"/>
+              <a:rPr lang="en-US" smtClean="0"/>
               <a:t>Click to edit Master subtitle style</a:t>
             </a:r>
-          </a:p>
-        </p:txBody>
-      </p:sp>
-      <p:sp>
-        <p:nvSpPr>
-          <p:cNvPr id="4" name="Date Placeholder 3">
-            <a:extLst>
-              <a:ext uri="{FF2B5EF4-FFF2-40B4-BE49-F238E27FC236}">
-                <a16:creationId xmlns:a16="http://schemas.microsoft.com/office/drawing/2014/main" id="{664DF5B1-3694-42A9-866E-9F1FF6CF0C01}"/>
-              </a:ext>
-            </a:extLst>
-          </p:cNvPr>
+            <a:endParaRPr lang="en-US" dirty="0"/>
+          </a:p>
+        </p:txBody>
+      </p:sp>
+      <p:sp>
+        <p:nvSpPr>
+          <p:cNvPr id="4" name="Date Placeholder 3"/>
           <p:cNvSpPr>
             <a:spLocks noGrp="1"/>
           </p:cNvSpPr>
@@ -255,7 +836,7 @@
           <a:p>
             <a:fld id="{EED1C14C-A143-42F5-B247-D0E800131009}" type="datetimeFigureOut">
               <a:rPr lang="en-US" smtClean="0"/>
-              <a:t>8/15/2018</a:t>
+              <a:t>5/11/2023</a:t>
             </a:fld>
             <a:endParaRPr lang="en-US"/>
           </a:p>
@@ -263,13 +844,7 @@
       </p:sp>
       <p:sp>
         <p:nvSpPr>
-          <p:cNvPr id="5" name="Footer Placeholder 4">
-            <a:extLst>
-              <a:ext uri="{FF2B5EF4-FFF2-40B4-BE49-F238E27FC236}">
-                <a16:creationId xmlns:a16="http://schemas.microsoft.com/office/drawing/2014/main" id="{54718E67-8162-4BE0-9B01-22B89A120ADC}"/>
-              </a:ext>
-            </a:extLst>
-          </p:cNvPr>
+          <p:cNvPr id="5" name="Footer Placeholder 4"/>
           <p:cNvSpPr>
             <a:spLocks noGrp="1"/>
           </p:cNvSpPr>
@@ -288,13 +863,7 @@
       </p:sp>
       <p:sp>
         <p:nvSpPr>
-          <p:cNvPr id="6" name="Slide Number Placeholder 5">
-            <a:extLst>
-              <a:ext uri="{FF2B5EF4-FFF2-40B4-BE49-F238E27FC236}">
-                <a16:creationId xmlns:a16="http://schemas.microsoft.com/office/drawing/2014/main" id="{91568B9D-A8C9-40C5-85B0-14F435F39C81}"/>
-              </a:ext>
-            </a:extLst>
-          </p:cNvPr>
+          <p:cNvPr id="6" name="Slide Number Placeholder 5"/>
           <p:cNvSpPr>
             <a:spLocks noGrp="1"/>
           </p:cNvSpPr>
@@ -318,7 +887,7 @@
     </p:spTree>
     <p:extLst>
       <p:ext uri="{BB962C8B-B14F-4D97-AF65-F5344CB8AC3E}">
-        <p14:creationId xmlns:p14="http://schemas.microsoft.com/office/powerpoint/2010/main" val="896738362"/>
+        <p14:creationId xmlns:p14="http://schemas.microsoft.com/office/powerpoint/2010/main" val="1828204009"/>
       </p:ext>
     </p:extLst>
   </p:cSld>
@@ -329,6 +898,1619 @@
 </file>
 
 <file path=ppt/slideLayouts/slideLayout10.xml><?xml version="1.0" encoding="utf-8"?>
+<p:sldLayout xmlns:a="http://schemas.openxmlformats.org/drawingml/2006/main" xmlns:r="http://schemas.openxmlformats.org/officeDocument/2006/relationships" xmlns:p="http://schemas.openxmlformats.org/presentationml/2006/main" preserve="1">
+  <p:cSld name="Title and Caption">
+    <p:spTree>
+      <p:nvGrpSpPr>
+        <p:cNvPr id="1" name=""/>
+        <p:cNvGrpSpPr/>
+        <p:nvPr/>
+      </p:nvGrpSpPr>
+      <p:grpSpPr>
+        <a:xfrm>
+          <a:off x="0" y="0"/>
+          <a:ext cx="0" cy="0"/>
+          <a:chOff x="0" y="0"/>
+          <a:chExt cx="0" cy="0"/>
+        </a:xfrm>
+      </p:grpSpPr>
+      <p:sp>
+        <p:nvSpPr>
+          <p:cNvPr id="2" name="Title 1"/>
+          <p:cNvSpPr>
+            <a:spLocks noGrp="1"/>
+          </p:cNvSpPr>
+          <p:nvPr>
+            <p:ph type="title"/>
+          </p:nvPr>
+        </p:nvSpPr>
+        <p:spPr>
+          <a:xfrm>
+            <a:off x="677335" y="609600"/>
+            <a:ext cx="8596668" cy="3403600"/>
+          </a:xfrm>
+        </p:spPr>
+        <p:txBody>
+          <a:bodyPr anchor="ctr">
+            <a:normAutofit/>
+          </a:bodyPr>
+          <a:lstStyle>
+            <a:lvl1pPr algn="l">
+              <a:defRPr sz="4400" b="0" cap="none"/>
+            </a:lvl1pPr>
+          </a:lstStyle>
+          <a:p>
+            <a:r>
+              <a:rPr lang="en-US" smtClean="0"/>
+              <a:t>Click to edit Master title style</a:t>
+            </a:r>
+            <a:endParaRPr lang="en-US" dirty="0"/>
+          </a:p>
+        </p:txBody>
+      </p:sp>
+      <p:sp>
+        <p:nvSpPr>
+          <p:cNvPr id="3" name="Text Placeholder 2"/>
+          <p:cNvSpPr>
+            <a:spLocks noGrp="1"/>
+          </p:cNvSpPr>
+          <p:nvPr>
+            <p:ph type="body" idx="1"/>
+          </p:nvPr>
+        </p:nvSpPr>
+        <p:spPr>
+          <a:xfrm>
+            <a:off x="677335" y="4470400"/>
+            <a:ext cx="8596668" cy="1570962"/>
+          </a:xfrm>
+        </p:spPr>
+        <p:txBody>
+          <a:bodyPr anchor="ctr">
+            <a:normAutofit/>
+          </a:bodyPr>
+          <a:lstStyle>
+            <a:lvl1pPr marL="0" indent="0" algn="l">
+              <a:buNone/>
+              <a:defRPr sz="1800">
+                <a:solidFill>
+                  <a:schemeClr val="tx1">
+                    <a:lumMod val="75000"/>
+                    <a:lumOff val="25000"/>
+                  </a:schemeClr>
+                </a:solidFill>
+              </a:defRPr>
+            </a:lvl1pPr>
+            <a:lvl2pPr marL="457200" indent="0">
+              <a:buNone/>
+              <a:defRPr sz="1800">
+                <a:solidFill>
+                  <a:schemeClr val="tx1">
+                    <a:tint val="75000"/>
+                  </a:schemeClr>
+                </a:solidFill>
+              </a:defRPr>
+            </a:lvl2pPr>
+            <a:lvl3pPr marL="914400" indent="0">
+              <a:buNone/>
+              <a:defRPr sz="1600">
+                <a:solidFill>
+                  <a:schemeClr val="tx1">
+                    <a:tint val="75000"/>
+                  </a:schemeClr>
+                </a:solidFill>
+              </a:defRPr>
+            </a:lvl3pPr>
+            <a:lvl4pPr marL="1371600" indent="0">
+              <a:buNone/>
+              <a:defRPr sz="1400">
+                <a:solidFill>
+                  <a:schemeClr val="tx1">
+                    <a:tint val="75000"/>
+                  </a:schemeClr>
+                </a:solidFill>
+              </a:defRPr>
+            </a:lvl4pPr>
+            <a:lvl5pPr marL="1828800" indent="0">
+              <a:buNone/>
+              <a:defRPr sz="1400">
+                <a:solidFill>
+                  <a:schemeClr val="tx1">
+                    <a:tint val="75000"/>
+                  </a:schemeClr>
+                </a:solidFill>
+              </a:defRPr>
+            </a:lvl5pPr>
+            <a:lvl6pPr marL="2286000" indent="0">
+              <a:buNone/>
+              <a:defRPr sz="1400">
+                <a:solidFill>
+                  <a:schemeClr val="tx1">
+                    <a:tint val="75000"/>
+                  </a:schemeClr>
+                </a:solidFill>
+              </a:defRPr>
+            </a:lvl6pPr>
+            <a:lvl7pPr marL="2743200" indent="0">
+              <a:buNone/>
+              <a:defRPr sz="1400">
+                <a:solidFill>
+                  <a:schemeClr val="tx1">
+                    <a:tint val="75000"/>
+                  </a:schemeClr>
+                </a:solidFill>
+              </a:defRPr>
+            </a:lvl7pPr>
+            <a:lvl8pPr marL="3200400" indent="0">
+              <a:buNone/>
+              <a:defRPr sz="1400">
+                <a:solidFill>
+                  <a:schemeClr val="tx1">
+                    <a:tint val="75000"/>
+                  </a:schemeClr>
+                </a:solidFill>
+              </a:defRPr>
+            </a:lvl8pPr>
+            <a:lvl9pPr marL="3657600" indent="0">
+              <a:buNone/>
+              <a:defRPr sz="1400">
+                <a:solidFill>
+                  <a:schemeClr val="tx1">
+                    <a:tint val="75000"/>
+                  </a:schemeClr>
+                </a:solidFill>
+              </a:defRPr>
+            </a:lvl9pPr>
+          </a:lstStyle>
+          <a:p>
+            <a:pPr lvl="0"/>
+            <a:r>
+              <a:rPr lang="en-US" smtClean="0"/>
+              <a:t>Click to edit Master text styles</a:t>
+            </a:r>
+          </a:p>
+        </p:txBody>
+      </p:sp>
+      <p:sp>
+        <p:nvSpPr>
+          <p:cNvPr id="4" name="Date Placeholder 3"/>
+          <p:cNvSpPr>
+            <a:spLocks noGrp="1"/>
+          </p:cNvSpPr>
+          <p:nvPr>
+            <p:ph type="dt" sz="half" idx="10"/>
+          </p:nvPr>
+        </p:nvSpPr>
+        <p:spPr/>
+        <p:txBody>
+          <a:bodyPr/>
+          <a:lstStyle/>
+          <a:p>
+            <a:fld id="{EED1C14C-A143-42F5-B247-D0E800131009}" type="datetimeFigureOut">
+              <a:rPr lang="en-US" smtClean="0"/>
+              <a:t>5/11/2023</a:t>
+            </a:fld>
+            <a:endParaRPr lang="en-US"/>
+          </a:p>
+        </p:txBody>
+      </p:sp>
+      <p:sp>
+        <p:nvSpPr>
+          <p:cNvPr id="5" name="Footer Placeholder 4"/>
+          <p:cNvSpPr>
+            <a:spLocks noGrp="1"/>
+          </p:cNvSpPr>
+          <p:nvPr>
+            <p:ph type="ftr" sz="quarter" idx="11"/>
+          </p:nvPr>
+        </p:nvSpPr>
+        <p:spPr/>
+        <p:txBody>
+          <a:bodyPr/>
+          <a:lstStyle/>
+          <a:p>
+            <a:endParaRPr lang="en-US"/>
+          </a:p>
+        </p:txBody>
+      </p:sp>
+      <p:sp>
+        <p:nvSpPr>
+          <p:cNvPr id="6" name="Slide Number Placeholder 5"/>
+          <p:cNvSpPr>
+            <a:spLocks noGrp="1"/>
+          </p:cNvSpPr>
+          <p:nvPr>
+            <p:ph type="sldNum" sz="quarter" idx="12"/>
+          </p:nvPr>
+        </p:nvSpPr>
+        <p:spPr/>
+        <p:txBody>
+          <a:bodyPr/>
+          <a:lstStyle/>
+          <a:p>
+            <a:fld id="{5B03D32D-F1BC-4E9C-97E1-36CFF5B22341}" type="slidenum">
+              <a:rPr lang="en-US" smtClean="0"/>
+              <a:t>‹#›</a:t>
+            </a:fld>
+            <a:endParaRPr lang="en-US"/>
+          </a:p>
+        </p:txBody>
+      </p:sp>
+    </p:spTree>
+    <p:extLst>
+      <p:ext uri="{BB962C8B-B14F-4D97-AF65-F5344CB8AC3E}">
+        <p14:creationId xmlns:p14="http://schemas.microsoft.com/office/powerpoint/2010/main" val="3738083768"/>
+      </p:ext>
+    </p:extLst>
+  </p:cSld>
+  <p:clrMapOvr>
+    <a:masterClrMapping/>
+  </p:clrMapOvr>
+</p:sldLayout>
+</file>
+
+<file path=ppt/slideLayouts/slideLayout11.xml><?xml version="1.0" encoding="utf-8"?>
+<p:sldLayout xmlns:a="http://schemas.openxmlformats.org/drawingml/2006/main" xmlns:r="http://schemas.openxmlformats.org/officeDocument/2006/relationships" xmlns:p="http://schemas.openxmlformats.org/presentationml/2006/main" preserve="1">
+  <p:cSld name="Quote with Caption">
+    <p:spTree>
+      <p:nvGrpSpPr>
+        <p:cNvPr id="1" name=""/>
+        <p:cNvGrpSpPr/>
+        <p:nvPr/>
+      </p:nvGrpSpPr>
+      <p:grpSpPr>
+        <a:xfrm>
+          <a:off x="0" y="0"/>
+          <a:ext cx="0" cy="0"/>
+          <a:chOff x="0" y="0"/>
+          <a:chExt cx="0" cy="0"/>
+        </a:xfrm>
+      </p:grpSpPr>
+      <p:sp>
+        <p:nvSpPr>
+          <p:cNvPr id="2" name="Title 1"/>
+          <p:cNvSpPr>
+            <a:spLocks noGrp="1"/>
+          </p:cNvSpPr>
+          <p:nvPr>
+            <p:ph type="title"/>
+          </p:nvPr>
+        </p:nvSpPr>
+        <p:spPr>
+          <a:xfrm>
+            <a:off x="931334" y="609600"/>
+            <a:ext cx="8094134" cy="3022600"/>
+          </a:xfrm>
+        </p:spPr>
+        <p:txBody>
+          <a:bodyPr anchor="ctr">
+            <a:normAutofit/>
+          </a:bodyPr>
+          <a:lstStyle>
+            <a:lvl1pPr algn="l">
+              <a:defRPr sz="4400" b="0" cap="none"/>
+            </a:lvl1pPr>
+          </a:lstStyle>
+          <a:p>
+            <a:r>
+              <a:rPr lang="en-US" smtClean="0"/>
+              <a:t>Click to edit Master title style</a:t>
+            </a:r>
+            <a:endParaRPr lang="en-US" dirty="0"/>
+          </a:p>
+        </p:txBody>
+      </p:sp>
+      <p:sp>
+        <p:nvSpPr>
+          <p:cNvPr id="23" name="Text Placeholder 9"/>
+          <p:cNvSpPr>
+            <a:spLocks noGrp="1"/>
+          </p:cNvSpPr>
+          <p:nvPr>
+            <p:ph type="body" sz="quarter" idx="13"/>
+          </p:nvPr>
+        </p:nvSpPr>
+        <p:spPr>
+          <a:xfrm>
+            <a:off x="1366139" y="3632200"/>
+            <a:ext cx="7224524" cy="381000"/>
+          </a:xfrm>
+        </p:spPr>
+        <p:txBody>
+          <a:bodyPr anchor="ctr">
+            <a:noAutofit/>
+          </a:bodyPr>
+          <a:lstStyle>
+            <a:lvl1pPr marL="0" indent="0">
+              <a:buFontTx/>
+              <a:buNone/>
+              <a:defRPr sz="1600">
+                <a:solidFill>
+                  <a:schemeClr val="tx1">
+                    <a:lumMod val="50000"/>
+                    <a:lumOff val="50000"/>
+                  </a:schemeClr>
+                </a:solidFill>
+              </a:defRPr>
+            </a:lvl1pPr>
+            <a:lvl2pPr marL="457200" indent="0">
+              <a:buFontTx/>
+              <a:buNone/>
+              <a:defRPr/>
+            </a:lvl2pPr>
+            <a:lvl3pPr marL="914400" indent="0">
+              <a:buFontTx/>
+              <a:buNone/>
+              <a:defRPr/>
+            </a:lvl3pPr>
+            <a:lvl4pPr marL="1371600" indent="0">
+              <a:buFontTx/>
+              <a:buNone/>
+              <a:defRPr/>
+            </a:lvl4pPr>
+            <a:lvl5pPr marL="1828800" indent="0">
+              <a:buFontTx/>
+              <a:buNone/>
+              <a:defRPr/>
+            </a:lvl5pPr>
+          </a:lstStyle>
+          <a:p>
+            <a:pPr lvl="0"/>
+            <a:r>
+              <a:rPr lang="en-US" smtClean="0"/>
+              <a:t>Click to edit Master text styles</a:t>
+            </a:r>
+          </a:p>
+        </p:txBody>
+      </p:sp>
+      <p:sp>
+        <p:nvSpPr>
+          <p:cNvPr id="3" name="Text Placeholder 2"/>
+          <p:cNvSpPr>
+            <a:spLocks noGrp="1"/>
+          </p:cNvSpPr>
+          <p:nvPr>
+            <p:ph type="body" idx="1"/>
+          </p:nvPr>
+        </p:nvSpPr>
+        <p:spPr>
+          <a:xfrm>
+            <a:off x="677335" y="4470400"/>
+            <a:ext cx="8596668" cy="1570962"/>
+          </a:xfrm>
+        </p:spPr>
+        <p:txBody>
+          <a:bodyPr anchor="ctr">
+            <a:normAutofit/>
+          </a:bodyPr>
+          <a:lstStyle>
+            <a:lvl1pPr marL="0" indent="0" algn="l">
+              <a:buNone/>
+              <a:defRPr sz="1800">
+                <a:solidFill>
+                  <a:schemeClr val="tx1">
+                    <a:lumMod val="75000"/>
+                    <a:lumOff val="25000"/>
+                  </a:schemeClr>
+                </a:solidFill>
+              </a:defRPr>
+            </a:lvl1pPr>
+            <a:lvl2pPr marL="457200" indent="0">
+              <a:buNone/>
+              <a:defRPr sz="1800">
+                <a:solidFill>
+                  <a:schemeClr val="tx1">
+                    <a:tint val="75000"/>
+                  </a:schemeClr>
+                </a:solidFill>
+              </a:defRPr>
+            </a:lvl2pPr>
+            <a:lvl3pPr marL="914400" indent="0">
+              <a:buNone/>
+              <a:defRPr sz="1600">
+                <a:solidFill>
+                  <a:schemeClr val="tx1">
+                    <a:tint val="75000"/>
+                  </a:schemeClr>
+                </a:solidFill>
+              </a:defRPr>
+            </a:lvl3pPr>
+            <a:lvl4pPr marL="1371600" indent="0">
+              <a:buNone/>
+              <a:defRPr sz="1400">
+                <a:solidFill>
+                  <a:schemeClr val="tx1">
+                    <a:tint val="75000"/>
+                  </a:schemeClr>
+                </a:solidFill>
+              </a:defRPr>
+            </a:lvl4pPr>
+            <a:lvl5pPr marL="1828800" indent="0">
+              <a:buNone/>
+              <a:defRPr sz="1400">
+                <a:solidFill>
+                  <a:schemeClr val="tx1">
+                    <a:tint val="75000"/>
+                  </a:schemeClr>
+                </a:solidFill>
+              </a:defRPr>
+            </a:lvl5pPr>
+            <a:lvl6pPr marL="2286000" indent="0">
+              <a:buNone/>
+              <a:defRPr sz="1400">
+                <a:solidFill>
+                  <a:schemeClr val="tx1">
+                    <a:tint val="75000"/>
+                  </a:schemeClr>
+                </a:solidFill>
+              </a:defRPr>
+            </a:lvl6pPr>
+            <a:lvl7pPr marL="2743200" indent="0">
+              <a:buNone/>
+              <a:defRPr sz="1400">
+                <a:solidFill>
+                  <a:schemeClr val="tx1">
+                    <a:tint val="75000"/>
+                  </a:schemeClr>
+                </a:solidFill>
+              </a:defRPr>
+            </a:lvl7pPr>
+            <a:lvl8pPr marL="3200400" indent="0">
+              <a:buNone/>
+              <a:defRPr sz="1400">
+                <a:solidFill>
+                  <a:schemeClr val="tx1">
+                    <a:tint val="75000"/>
+                  </a:schemeClr>
+                </a:solidFill>
+              </a:defRPr>
+            </a:lvl8pPr>
+            <a:lvl9pPr marL="3657600" indent="0">
+              <a:buNone/>
+              <a:defRPr sz="1400">
+                <a:solidFill>
+                  <a:schemeClr val="tx1">
+                    <a:tint val="75000"/>
+                  </a:schemeClr>
+                </a:solidFill>
+              </a:defRPr>
+            </a:lvl9pPr>
+          </a:lstStyle>
+          <a:p>
+            <a:pPr lvl="0"/>
+            <a:r>
+              <a:rPr lang="en-US" smtClean="0"/>
+              <a:t>Click to edit Master text styles</a:t>
+            </a:r>
+          </a:p>
+        </p:txBody>
+      </p:sp>
+      <p:sp>
+        <p:nvSpPr>
+          <p:cNvPr id="4" name="Date Placeholder 3"/>
+          <p:cNvSpPr>
+            <a:spLocks noGrp="1"/>
+          </p:cNvSpPr>
+          <p:nvPr>
+            <p:ph type="dt" sz="half" idx="10"/>
+          </p:nvPr>
+        </p:nvSpPr>
+        <p:spPr/>
+        <p:txBody>
+          <a:bodyPr/>
+          <a:lstStyle/>
+          <a:p>
+            <a:fld id="{EED1C14C-A143-42F5-B247-D0E800131009}" type="datetimeFigureOut">
+              <a:rPr lang="en-US" smtClean="0"/>
+              <a:t>5/11/2023</a:t>
+            </a:fld>
+            <a:endParaRPr lang="en-US"/>
+          </a:p>
+        </p:txBody>
+      </p:sp>
+      <p:sp>
+        <p:nvSpPr>
+          <p:cNvPr id="5" name="Footer Placeholder 4"/>
+          <p:cNvSpPr>
+            <a:spLocks noGrp="1"/>
+          </p:cNvSpPr>
+          <p:nvPr>
+            <p:ph type="ftr" sz="quarter" idx="11"/>
+          </p:nvPr>
+        </p:nvSpPr>
+        <p:spPr/>
+        <p:txBody>
+          <a:bodyPr/>
+          <a:lstStyle/>
+          <a:p>
+            <a:endParaRPr lang="en-US"/>
+          </a:p>
+        </p:txBody>
+      </p:sp>
+      <p:sp>
+        <p:nvSpPr>
+          <p:cNvPr id="6" name="Slide Number Placeholder 5"/>
+          <p:cNvSpPr>
+            <a:spLocks noGrp="1"/>
+          </p:cNvSpPr>
+          <p:nvPr>
+            <p:ph type="sldNum" sz="quarter" idx="12"/>
+          </p:nvPr>
+        </p:nvSpPr>
+        <p:spPr/>
+        <p:txBody>
+          <a:bodyPr/>
+          <a:lstStyle/>
+          <a:p>
+            <a:fld id="{5B03D32D-F1BC-4E9C-97E1-36CFF5B22341}" type="slidenum">
+              <a:rPr lang="en-US" smtClean="0"/>
+              <a:t>‹#›</a:t>
+            </a:fld>
+            <a:endParaRPr lang="en-US"/>
+          </a:p>
+        </p:txBody>
+      </p:sp>
+      <p:sp>
+        <p:nvSpPr>
+          <p:cNvPr id="20" name="TextBox 19"/>
+          <p:cNvSpPr txBox="1"/>
+          <p:nvPr/>
+        </p:nvSpPr>
+        <p:spPr>
+          <a:xfrm>
+            <a:off x="541870" y="790378"/>
+            <a:ext cx="609600" cy="584776"/>
+          </a:xfrm>
+          <a:prstGeom prst="rect">
+            <a:avLst/>
+          </a:prstGeom>
+        </p:spPr>
+        <p:txBody>
+          <a:bodyPr vert="horz" lIns="91440" tIns="45720" rIns="91440" bIns="45720" rtlCol="0" anchor="ctr">
+            <a:noAutofit/>
+          </a:bodyPr>
+          <a:lstStyle/>
+          <a:p>
+            <a:pPr lvl="0"/>
+            <a:r>
+              <a:rPr lang="en-US" sz="8000" baseline="0" dirty="0">
+                <a:ln w="3175" cmpd="sng">
+                  <a:noFill/>
+                </a:ln>
+                <a:solidFill>
+                  <a:schemeClr val="accent1">
+                    <a:lumMod val="60000"/>
+                    <a:lumOff val="40000"/>
+                  </a:schemeClr>
+                </a:solidFill>
+                <a:effectLst/>
+                <a:latin typeface="Arial"/>
+              </a:rPr>
+              <a:t>“</a:t>
+            </a:r>
+          </a:p>
+        </p:txBody>
+      </p:sp>
+      <p:sp>
+        <p:nvSpPr>
+          <p:cNvPr id="22" name="TextBox 21"/>
+          <p:cNvSpPr txBox="1"/>
+          <p:nvPr/>
+        </p:nvSpPr>
+        <p:spPr>
+          <a:xfrm>
+            <a:off x="8893011" y="2886556"/>
+            <a:ext cx="609600" cy="584776"/>
+          </a:xfrm>
+          <a:prstGeom prst="rect">
+            <a:avLst/>
+          </a:prstGeom>
+        </p:spPr>
+        <p:txBody>
+          <a:bodyPr vert="horz" lIns="91440" tIns="45720" rIns="91440" bIns="45720" rtlCol="0" anchor="ctr">
+            <a:noAutofit/>
+          </a:bodyPr>
+          <a:lstStyle/>
+          <a:p>
+            <a:pPr lvl="0"/>
+            <a:r>
+              <a:rPr lang="en-US" sz="8000" baseline="0" dirty="0">
+                <a:ln w="3175" cmpd="sng">
+                  <a:noFill/>
+                </a:ln>
+                <a:solidFill>
+                  <a:schemeClr val="accent1">
+                    <a:lumMod val="60000"/>
+                    <a:lumOff val="40000"/>
+                  </a:schemeClr>
+                </a:solidFill>
+                <a:latin typeface="Arial"/>
+              </a:rPr>
+              <a:t>”</a:t>
+            </a:r>
+            <a:endParaRPr lang="en-US" dirty="0">
+              <a:solidFill>
+                <a:schemeClr val="accent1">
+                  <a:lumMod val="60000"/>
+                  <a:lumOff val="40000"/>
+                </a:schemeClr>
+              </a:solidFill>
+              <a:latin typeface="Arial"/>
+            </a:endParaRPr>
+          </a:p>
+        </p:txBody>
+      </p:sp>
+    </p:spTree>
+    <p:extLst>
+      <p:ext uri="{BB962C8B-B14F-4D97-AF65-F5344CB8AC3E}">
+        <p14:creationId xmlns:p14="http://schemas.microsoft.com/office/powerpoint/2010/main" val="3487434848"/>
+      </p:ext>
+    </p:extLst>
+  </p:cSld>
+  <p:clrMapOvr>
+    <a:masterClrMapping/>
+  </p:clrMapOvr>
+</p:sldLayout>
+</file>
+
+<file path=ppt/slideLayouts/slideLayout12.xml><?xml version="1.0" encoding="utf-8"?>
+<p:sldLayout xmlns:a="http://schemas.openxmlformats.org/drawingml/2006/main" xmlns:r="http://schemas.openxmlformats.org/officeDocument/2006/relationships" xmlns:p="http://schemas.openxmlformats.org/presentationml/2006/main" preserve="1">
+  <p:cSld name="Name Card">
+    <p:spTree>
+      <p:nvGrpSpPr>
+        <p:cNvPr id="1" name=""/>
+        <p:cNvGrpSpPr/>
+        <p:nvPr/>
+      </p:nvGrpSpPr>
+      <p:grpSpPr>
+        <a:xfrm>
+          <a:off x="0" y="0"/>
+          <a:ext cx="0" cy="0"/>
+          <a:chOff x="0" y="0"/>
+          <a:chExt cx="0" cy="0"/>
+        </a:xfrm>
+      </p:grpSpPr>
+      <p:sp>
+        <p:nvSpPr>
+          <p:cNvPr id="2" name="Title 1"/>
+          <p:cNvSpPr>
+            <a:spLocks noGrp="1"/>
+          </p:cNvSpPr>
+          <p:nvPr>
+            <p:ph type="title"/>
+          </p:nvPr>
+        </p:nvSpPr>
+        <p:spPr>
+          <a:xfrm>
+            <a:off x="677335" y="1931988"/>
+            <a:ext cx="8596668" cy="2595460"/>
+          </a:xfrm>
+        </p:spPr>
+        <p:txBody>
+          <a:bodyPr anchor="b">
+            <a:normAutofit/>
+          </a:bodyPr>
+          <a:lstStyle>
+            <a:lvl1pPr algn="l">
+              <a:defRPr sz="4400" b="0" cap="none"/>
+            </a:lvl1pPr>
+          </a:lstStyle>
+          <a:p>
+            <a:r>
+              <a:rPr lang="en-US" smtClean="0"/>
+              <a:t>Click to edit Master title style</a:t>
+            </a:r>
+            <a:endParaRPr lang="en-US" dirty="0"/>
+          </a:p>
+        </p:txBody>
+      </p:sp>
+      <p:sp>
+        <p:nvSpPr>
+          <p:cNvPr id="3" name="Text Placeholder 2"/>
+          <p:cNvSpPr>
+            <a:spLocks noGrp="1"/>
+          </p:cNvSpPr>
+          <p:nvPr>
+            <p:ph type="body" idx="1"/>
+          </p:nvPr>
+        </p:nvSpPr>
+        <p:spPr>
+          <a:xfrm>
+            <a:off x="677335" y="4527448"/>
+            <a:ext cx="8596668" cy="1513914"/>
+          </a:xfrm>
+        </p:spPr>
+        <p:txBody>
+          <a:bodyPr anchor="t">
+            <a:normAutofit/>
+          </a:bodyPr>
+          <a:lstStyle>
+            <a:lvl1pPr marL="0" indent="0" algn="l">
+              <a:buNone/>
+              <a:defRPr sz="1800">
+                <a:solidFill>
+                  <a:schemeClr val="tx1">
+                    <a:lumMod val="75000"/>
+                    <a:lumOff val="25000"/>
+                  </a:schemeClr>
+                </a:solidFill>
+              </a:defRPr>
+            </a:lvl1pPr>
+            <a:lvl2pPr marL="457200" indent="0">
+              <a:buNone/>
+              <a:defRPr sz="1800">
+                <a:solidFill>
+                  <a:schemeClr val="tx1">
+                    <a:tint val="75000"/>
+                  </a:schemeClr>
+                </a:solidFill>
+              </a:defRPr>
+            </a:lvl2pPr>
+            <a:lvl3pPr marL="914400" indent="0">
+              <a:buNone/>
+              <a:defRPr sz="1600">
+                <a:solidFill>
+                  <a:schemeClr val="tx1">
+                    <a:tint val="75000"/>
+                  </a:schemeClr>
+                </a:solidFill>
+              </a:defRPr>
+            </a:lvl3pPr>
+            <a:lvl4pPr marL="1371600" indent="0">
+              <a:buNone/>
+              <a:defRPr sz="1400">
+                <a:solidFill>
+                  <a:schemeClr val="tx1">
+                    <a:tint val="75000"/>
+                  </a:schemeClr>
+                </a:solidFill>
+              </a:defRPr>
+            </a:lvl4pPr>
+            <a:lvl5pPr marL="1828800" indent="0">
+              <a:buNone/>
+              <a:defRPr sz="1400">
+                <a:solidFill>
+                  <a:schemeClr val="tx1">
+                    <a:tint val="75000"/>
+                  </a:schemeClr>
+                </a:solidFill>
+              </a:defRPr>
+            </a:lvl5pPr>
+            <a:lvl6pPr marL="2286000" indent="0">
+              <a:buNone/>
+              <a:defRPr sz="1400">
+                <a:solidFill>
+                  <a:schemeClr val="tx1">
+                    <a:tint val="75000"/>
+                  </a:schemeClr>
+                </a:solidFill>
+              </a:defRPr>
+            </a:lvl6pPr>
+            <a:lvl7pPr marL="2743200" indent="0">
+              <a:buNone/>
+              <a:defRPr sz="1400">
+                <a:solidFill>
+                  <a:schemeClr val="tx1">
+                    <a:tint val="75000"/>
+                  </a:schemeClr>
+                </a:solidFill>
+              </a:defRPr>
+            </a:lvl7pPr>
+            <a:lvl8pPr marL="3200400" indent="0">
+              <a:buNone/>
+              <a:defRPr sz="1400">
+                <a:solidFill>
+                  <a:schemeClr val="tx1">
+                    <a:tint val="75000"/>
+                  </a:schemeClr>
+                </a:solidFill>
+              </a:defRPr>
+            </a:lvl8pPr>
+            <a:lvl9pPr marL="3657600" indent="0">
+              <a:buNone/>
+              <a:defRPr sz="1400">
+                <a:solidFill>
+                  <a:schemeClr val="tx1">
+                    <a:tint val="75000"/>
+                  </a:schemeClr>
+                </a:solidFill>
+              </a:defRPr>
+            </a:lvl9pPr>
+          </a:lstStyle>
+          <a:p>
+            <a:pPr lvl="0"/>
+            <a:r>
+              <a:rPr lang="en-US" smtClean="0"/>
+              <a:t>Click to edit Master text styles</a:t>
+            </a:r>
+          </a:p>
+        </p:txBody>
+      </p:sp>
+      <p:sp>
+        <p:nvSpPr>
+          <p:cNvPr id="4" name="Date Placeholder 3"/>
+          <p:cNvSpPr>
+            <a:spLocks noGrp="1"/>
+          </p:cNvSpPr>
+          <p:nvPr>
+            <p:ph type="dt" sz="half" idx="10"/>
+          </p:nvPr>
+        </p:nvSpPr>
+        <p:spPr/>
+        <p:txBody>
+          <a:bodyPr/>
+          <a:lstStyle/>
+          <a:p>
+            <a:fld id="{EED1C14C-A143-42F5-B247-D0E800131009}" type="datetimeFigureOut">
+              <a:rPr lang="en-US" smtClean="0"/>
+              <a:t>5/11/2023</a:t>
+            </a:fld>
+            <a:endParaRPr lang="en-US"/>
+          </a:p>
+        </p:txBody>
+      </p:sp>
+      <p:sp>
+        <p:nvSpPr>
+          <p:cNvPr id="5" name="Footer Placeholder 4"/>
+          <p:cNvSpPr>
+            <a:spLocks noGrp="1"/>
+          </p:cNvSpPr>
+          <p:nvPr>
+            <p:ph type="ftr" sz="quarter" idx="11"/>
+          </p:nvPr>
+        </p:nvSpPr>
+        <p:spPr/>
+        <p:txBody>
+          <a:bodyPr/>
+          <a:lstStyle/>
+          <a:p>
+            <a:endParaRPr lang="en-US"/>
+          </a:p>
+        </p:txBody>
+      </p:sp>
+      <p:sp>
+        <p:nvSpPr>
+          <p:cNvPr id="6" name="Slide Number Placeholder 5"/>
+          <p:cNvSpPr>
+            <a:spLocks noGrp="1"/>
+          </p:cNvSpPr>
+          <p:nvPr>
+            <p:ph type="sldNum" sz="quarter" idx="12"/>
+          </p:nvPr>
+        </p:nvSpPr>
+        <p:spPr/>
+        <p:txBody>
+          <a:bodyPr/>
+          <a:lstStyle/>
+          <a:p>
+            <a:fld id="{5B03D32D-F1BC-4E9C-97E1-36CFF5B22341}" type="slidenum">
+              <a:rPr lang="en-US" smtClean="0"/>
+              <a:t>‹#›</a:t>
+            </a:fld>
+            <a:endParaRPr lang="en-US"/>
+          </a:p>
+        </p:txBody>
+      </p:sp>
+    </p:spTree>
+    <p:extLst>
+      <p:ext uri="{BB962C8B-B14F-4D97-AF65-F5344CB8AC3E}">
+        <p14:creationId xmlns:p14="http://schemas.microsoft.com/office/powerpoint/2010/main" val="2620775448"/>
+      </p:ext>
+    </p:extLst>
+  </p:cSld>
+  <p:clrMapOvr>
+    <a:masterClrMapping/>
+  </p:clrMapOvr>
+</p:sldLayout>
+</file>
+
+<file path=ppt/slideLayouts/slideLayout13.xml><?xml version="1.0" encoding="utf-8"?>
+<p:sldLayout xmlns:a="http://schemas.openxmlformats.org/drawingml/2006/main" xmlns:r="http://schemas.openxmlformats.org/officeDocument/2006/relationships" xmlns:p="http://schemas.openxmlformats.org/presentationml/2006/main" preserve="1">
+  <p:cSld name="Quote Name Card">
+    <p:spTree>
+      <p:nvGrpSpPr>
+        <p:cNvPr id="1" name=""/>
+        <p:cNvGrpSpPr/>
+        <p:nvPr/>
+      </p:nvGrpSpPr>
+      <p:grpSpPr>
+        <a:xfrm>
+          <a:off x="0" y="0"/>
+          <a:ext cx="0" cy="0"/>
+          <a:chOff x="0" y="0"/>
+          <a:chExt cx="0" cy="0"/>
+        </a:xfrm>
+      </p:grpSpPr>
+      <p:sp>
+        <p:nvSpPr>
+          <p:cNvPr id="2" name="Title 1"/>
+          <p:cNvSpPr>
+            <a:spLocks noGrp="1"/>
+          </p:cNvSpPr>
+          <p:nvPr>
+            <p:ph type="title"/>
+          </p:nvPr>
+        </p:nvSpPr>
+        <p:spPr>
+          <a:xfrm>
+            <a:off x="931334" y="609600"/>
+            <a:ext cx="8094134" cy="3022600"/>
+          </a:xfrm>
+        </p:spPr>
+        <p:txBody>
+          <a:bodyPr anchor="ctr">
+            <a:normAutofit/>
+          </a:bodyPr>
+          <a:lstStyle>
+            <a:lvl1pPr algn="l">
+              <a:defRPr sz="4400" b="0" cap="none"/>
+            </a:lvl1pPr>
+          </a:lstStyle>
+          <a:p>
+            <a:r>
+              <a:rPr lang="en-US" smtClean="0"/>
+              <a:t>Click to edit Master title style</a:t>
+            </a:r>
+            <a:endParaRPr lang="en-US" dirty="0"/>
+          </a:p>
+        </p:txBody>
+      </p:sp>
+      <p:sp>
+        <p:nvSpPr>
+          <p:cNvPr id="23" name="Text Placeholder 9"/>
+          <p:cNvSpPr>
+            <a:spLocks noGrp="1"/>
+          </p:cNvSpPr>
+          <p:nvPr>
+            <p:ph type="body" sz="quarter" idx="13"/>
+          </p:nvPr>
+        </p:nvSpPr>
+        <p:spPr>
+          <a:xfrm>
+            <a:off x="677332" y="4013200"/>
+            <a:ext cx="8596669" cy="514248"/>
+          </a:xfrm>
+        </p:spPr>
+        <p:txBody>
+          <a:bodyPr anchor="b">
+            <a:noAutofit/>
+          </a:bodyPr>
+          <a:lstStyle>
+            <a:lvl1pPr marL="0" indent="0">
+              <a:buFontTx/>
+              <a:buNone/>
+              <a:defRPr sz="2400">
+                <a:solidFill>
+                  <a:schemeClr val="tx1">
+                    <a:lumMod val="75000"/>
+                    <a:lumOff val="25000"/>
+                  </a:schemeClr>
+                </a:solidFill>
+              </a:defRPr>
+            </a:lvl1pPr>
+            <a:lvl2pPr marL="457200" indent="0">
+              <a:buFontTx/>
+              <a:buNone/>
+              <a:defRPr/>
+            </a:lvl2pPr>
+            <a:lvl3pPr marL="914400" indent="0">
+              <a:buFontTx/>
+              <a:buNone/>
+              <a:defRPr/>
+            </a:lvl3pPr>
+            <a:lvl4pPr marL="1371600" indent="0">
+              <a:buFontTx/>
+              <a:buNone/>
+              <a:defRPr/>
+            </a:lvl4pPr>
+            <a:lvl5pPr marL="1828800" indent="0">
+              <a:buFontTx/>
+              <a:buNone/>
+              <a:defRPr/>
+            </a:lvl5pPr>
+          </a:lstStyle>
+          <a:p>
+            <a:pPr lvl="0"/>
+            <a:r>
+              <a:rPr lang="en-US" smtClean="0"/>
+              <a:t>Click to edit Master text styles</a:t>
+            </a:r>
+          </a:p>
+        </p:txBody>
+      </p:sp>
+      <p:sp>
+        <p:nvSpPr>
+          <p:cNvPr id="3" name="Text Placeholder 2"/>
+          <p:cNvSpPr>
+            <a:spLocks noGrp="1"/>
+          </p:cNvSpPr>
+          <p:nvPr>
+            <p:ph type="body" idx="1"/>
+          </p:nvPr>
+        </p:nvSpPr>
+        <p:spPr>
+          <a:xfrm>
+            <a:off x="677335" y="4527448"/>
+            <a:ext cx="8596668" cy="1513914"/>
+          </a:xfrm>
+        </p:spPr>
+        <p:txBody>
+          <a:bodyPr anchor="t">
+            <a:normAutofit/>
+          </a:bodyPr>
+          <a:lstStyle>
+            <a:lvl1pPr marL="0" indent="0" algn="l">
+              <a:buNone/>
+              <a:defRPr sz="1800">
+                <a:solidFill>
+                  <a:schemeClr val="tx1">
+                    <a:lumMod val="50000"/>
+                    <a:lumOff val="50000"/>
+                  </a:schemeClr>
+                </a:solidFill>
+              </a:defRPr>
+            </a:lvl1pPr>
+            <a:lvl2pPr marL="457200" indent="0">
+              <a:buNone/>
+              <a:defRPr sz="1800">
+                <a:solidFill>
+                  <a:schemeClr val="tx1">
+                    <a:tint val="75000"/>
+                  </a:schemeClr>
+                </a:solidFill>
+              </a:defRPr>
+            </a:lvl2pPr>
+            <a:lvl3pPr marL="914400" indent="0">
+              <a:buNone/>
+              <a:defRPr sz="1600">
+                <a:solidFill>
+                  <a:schemeClr val="tx1">
+                    <a:tint val="75000"/>
+                  </a:schemeClr>
+                </a:solidFill>
+              </a:defRPr>
+            </a:lvl3pPr>
+            <a:lvl4pPr marL="1371600" indent="0">
+              <a:buNone/>
+              <a:defRPr sz="1400">
+                <a:solidFill>
+                  <a:schemeClr val="tx1">
+                    <a:tint val="75000"/>
+                  </a:schemeClr>
+                </a:solidFill>
+              </a:defRPr>
+            </a:lvl4pPr>
+            <a:lvl5pPr marL="1828800" indent="0">
+              <a:buNone/>
+              <a:defRPr sz="1400">
+                <a:solidFill>
+                  <a:schemeClr val="tx1">
+                    <a:tint val="75000"/>
+                  </a:schemeClr>
+                </a:solidFill>
+              </a:defRPr>
+            </a:lvl5pPr>
+            <a:lvl6pPr marL="2286000" indent="0">
+              <a:buNone/>
+              <a:defRPr sz="1400">
+                <a:solidFill>
+                  <a:schemeClr val="tx1">
+                    <a:tint val="75000"/>
+                  </a:schemeClr>
+                </a:solidFill>
+              </a:defRPr>
+            </a:lvl6pPr>
+            <a:lvl7pPr marL="2743200" indent="0">
+              <a:buNone/>
+              <a:defRPr sz="1400">
+                <a:solidFill>
+                  <a:schemeClr val="tx1">
+                    <a:tint val="75000"/>
+                  </a:schemeClr>
+                </a:solidFill>
+              </a:defRPr>
+            </a:lvl7pPr>
+            <a:lvl8pPr marL="3200400" indent="0">
+              <a:buNone/>
+              <a:defRPr sz="1400">
+                <a:solidFill>
+                  <a:schemeClr val="tx1">
+                    <a:tint val="75000"/>
+                  </a:schemeClr>
+                </a:solidFill>
+              </a:defRPr>
+            </a:lvl8pPr>
+            <a:lvl9pPr marL="3657600" indent="0">
+              <a:buNone/>
+              <a:defRPr sz="1400">
+                <a:solidFill>
+                  <a:schemeClr val="tx1">
+                    <a:tint val="75000"/>
+                  </a:schemeClr>
+                </a:solidFill>
+              </a:defRPr>
+            </a:lvl9pPr>
+          </a:lstStyle>
+          <a:p>
+            <a:pPr lvl="0"/>
+            <a:r>
+              <a:rPr lang="en-US" smtClean="0"/>
+              <a:t>Click to edit Master text styles</a:t>
+            </a:r>
+          </a:p>
+        </p:txBody>
+      </p:sp>
+      <p:sp>
+        <p:nvSpPr>
+          <p:cNvPr id="4" name="Date Placeholder 3"/>
+          <p:cNvSpPr>
+            <a:spLocks noGrp="1"/>
+          </p:cNvSpPr>
+          <p:nvPr>
+            <p:ph type="dt" sz="half" idx="10"/>
+          </p:nvPr>
+        </p:nvSpPr>
+        <p:spPr/>
+        <p:txBody>
+          <a:bodyPr/>
+          <a:lstStyle/>
+          <a:p>
+            <a:fld id="{EED1C14C-A143-42F5-B247-D0E800131009}" type="datetimeFigureOut">
+              <a:rPr lang="en-US" smtClean="0"/>
+              <a:t>5/11/2023</a:t>
+            </a:fld>
+            <a:endParaRPr lang="en-US"/>
+          </a:p>
+        </p:txBody>
+      </p:sp>
+      <p:sp>
+        <p:nvSpPr>
+          <p:cNvPr id="5" name="Footer Placeholder 4"/>
+          <p:cNvSpPr>
+            <a:spLocks noGrp="1"/>
+          </p:cNvSpPr>
+          <p:nvPr>
+            <p:ph type="ftr" sz="quarter" idx="11"/>
+          </p:nvPr>
+        </p:nvSpPr>
+        <p:spPr/>
+        <p:txBody>
+          <a:bodyPr/>
+          <a:lstStyle/>
+          <a:p>
+            <a:endParaRPr lang="en-US"/>
+          </a:p>
+        </p:txBody>
+      </p:sp>
+      <p:sp>
+        <p:nvSpPr>
+          <p:cNvPr id="6" name="Slide Number Placeholder 5"/>
+          <p:cNvSpPr>
+            <a:spLocks noGrp="1"/>
+          </p:cNvSpPr>
+          <p:nvPr>
+            <p:ph type="sldNum" sz="quarter" idx="12"/>
+          </p:nvPr>
+        </p:nvSpPr>
+        <p:spPr/>
+        <p:txBody>
+          <a:bodyPr/>
+          <a:lstStyle/>
+          <a:p>
+            <a:fld id="{5B03D32D-F1BC-4E9C-97E1-36CFF5B22341}" type="slidenum">
+              <a:rPr lang="en-US" smtClean="0"/>
+              <a:t>‹#›</a:t>
+            </a:fld>
+            <a:endParaRPr lang="en-US"/>
+          </a:p>
+        </p:txBody>
+      </p:sp>
+      <p:sp>
+        <p:nvSpPr>
+          <p:cNvPr id="24" name="TextBox 23"/>
+          <p:cNvSpPr txBox="1"/>
+          <p:nvPr/>
+        </p:nvSpPr>
+        <p:spPr>
+          <a:xfrm>
+            <a:off x="541870" y="790378"/>
+            <a:ext cx="609600" cy="584776"/>
+          </a:xfrm>
+          <a:prstGeom prst="rect">
+            <a:avLst/>
+          </a:prstGeom>
+        </p:spPr>
+        <p:txBody>
+          <a:bodyPr vert="horz" lIns="91440" tIns="45720" rIns="91440" bIns="45720" rtlCol="0" anchor="ctr">
+            <a:noAutofit/>
+          </a:bodyPr>
+          <a:lstStyle/>
+          <a:p>
+            <a:pPr lvl="0"/>
+            <a:r>
+              <a:rPr lang="en-US" sz="8000" baseline="0" dirty="0">
+                <a:ln w="3175" cmpd="sng">
+                  <a:noFill/>
+                </a:ln>
+                <a:solidFill>
+                  <a:schemeClr val="accent1">
+                    <a:lumMod val="60000"/>
+                    <a:lumOff val="40000"/>
+                  </a:schemeClr>
+                </a:solidFill>
+                <a:effectLst/>
+                <a:latin typeface="Arial"/>
+              </a:rPr>
+              <a:t>“</a:t>
+            </a:r>
+          </a:p>
+        </p:txBody>
+      </p:sp>
+      <p:sp>
+        <p:nvSpPr>
+          <p:cNvPr id="25" name="TextBox 24"/>
+          <p:cNvSpPr txBox="1"/>
+          <p:nvPr/>
+        </p:nvSpPr>
+        <p:spPr>
+          <a:xfrm>
+            <a:off x="8893011" y="2886556"/>
+            <a:ext cx="609600" cy="584776"/>
+          </a:xfrm>
+          <a:prstGeom prst="rect">
+            <a:avLst/>
+          </a:prstGeom>
+        </p:spPr>
+        <p:txBody>
+          <a:bodyPr vert="horz" lIns="91440" tIns="45720" rIns="91440" bIns="45720" rtlCol="0" anchor="ctr">
+            <a:noAutofit/>
+          </a:bodyPr>
+          <a:lstStyle/>
+          <a:p>
+            <a:pPr lvl="0"/>
+            <a:r>
+              <a:rPr lang="en-US" sz="8000" baseline="0" dirty="0">
+                <a:ln w="3175" cmpd="sng">
+                  <a:noFill/>
+                </a:ln>
+                <a:solidFill>
+                  <a:schemeClr val="accent1">
+                    <a:lumMod val="60000"/>
+                    <a:lumOff val="40000"/>
+                  </a:schemeClr>
+                </a:solidFill>
+                <a:effectLst/>
+                <a:latin typeface="Arial"/>
+              </a:rPr>
+              <a:t>”</a:t>
+            </a:r>
+          </a:p>
+        </p:txBody>
+      </p:sp>
+    </p:spTree>
+    <p:extLst>
+      <p:ext uri="{BB962C8B-B14F-4D97-AF65-F5344CB8AC3E}">
+        <p14:creationId xmlns:p14="http://schemas.microsoft.com/office/powerpoint/2010/main" val="2476426647"/>
+      </p:ext>
+    </p:extLst>
+  </p:cSld>
+  <p:clrMapOvr>
+    <a:masterClrMapping/>
+  </p:clrMapOvr>
+</p:sldLayout>
+</file>
+
+<file path=ppt/slideLayouts/slideLayout14.xml><?xml version="1.0" encoding="utf-8"?>
+<p:sldLayout xmlns:a="http://schemas.openxmlformats.org/drawingml/2006/main" xmlns:r="http://schemas.openxmlformats.org/officeDocument/2006/relationships" xmlns:p="http://schemas.openxmlformats.org/presentationml/2006/main" preserve="1">
+  <p:cSld name="True or False">
+    <p:spTree>
+      <p:nvGrpSpPr>
+        <p:cNvPr id="1" name=""/>
+        <p:cNvGrpSpPr/>
+        <p:nvPr/>
+      </p:nvGrpSpPr>
+      <p:grpSpPr>
+        <a:xfrm>
+          <a:off x="0" y="0"/>
+          <a:ext cx="0" cy="0"/>
+          <a:chOff x="0" y="0"/>
+          <a:chExt cx="0" cy="0"/>
+        </a:xfrm>
+      </p:grpSpPr>
+      <p:sp>
+        <p:nvSpPr>
+          <p:cNvPr id="2" name="Title 1"/>
+          <p:cNvSpPr>
+            <a:spLocks noGrp="1"/>
+          </p:cNvSpPr>
+          <p:nvPr>
+            <p:ph type="title"/>
+          </p:nvPr>
+        </p:nvSpPr>
+        <p:spPr>
+          <a:xfrm>
+            <a:off x="685799" y="609600"/>
+            <a:ext cx="8588203" cy="3022600"/>
+          </a:xfrm>
+        </p:spPr>
+        <p:txBody>
+          <a:bodyPr anchor="ctr">
+            <a:normAutofit/>
+          </a:bodyPr>
+          <a:lstStyle>
+            <a:lvl1pPr algn="l">
+              <a:defRPr sz="4400" b="0" cap="none"/>
+            </a:lvl1pPr>
+          </a:lstStyle>
+          <a:p>
+            <a:r>
+              <a:rPr lang="en-US" smtClean="0"/>
+              <a:t>Click to edit Master title style</a:t>
+            </a:r>
+            <a:endParaRPr lang="en-US" dirty="0"/>
+          </a:p>
+        </p:txBody>
+      </p:sp>
+      <p:sp>
+        <p:nvSpPr>
+          <p:cNvPr id="23" name="Text Placeholder 9"/>
+          <p:cNvSpPr>
+            <a:spLocks noGrp="1"/>
+          </p:cNvSpPr>
+          <p:nvPr>
+            <p:ph type="body" sz="quarter" idx="13"/>
+          </p:nvPr>
+        </p:nvSpPr>
+        <p:spPr>
+          <a:xfrm>
+            <a:off x="677332" y="4013200"/>
+            <a:ext cx="8596669" cy="514248"/>
+          </a:xfrm>
+        </p:spPr>
+        <p:txBody>
+          <a:bodyPr anchor="b">
+            <a:noAutofit/>
+          </a:bodyPr>
+          <a:lstStyle>
+            <a:lvl1pPr marL="0" indent="0">
+              <a:buFontTx/>
+              <a:buNone/>
+              <a:defRPr sz="2400">
+                <a:solidFill>
+                  <a:schemeClr val="accent1"/>
+                </a:solidFill>
+              </a:defRPr>
+            </a:lvl1pPr>
+            <a:lvl2pPr marL="457200" indent="0">
+              <a:buFontTx/>
+              <a:buNone/>
+              <a:defRPr/>
+            </a:lvl2pPr>
+            <a:lvl3pPr marL="914400" indent="0">
+              <a:buFontTx/>
+              <a:buNone/>
+              <a:defRPr/>
+            </a:lvl3pPr>
+            <a:lvl4pPr marL="1371600" indent="0">
+              <a:buFontTx/>
+              <a:buNone/>
+              <a:defRPr/>
+            </a:lvl4pPr>
+            <a:lvl5pPr marL="1828800" indent="0">
+              <a:buFontTx/>
+              <a:buNone/>
+              <a:defRPr/>
+            </a:lvl5pPr>
+          </a:lstStyle>
+          <a:p>
+            <a:pPr lvl="0"/>
+            <a:r>
+              <a:rPr lang="en-US" smtClean="0"/>
+              <a:t>Click to edit Master text styles</a:t>
+            </a:r>
+          </a:p>
+        </p:txBody>
+      </p:sp>
+      <p:sp>
+        <p:nvSpPr>
+          <p:cNvPr id="3" name="Text Placeholder 2"/>
+          <p:cNvSpPr>
+            <a:spLocks noGrp="1"/>
+          </p:cNvSpPr>
+          <p:nvPr>
+            <p:ph type="body" idx="1"/>
+          </p:nvPr>
+        </p:nvSpPr>
+        <p:spPr>
+          <a:xfrm>
+            <a:off x="677335" y="4527448"/>
+            <a:ext cx="8596668" cy="1513914"/>
+          </a:xfrm>
+        </p:spPr>
+        <p:txBody>
+          <a:bodyPr anchor="t">
+            <a:normAutofit/>
+          </a:bodyPr>
+          <a:lstStyle>
+            <a:lvl1pPr marL="0" indent="0" algn="l">
+              <a:buNone/>
+              <a:defRPr sz="1800">
+                <a:solidFill>
+                  <a:schemeClr val="tx1">
+                    <a:lumMod val="50000"/>
+                    <a:lumOff val="50000"/>
+                  </a:schemeClr>
+                </a:solidFill>
+              </a:defRPr>
+            </a:lvl1pPr>
+            <a:lvl2pPr marL="457200" indent="0">
+              <a:buNone/>
+              <a:defRPr sz="1800">
+                <a:solidFill>
+                  <a:schemeClr val="tx1">
+                    <a:tint val="75000"/>
+                  </a:schemeClr>
+                </a:solidFill>
+              </a:defRPr>
+            </a:lvl2pPr>
+            <a:lvl3pPr marL="914400" indent="0">
+              <a:buNone/>
+              <a:defRPr sz="1600">
+                <a:solidFill>
+                  <a:schemeClr val="tx1">
+                    <a:tint val="75000"/>
+                  </a:schemeClr>
+                </a:solidFill>
+              </a:defRPr>
+            </a:lvl3pPr>
+            <a:lvl4pPr marL="1371600" indent="0">
+              <a:buNone/>
+              <a:defRPr sz="1400">
+                <a:solidFill>
+                  <a:schemeClr val="tx1">
+                    <a:tint val="75000"/>
+                  </a:schemeClr>
+                </a:solidFill>
+              </a:defRPr>
+            </a:lvl4pPr>
+            <a:lvl5pPr marL="1828800" indent="0">
+              <a:buNone/>
+              <a:defRPr sz="1400">
+                <a:solidFill>
+                  <a:schemeClr val="tx1">
+                    <a:tint val="75000"/>
+                  </a:schemeClr>
+                </a:solidFill>
+              </a:defRPr>
+            </a:lvl5pPr>
+            <a:lvl6pPr marL="2286000" indent="0">
+              <a:buNone/>
+              <a:defRPr sz="1400">
+                <a:solidFill>
+                  <a:schemeClr val="tx1">
+                    <a:tint val="75000"/>
+                  </a:schemeClr>
+                </a:solidFill>
+              </a:defRPr>
+            </a:lvl6pPr>
+            <a:lvl7pPr marL="2743200" indent="0">
+              <a:buNone/>
+              <a:defRPr sz="1400">
+                <a:solidFill>
+                  <a:schemeClr val="tx1">
+                    <a:tint val="75000"/>
+                  </a:schemeClr>
+                </a:solidFill>
+              </a:defRPr>
+            </a:lvl7pPr>
+            <a:lvl8pPr marL="3200400" indent="0">
+              <a:buNone/>
+              <a:defRPr sz="1400">
+                <a:solidFill>
+                  <a:schemeClr val="tx1">
+                    <a:tint val="75000"/>
+                  </a:schemeClr>
+                </a:solidFill>
+              </a:defRPr>
+            </a:lvl8pPr>
+            <a:lvl9pPr marL="3657600" indent="0">
+              <a:buNone/>
+              <a:defRPr sz="1400">
+                <a:solidFill>
+                  <a:schemeClr val="tx1">
+                    <a:tint val="75000"/>
+                  </a:schemeClr>
+                </a:solidFill>
+              </a:defRPr>
+            </a:lvl9pPr>
+          </a:lstStyle>
+          <a:p>
+            <a:pPr lvl="0"/>
+            <a:r>
+              <a:rPr lang="en-US" smtClean="0"/>
+              <a:t>Click to edit Master text styles</a:t>
+            </a:r>
+          </a:p>
+        </p:txBody>
+      </p:sp>
+      <p:sp>
+        <p:nvSpPr>
+          <p:cNvPr id="4" name="Date Placeholder 3"/>
+          <p:cNvSpPr>
+            <a:spLocks noGrp="1"/>
+          </p:cNvSpPr>
+          <p:nvPr>
+            <p:ph type="dt" sz="half" idx="10"/>
+          </p:nvPr>
+        </p:nvSpPr>
+        <p:spPr/>
+        <p:txBody>
+          <a:bodyPr/>
+          <a:lstStyle/>
+          <a:p>
+            <a:fld id="{EED1C14C-A143-42F5-B247-D0E800131009}" type="datetimeFigureOut">
+              <a:rPr lang="en-US" smtClean="0"/>
+              <a:t>5/11/2023</a:t>
+            </a:fld>
+            <a:endParaRPr lang="en-US"/>
+          </a:p>
+        </p:txBody>
+      </p:sp>
+      <p:sp>
+        <p:nvSpPr>
+          <p:cNvPr id="5" name="Footer Placeholder 4"/>
+          <p:cNvSpPr>
+            <a:spLocks noGrp="1"/>
+          </p:cNvSpPr>
+          <p:nvPr>
+            <p:ph type="ftr" sz="quarter" idx="11"/>
+          </p:nvPr>
+        </p:nvSpPr>
+        <p:spPr/>
+        <p:txBody>
+          <a:bodyPr/>
+          <a:lstStyle/>
+          <a:p>
+            <a:endParaRPr lang="en-US"/>
+          </a:p>
+        </p:txBody>
+      </p:sp>
+      <p:sp>
+        <p:nvSpPr>
+          <p:cNvPr id="6" name="Slide Number Placeholder 5"/>
+          <p:cNvSpPr>
+            <a:spLocks noGrp="1"/>
+          </p:cNvSpPr>
+          <p:nvPr>
+            <p:ph type="sldNum" sz="quarter" idx="12"/>
+          </p:nvPr>
+        </p:nvSpPr>
+        <p:spPr/>
+        <p:txBody>
+          <a:bodyPr/>
+          <a:lstStyle/>
+          <a:p>
+            <a:fld id="{5B03D32D-F1BC-4E9C-97E1-36CFF5B22341}" type="slidenum">
+              <a:rPr lang="en-US" smtClean="0"/>
+              <a:t>‹#›</a:t>
+            </a:fld>
+            <a:endParaRPr lang="en-US"/>
+          </a:p>
+        </p:txBody>
+      </p:sp>
+    </p:spTree>
+    <p:extLst>
+      <p:ext uri="{BB962C8B-B14F-4D97-AF65-F5344CB8AC3E}">
+        <p14:creationId xmlns:p14="http://schemas.microsoft.com/office/powerpoint/2010/main" val="418991251"/>
+      </p:ext>
+    </p:extLst>
+  </p:cSld>
+  <p:clrMapOvr>
+    <a:masterClrMapping/>
+  </p:clrMapOvr>
+</p:sldLayout>
+</file>
+
+<file path=ppt/slideLayouts/slideLayout15.xml><?xml version="1.0" encoding="utf-8"?>
 <p:sldLayout xmlns:a="http://schemas.openxmlformats.org/drawingml/2006/main" xmlns:r="http://schemas.openxmlformats.org/officeDocument/2006/relationships" xmlns:p="http://schemas.openxmlformats.org/presentationml/2006/main" type="vertTx" preserve="1">
   <p:cSld name="Title and Vertical Text">
     <p:spTree>
@@ -347,13 +2529,7 @@
       </p:grpSpPr>
       <p:sp>
         <p:nvSpPr>
-          <p:cNvPr id="2" name="Title 1">
-            <a:extLst>
-              <a:ext uri="{FF2B5EF4-FFF2-40B4-BE49-F238E27FC236}">
-                <a16:creationId xmlns:a16="http://schemas.microsoft.com/office/drawing/2014/main" id="{AA6536FE-B6CA-4D45-A719-6B51F3FF6D96}"/>
-              </a:ext>
-            </a:extLst>
-          </p:cNvPr>
+          <p:cNvPr id="2" name="Title 1"/>
           <p:cNvSpPr>
             <a:spLocks noGrp="1"/>
           </p:cNvSpPr>
@@ -367,21 +2543,16 @@
           <a:lstStyle/>
           <a:p>
             <a:r>
-              <a:rPr lang="en-US"/>
+              <a:rPr lang="en-US" smtClean="0"/>
               <a:t>Click to edit Master title style</a:t>
             </a:r>
-          </a:p>
-        </p:txBody>
-      </p:sp>
-      <p:sp>
-        <p:nvSpPr>
-          <p:cNvPr id="3" name="Vertical Text Placeholder 2">
-            <a:extLst>
-              <a:ext uri="{FF2B5EF4-FFF2-40B4-BE49-F238E27FC236}">
-                <a16:creationId xmlns:a16="http://schemas.microsoft.com/office/drawing/2014/main" id="{DFB9388C-63B0-4DA8-97D0-BEEDCF401CA2}"/>
-              </a:ext>
-            </a:extLst>
-          </p:cNvPr>
+            <a:endParaRPr lang="en-US" dirty="0"/>
+          </a:p>
+        </p:txBody>
+      </p:sp>
+      <p:sp>
+        <p:nvSpPr>
+          <p:cNvPr id="3" name="Vertical Text Placeholder 2"/>
           <p:cNvSpPr>
             <a:spLocks noGrp="1"/>
           </p:cNvSpPr>
@@ -396,49 +2567,44 @@
           <a:p>
             <a:pPr lvl="0"/>
             <a:r>
-              <a:rPr lang="en-US"/>
-              <a:t>Edit Master text styles</a:t>
+              <a:rPr lang="en-US" smtClean="0"/>
+              <a:t>Click to edit Master text styles</a:t>
             </a:r>
           </a:p>
           <a:p>
             <a:pPr lvl="1"/>
             <a:r>
-              <a:rPr lang="en-US"/>
+              <a:rPr lang="en-US" smtClean="0"/>
               <a:t>Second level</a:t>
             </a:r>
           </a:p>
           <a:p>
             <a:pPr lvl="2"/>
             <a:r>
-              <a:rPr lang="en-US"/>
+              <a:rPr lang="en-US" smtClean="0"/>
               <a:t>Third level</a:t>
             </a:r>
           </a:p>
           <a:p>
             <a:pPr lvl="3"/>
             <a:r>
-              <a:rPr lang="en-US"/>
+              <a:rPr lang="en-US" smtClean="0"/>
               <a:t>Fourth level</a:t>
             </a:r>
           </a:p>
           <a:p>
             <a:pPr lvl="4"/>
             <a:r>
-              <a:rPr lang="en-US"/>
+              <a:rPr lang="en-US" smtClean="0"/>
               <a:t>Fifth level</a:t>
             </a:r>
-          </a:p>
-        </p:txBody>
-      </p:sp>
-      <p:sp>
-        <p:nvSpPr>
-          <p:cNvPr id="4" name="Date Placeholder 3">
-            <a:extLst>
-              <a:ext uri="{FF2B5EF4-FFF2-40B4-BE49-F238E27FC236}">
-                <a16:creationId xmlns:a16="http://schemas.microsoft.com/office/drawing/2014/main" id="{3ED9BDB0-2A2B-43AC-965A-A9E7E7F741CD}"/>
-              </a:ext>
-            </a:extLst>
-          </p:cNvPr>
+            <a:endParaRPr lang="en-US" dirty="0"/>
+          </a:p>
+        </p:txBody>
+      </p:sp>
+      <p:sp>
+        <p:nvSpPr>
+          <p:cNvPr id="4" name="Date Placeholder 3"/>
           <p:cNvSpPr>
             <a:spLocks noGrp="1"/>
           </p:cNvSpPr>
@@ -453,7 +2619,7 @@
           <a:p>
             <a:fld id="{EED1C14C-A143-42F5-B247-D0E800131009}" type="datetimeFigureOut">
               <a:rPr lang="en-US" smtClean="0"/>
-              <a:t>8/15/2018</a:t>
+              <a:t>5/11/2023</a:t>
             </a:fld>
             <a:endParaRPr lang="en-US"/>
           </a:p>
@@ -461,13 +2627,7 @@
       </p:sp>
       <p:sp>
         <p:nvSpPr>
-          <p:cNvPr id="5" name="Footer Placeholder 4">
-            <a:extLst>
-              <a:ext uri="{FF2B5EF4-FFF2-40B4-BE49-F238E27FC236}">
-                <a16:creationId xmlns:a16="http://schemas.microsoft.com/office/drawing/2014/main" id="{B67DA7C3-2A5B-4BED-A540-9136486CC5B6}"/>
-              </a:ext>
-            </a:extLst>
-          </p:cNvPr>
+          <p:cNvPr id="5" name="Footer Placeholder 4"/>
           <p:cNvSpPr>
             <a:spLocks noGrp="1"/>
           </p:cNvSpPr>
@@ -486,13 +2646,7 @@
       </p:sp>
       <p:sp>
         <p:nvSpPr>
-          <p:cNvPr id="6" name="Slide Number Placeholder 5">
-            <a:extLst>
-              <a:ext uri="{FF2B5EF4-FFF2-40B4-BE49-F238E27FC236}">
-                <a16:creationId xmlns:a16="http://schemas.microsoft.com/office/drawing/2014/main" id="{835888E8-31D6-4E51-9228-0D6066FED555}"/>
-              </a:ext>
-            </a:extLst>
-          </p:cNvPr>
+          <p:cNvPr id="6" name="Slide Number Placeholder 5"/>
           <p:cNvSpPr>
             <a:spLocks noGrp="1"/>
           </p:cNvSpPr>
@@ -516,7 +2670,7 @@
     </p:spTree>
     <p:extLst>
       <p:ext uri="{BB962C8B-B14F-4D97-AF65-F5344CB8AC3E}">
-        <p14:creationId xmlns:p14="http://schemas.microsoft.com/office/powerpoint/2010/main" val="3471160673"/>
+        <p14:creationId xmlns:p14="http://schemas.microsoft.com/office/powerpoint/2010/main" val="2135147527"/>
       </p:ext>
     </p:extLst>
   </p:cSld>
@@ -526,7 +2680,7 @@
 </p:sldLayout>
 </file>
 
-<file path=ppt/slideLayouts/slideLayout11.xml><?xml version="1.0" encoding="utf-8"?>
+<file path=ppt/slideLayouts/slideLayout16.xml><?xml version="1.0" encoding="utf-8"?>
 <p:sldLayout xmlns:a="http://schemas.openxmlformats.org/drawingml/2006/main" xmlns:r="http://schemas.openxmlformats.org/officeDocument/2006/relationships" xmlns:p="http://schemas.openxmlformats.org/presentationml/2006/main" type="vertTitleAndTx" preserve="1">
   <p:cSld name="Vertical Title and Text">
     <p:spTree>
@@ -545,13 +2699,7 @@
       </p:grpSpPr>
       <p:sp>
         <p:nvSpPr>
-          <p:cNvPr id="2" name="Vertical Title 1">
-            <a:extLst>
-              <a:ext uri="{FF2B5EF4-FFF2-40B4-BE49-F238E27FC236}">
-                <a16:creationId xmlns:a16="http://schemas.microsoft.com/office/drawing/2014/main" id="{E3D010CA-6776-433E-8E25-97899E08288F}"/>
-              </a:ext>
-            </a:extLst>
-          </p:cNvPr>
+          <p:cNvPr id="2" name="Vertical Title 1"/>
           <p:cNvSpPr>
             <a:spLocks noGrp="1"/>
           </p:cNvSpPr>
@@ -561,30 +2709,25 @@
         </p:nvSpPr>
         <p:spPr>
           <a:xfrm>
-            <a:off x="8724900" y="365125"/>
-            <a:ext cx="2628900" cy="5811838"/>
+            <a:off x="7967673" y="609599"/>
+            <a:ext cx="1304743" cy="5251451"/>
           </a:xfrm>
         </p:spPr>
         <p:txBody>
-          <a:bodyPr vert="eaVert"/>
-          <a:lstStyle/>
-          <a:p>
-            <a:r>
-              <a:rPr lang="en-US"/>
+          <a:bodyPr vert="eaVert" anchor="ctr"/>
+          <a:lstStyle/>
+          <a:p>
+            <a:r>
+              <a:rPr lang="en-US" smtClean="0"/>
               <a:t>Click to edit Master title style</a:t>
             </a:r>
-          </a:p>
-        </p:txBody>
-      </p:sp>
-      <p:sp>
-        <p:nvSpPr>
-          <p:cNvPr id="3" name="Vertical Text Placeholder 2">
-            <a:extLst>
-              <a:ext uri="{FF2B5EF4-FFF2-40B4-BE49-F238E27FC236}">
-                <a16:creationId xmlns:a16="http://schemas.microsoft.com/office/drawing/2014/main" id="{06391E6E-3CF5-4535-B37E-E30058EA2848}"/>
-              </a:ext>
-            </a:extLst>
-          </p:cNvPr>
+            <a:endParaRPr lang="en-US" dirty="0"/>
+          </a:p>
+        </p:txBody>
+      </p:sp>
+      <p:sp>
+        <p:nvSpPr>
+          <p:cNvPr id="3" name="Vertical Text Placeholder 2"/>
           <p:cNvSpPr>
             <a:spLocks noGrp="1"/>
           </p:cNvSpPr>
@@ -594,8 +2737,8 @@
         </p:nvSpPr>
         <p:spPr>
           <a:xfrm>
-            <a:off x="838200" y="365125"/>
-            <a:ext cx="7734300" cy="5811838"/>
+            <a:off x="677335" y="609600"/>
+            <a:ext cx="7060150" cy="5251450"/>
           </a:xfrm>
         </p:spPr>
         <p:txBody>
@@ -604,49 +2747,44 @@
           <a:p>
             <a:pPr lvl="0"/>
             <a:r>
-              <a:rPr lang="en-US"/>
-              <a:t>Edit Master text styles</a:t>
+              <a:rPr lang="en-US" smtClean="0"/>
+              <a:t>Click to edit Master text styles</a:t>
             </a:r>
           </a:p>
           <a:p>
             <a:pPr lvl="1"/>
             <a:r>
-              <a:rPr lang="en-US"/>
+              <a:rPr lang="en-US" smtClean="0"/>
               <a:t>Second level</a:t>
             </a:r>
           </a:p>
           <a:p>
             <a:pPr lvl="2"/>
             <a:r>
-              <a:rPr lang="en-US"/>
+              <a:rPr lang="en-US" smtClean="0"/>
               <a:t>Third level</a:t>
             </a:r>
           </a:p>
           <a:p>
             <a:pPr lvl="3"/>
             <a:r>
-              <a:rPr lang="en-US"/>
+              <a:rPr lang="en-US" smtClean="0"/>
               <a:t>Fourth level</a:t>
             </a:r>
           </a:p>
           <a:p>
             <a:pPr lvl="4"/>
             <a:r>
-              <a:rPr lang="en-US"/>
+              <a:rPr lang="en-US" smtClean="0"/>
               <a:t>Fifth level</a:t>
             </a:r>
-          </a:p>
-        </p:txBody>
-      </p:sp>
-      <p:sp>
-        <p:nvSpPr>
-          <p:cNvPr id="4" name="Date Placeholder 3">
-            <a:extLst>
-              <a:ext uri="{FF2B5EF4-FFF2-40B4-BE49-F238E27FC236}">
-                <a16:creationId xmlns:a16="http://schemas.microsoft.com/office/drawing/2014/main" id="{9A6ADEE3-AAA7-4846-8EC6-84B1537C1D74}"/>
-              </a:ext>
-            </a:extLst>
-          </p:cNvPr>
+            <a:endParaRPr lang="en-US" dirty="0"/>
+          </a:p>
+        </p:txBody>
+      </p:sp>
+      <p:sp>
+        <p:nvSpPr>
+          <p:cNvPr id="4" name="Date Placeholder 3"/>
           <p:cNvSpPr>
             <a:spLocks noGrp="1"/>
           </p:cNvSpPr>
@@ -661,7 +2799,7 @@
           <a:p>
             <a:fld id="{EED1C14C-A143-42F5-B247-D0E800131009}" type="datetimeFigureOut">
               <a:rPr lang="en-US" smtClean="0"/>
-              <a:t>8/15/2018</a:t>
+              <a:t>5/11/2023</a:t>
             </a:fld>
             <a:endParaRPr lang="en-US"/>
           </a:p>
@@ -669,13 +2807,7 @@
       </p:sp>
       <p:sp>
         <p:nvSpPr>
-          <p:cNvPr id="5" name="Footer Placeholder 4">
-            <a:extLst>
-              <a:ext uri="{FF2B5EF4-FFF2-40B4-BE49-F238E27FC236}">
-                <a16:creationId xmlns:a16="http://schemas.microsoft.com/office/drawing/2014/main" id="{001DABD6-6E60-4895-89B1-3604A484D2DD}"/>
-              </a:ext>
-            </a:extLst>
-          </p:cNvPr>
+          <p:cNvPr id="5" name="Footer Placeholder 4"/>
           <p:cNvSpPr>
             <a:spLocks noGrp="1"/>
           </p:cNvSpPr>
@@ -694,13 +2826,7 @@
       </p:sp>
       <p:sp>
         <p:nvSpPr>
-          <p:cNvPr id="6" name="Slide Number Placeholder 5">
-            <a:extLst>
-              <a:ext uri="{FF2B5EF4-FFF2-40B4-BE49-F238E27FC236}">
-                <a16:creationId xmlns:a16="http://schemas.microsoft.com/office/drawing/2014/main" id="{59A4D314-6D1C-4A42-A445-B77646B2B295}"/>
-              </a:ext>
-            </a:extLst>
-          </p:cNvPr>
+          <p:cNvPr id="6" name="Slide Number Placeholder 5"/>
           <p:cNvSpPr>
             <a:spLocks noGrp="1"/>
           </p:cNvSpPr>
@@ -724,7 +2850,7 @@
     </p:spTree>
     <p:extLst>
       <p:ext uri="{BB962C8B-B14F-4D97-AF65-F5344CB8AC3E}">
-        <p14:creationId xmlns:p14="http://schemas.microsoft.com/office/powerpoint/2010/main" val="4195526759"/>
+        <p14:creationId xmlns:p14="http://schemas.microsoft.com/office/powerpoint/2010/main" val="1067086058"/>
       </p:ext>
     </p:extLst>
   </p:cSld>
@@ -753,13 +2879,7 @@
       </p:grpSpPr>
       <p:sp>
         <p:nvSpPr>
-          <p:cNvPr id="2" name="Title 1">
-            <a:extLst>
-              <a:ext uri="{FF2B5EF4-FFF2-40B4-BE49-F238E27FC236}">
-                <a16:creationId xmlns:a16="http://schemas.microsoft.com/office/drawing/2014/main" id="{6B34D5D7-9AEB-44F2-8A04-0694BE1520D8}"/>
-              </a:ext>
-            </a:extLst>
-          </p:cNvPr>
+          <p:cNvPr id="2" name="Title 1"/>
           <p:cNvSpPr>
             <a:spLocks noGrp="1"/>
           </p:cNvSpPr>
@@ -769,30 +2889,83 @@
         </p:nvSpPr>
         <p:spPr/>
         <p:txBody>
+          <a:bodyPr>
+            <a:normAutofit/>
+          </a:bodyPr>
+          <a:lstStyle>
+            <a:lvl1pPr>
+              <a:defRPr sz="3600"/>
+            </a:lvl1pPr>
+          </a:lstStyle>
+          <a:p>
+            <a:r>
+              <a:rPr lang="en-US" smtClean="0"/>
+              <a:t>Click to edit Master title style</a:t>
+            </a:r>
+            <a:endParaRPr lang="en-US" dirty="0"/>
+          </a:p>
+        </p:txBody>
+      </p:sp>
+      <p:sp>
+        <p:nvSpPr>
+          <p:cNvPr id="3" name="Content Placeholder 2"/>
+          <p:cNvSpPr>
+            <a:spLocks noGrp="1"/>
+          </p:cNvSpPr>
+          <p:nvPr>
+            <p:ph idx="1"/>
+          </p:nvPr>
+        </p:nvSpPr>
+        <p:spPr/>
+        <p:txBody>
           <a:bodyPr/>
           <a:lstStyle/>
           <a:p>
-            <a:r>
-              <a:rPr lang="en-US"/>
-              <a:t>Click to edit Master title style</a:t>
-            </a:r>
-          </a:p>
-        </p:txBody>
-      </p:sp>
-      <p:sp>
-        <p:nvSpPr>
-          <p:cNvPr id="3" name="Content Placeholder 2">
-            <a:extLst>
-              <a:ext uri="{FF2B5EF4-FFF2-40B4-BE49-F238E27FC236}">
-                <a16:creationId xmlns:a16="http://schemas.microsoft.com/office/drawing/2014/main" id="{F3CE933F-693D-4770-8DC4-A5A086AC8ACE}"/>
-              </a:ext>
-            </a:extLst>
-          </p:cNvPr>
-          <p:cNvSpPr>
-            <a:spLocks noGrp="1"/>
-          </p:cNvSpPr>
-          <p:nvPr>
-            <p:ph idx="1"/>
+            <a:pPr lvl="0"/>
+            <a:r>
+              <a:rPr lang="en-US" smtClean="0"/>
+              <a:t>Click to edit Master text styles</a:t>
+            </a:r>
+          </a:p>
+          <a:p>
+            <a:pPr lvl="1"/>
+            <a:r>
+              <a:rPr lang="en-US" smtClean="0"/>
+              <a:t>Second level</a:t>
+            </a:r>
+          </a:p>
+          <a:p>
+            <a:pPr lvl="2"/>
+            <a:r>
+              <a:rPr lang="en-US" smtClean="0"/>
+              <a:t>Third level</a:t>
+            </a:r>
+          </a:p>
+          <a:p>
+            <a:pPr lvl="3"/>
+            <a:r>
+              <a:rPr lang="en-US" smtClean="0"/>
+              <a:t>Fourth level</a:t>
+            </a:r>
+          </a:p>
+          <a:p>
+            <a:pPr lvl="4"/>
+            <a:r>
+              <a:rPr lang="en-US" smtClean="0"/>
+              <a:t>Fifth level</a:t>
+            </a:r>
+            <a:endParaRPr lang="en-US" dirty="0"/>
+          </a:p>
+        </p:txBody>
+      </p:sp>
+      <p:sp>
+        <p:nvSpPr>
+          <p:cNvPr id="4" name="Date Placeholder 3"/>
+          <p:cNvSpPr>
+            <a:spLocks noGrp="1"/>
+          </p:cNvSpPr>
+          <p:nvPr>
+            <p:ph type="dt" sz="half" idx="10"/>
           </p:nvPr>
         </p:nvSpPr>
         <p:spPr/>
@@ -800,66 +2973,9 @@
           <a:bodyPr/>
           <a:lstStyle/>
           <a:p>
-            <a:pPr lvl="0"/>
-            <a:r>
-              <a:rPr lang="en-US"/>
-              <a:t>Edit Master text styles</a:t>
-            </a:r>
-          </a:p>
-          <a:p>
-            <a:pPr lvl="1"/>
-            <a:r>
-              <a:rPr lang="en-US"/>
-              <a:t>Second level</a:t>
-            </a:r>
-          </a:p>
-          <a:p>
-            <a:pPr lvl="2"/>
-            <a:r>
-              <a:rPr lang="en-US"/>
-              <a:t>Third level</a:t>
-            </a:r>
-          </a:p>
-          <a:p>
-            <a:pPr lvl="3"/>
-            <a:r>
-              <a:rPr lang="en-US"/>
-              <a:t>Fourth level</a:t>
-            </a:r>
-          </a:p>
-          <a:p>
-            <a:pPr lvl="4"/>
-            <a:r>
-              <a:rPr lang="en-US"/>
-              <a:t>Fifth level</a:t>
-            </a:r>
-          </a:p>
-        </p:txBody>
-      </p:sp>
-      <p:sp>
-        <p:nvSpPr>
-          <p:cNvPr id="4" name="Date Placeholder 3">
-            <a:extLst>
-              <a:ext uri="{FF2B5EF4-FFF2-40B4-BE49-F238E27FC236}">
-                <a16:creationId xmlns:a16="http://schemas.microsoft.com/office/drawing/2014/main" id="{02A7849A-1CE6-4F5C-95D7-EA8DA5EE5551}"/>
-              </a:ext>
-            </a:extLst>
-          </p:cNvPr>
-          <p:cNvSpPr>
-            <a:spLocks noGrp="1"/>
-          </p:cNvSpPr>
-          <p:nvPr>
-            <p:ph type="dt" sz="half" idx="10"/>
-          </p:nvPr>
-        </p:nvSpPr>
-        <p:spPr/>
-        <p:txBody>
-          <a:bodyPr/>
-          <a:lstStyle/>
-          <a:p>
             <a:fld id="{EED1C14C-A143-42F5-B247-D0E800131009}" type="datetimeFigureOut">
               <a:rPr lang="en-US" smtClean="0"/>
-              <a:t>8/15/2018</a:t>
+              <a:t>5/11/2023</a:t>
             </a:fld>
             <a:endParaRPr lang="en-US"/>
           </a:p>
@@ -867,13 +2983,7 @@
       </p:sp>
       <p:sp>
         <p:nvSpPr>
-          <p:cNvPr id="5" name="Footer Placeholder 4">
-            <a:extLst>
-              <a:ext uri="{FF2B5EF4-FFF2-40B4-BE49-F238E27FC236}">
-                <a16:creationId xmlns:a16="http://schemas.microsoft.com/office/drawing/2014/main" id="{39FE1FD0-B95E-4CF6-9A27-0F91F96DAE00}"/>
-              </a:ext>
-            </a:extLst>
-          </p:cNvPr>
+          <p:cNvPr id="5" name="Footer Placeholder 4"/>
           <p:cNvSpPr>
             <a:spLocks noGrp="1"/>
           </p:cNvSpPr>
@@ -892,13 +3002,7 @@
       </p:sp>
       <p:sp>
         <p:nvSpPr>
-          <p:cNvPr id="6" name="Slide Number Placeholder 5">
-            <a:extLst>
-              <a:ext uri="{FF2B5EF4-FFF2-40B4-BE49-F238E27FC236}">
-                <a16:creationId xmlns:a16="http://schemas.microsoft.com/office/drawing/2014/main" id="{596123BE-5891-49D6-A758-867A98F38D77}"/>
-              </a:ext>
-            </a:extLst>
-          </p:cNvPr>
+          <p:cNvPr id="6" name="Slide Number Placeholder 5"/>
           <p:cNvSpPr>
             <a:spLocks noGrp="1"/>
           </p:cNvSpPr>
@@ -922,7 +3026,7 @@
     </p:spTree>
     <p:extLst>
       <p:ext uri="{BB962C8B-B14F-4D97-AF65-F5344CB8AC3E}">
-        <p14:creationId xmlns:p14="http://schemas.microsoft.com/office/powerpoint/2010/main" val="2359722614"/>
+        <p14:creationId xmlns:p14="http://schemas.microsoft.com/office/powerpoint/2010/main" val="4148263086"/>
       </p:ext>
     </p:extLst>
   </p:cSld>
@@ -951,13 +3055,7 @@
       </p:grpSpPr>
       <p:sp>
         <p:nvSpPr>
-          <p:cNvPr id="2" name="Title 1">
-            <a:extLst>
-              <a:ext uri="{FF2B5EF4-FFF2-40B4-BE49-F238E27FC236}">
-                <a16:creationId xmlns:a16="http://schemas.microsoft.com/office/drawing/2014/main" id="{4BA85FC7-1BEA-438E-A0A7-88FF55112279}"/>
-              </a:ext>
-            </a:extLst>
-          </p:cNvPr>
+          <p:cNvPr id="2" name="Title 1"/>
           <p:cNvSpPr>
             <a:spLocks noGrp="1"/>
           </p:cNvSpPr>
@@ -967,34 +3065,29 @@
         </p:nvSpPr>
         <p:spPr>
           <a:xfrm>
-            <a:off x="831850" y="1709738"/>
-            <a:ext cx="10515600" cy="2852737"/>
+            <a:off x="677335" y="2700867"/>
+            <a:ext cx="8596668" cy="1826581"/>
           </a:xfrm>
         </p:spPr>
         <p:txBody>
           <a:bodyPr anchor="b"/>
           <a:lstStyle>
-            <a:lvl1pPr>
-              <a:defRPr sz="6000"/>
+            <a:lvl1pPr algn="l">
+              <a:defRPr sz="4000" b="0" cap="none"/>
             </a:lvl1pPr>
           </a:lstStyle>
           <a:p>
             <a:r>
-              <a:rPr lang="en-US"/>
+              <a:rPr lang="en-US" smtClean="0"/>
               <a:t>Click to edit Master title style</a:t>
             </a:r>
-          </a:p>
-        </p:txBody>
-      </p:sp>
-      <p:sp>
-        <p:nvSpPr>
-          <p:cNvPr id="3" name="Text Placeholder 2">
-            <a:extLst>
-              <a:ext uri="{FF2B5EF4-FFF2-40B4-BE49-F238E27FC236}">
-                <a16:creationId xmlns:a16="http://schemas.microsoft.com/office/drawing/2014/main" id="{0BD5F5C0-417B-4A28-8AE9-A79AC74A6250}"/>
-              </a:ext>
-            </a:extLst>
-          </p:cNvPr>
+            <a:endParaRPr lang="en-US" dirty="0"/>
+          </a:p>
+        </p:txBody>
+      </p:sp>
+      <p:sp>
+        <p:nvSpPr>
+          <p:cNvPr id="3" name="Text Placeholder 2"/>
           <p:cNvSpPr>
             <a:spLocks noGrp="1"/>
           </p:cNvSpPr>
@@ -1004,26 +3097,27 @@
         </p:nvSpPr>
         <p:spPr>
           <a:xfrm>
-            <a:off x="831850" y="4589463"/>
-            <a:ext cx="10515600" cy="1500187"/>
+            <a:off x="677335" y="4527448"/>
+            <a:ext cx="8596668" cy="860400"/>
           </a:xfrm>
         </p:spPr>
         <p:txBody>
-          <a:bodyPr/>
+          <a:bodyPr anchor="t"/>
           <a:lstStyle>
-            <a:lvl1pPr marL="0" indent="0">
-              <a:buNone/>
-              <a:defRPr sz="2400">
-                <a:solidFill>
-                  <a:schemeClr val="tx1">
-                    <a:tint val="75000"/>
+            <a:lvl1pPr marL="0" indent="0" algn="l">
+              <a:buNone/>
+              <a:defRPr sz="2000">
+                <a:solidFill>
+                  <a:schemeClr val="tx1">
+                    <a:lumMod val="50000"/>
+                    <a:lumOff val="50000"/>
                   </a:schemeClr>
                 </a:solidFill>
               </a:defRPr>
             </a:lvl1pPr>
             <a:lvl2pPr marL="457200" indent="0">
               <a:buNone/>
-              <a:defRPr sz="2000">
+              <a:defRPr sz="1800">
                 <a:solidFill>
                   <a:schemeClr val="tx1">
                     <a:tint val="75000"/>
@@ -1033,7 +3127,7 @@
             </a:lvl2pPr>
             <a:lvl3pPr marL="914400" indent="0">
               <a:buNone/>
-              <a:defRPr sz="1800">
+              <a:defRPr sz="1600">
                 <a:solidFill>
                   <a:schemeClr val="tx1">
                     <a:tint val="75000"/>
@@ -1043,7 +3137,7 @@
             </a:lvl3pPr>
             <a:lvl4pPr marL="1371600" indent="0">
               <a:buNone/>
-              <a:defRPr sz="1600">
+              <a:defRPr sz="1400">
                 <a:solidFill>
                   <a:schemeClr val="tx1">
                     <a:tint val="75000"/>
@@ -1053,7 +3147,7 @@
             </a:lvl4pPr>
             <a:lvl5pPr marL="1828800" indent="0">
               <a:buNone/>
-              <a:defRPr sz="1600">
+              <a:defRPr sz="1400">
                 <a:solidFill>
                   <a:schemeClr val="tx1">
                     <a:tint val="75000"/>
@@ -1063,7 +3157,7 @@
             </a:lvl5pPr>
             <a:lvl6pPr marL="2286000" indent="0">
               <a:buNone/>
-              <a:defRPr sz="1600">
+              <a:defRPr sz="1400">
                 <a:solidFill>
                   <a:schemeClr val="tx1">
                     <a:tint val="75000"/>
@@ -1073,7 +3167,7 @@
             </a:lvl6pPr>
             <a:lvl7pPr marL="2743200" indent="0">
               <a:buNone/>
-              <a:defRPr sz="1600">
+              <a:defRPr sz="1400">
                 <a:solidFill>
                   <a:schemeClr val="tx1">
                     <a:tint val="75000"/>
@@ -1083,7 +3177,7 @@
             </a:lvl7pPr>
             <a:lvl8pPr marL="3200400" indent="0">
               <a:buNone/>
-              <a:defRPr sz="1600">
+              <a:defRPr sz="1400">
                 <a:solidFill>
                   <a:schemeClr val="tx1">
                     <a:tint val="75000"/>
@@ -1093,7 +3187,7 @@
             </a:lvl8pPr>
             <a:lvl9pPr marL="3657600" indent="0">
               <a:buNone/>
-              <a:defRPr sz="1600">
+              <a:defRPr sz="1400">
                 <a:solidFill>
                   <a:schemeClr val="tx1">
                     <a:tint val="75000"/>
@@ -1105,21 +3199,15 @@
           <a:p>
             <a:pPr lvl="0"/>
             <a:r>
-              <a:rPr lang="en-US"/>
-              <a:t>Edit Master text styles</a:t>
-            </a:r>
-          </a:p>
-        </p:txBody>
-      </p:sp>
-      <p:sp>
-        <p:nvSpPr>
-          <p:cNvPr id="4" name="Date Placeholder 3">
-            <a:extLst>
-              <a:ext uri="{FF2B5EF4-FFF2-40B4-BE49-F238E27FC236}">
-                <a16:creationId xmlns:a16="http://schemas.microsoft.com/office/drawing/2014/main" id="{34BC6257-C490-4059-9E97-16E46673C65A}"/>
-              </a:ext>
-            </a:extLst>
-          </p:cNvPr>
+              <a:rPr lang="en-US" smtClean="0"/>
+              <a:t>Click to edit Master text styles</a:t>
+            </a:r>
+          </a:p>
+        </p:txBody>
+      </p:sp>
+      <p:sp>
+        <p:nvSpPr>
+          <p:cNvPr id="4" name="Date Placeholder 3"/>
           <p:cNvSpPr>
             <a:spLocks noGrp="1"/>
           </p:cNvSpPr>
@@ -1134,7 +3222,7 @@
           <a:p>
             <a:fld id="{EED1C14C-A143-42F5-B247-D0E800131009}" type="datetimeFigureOut">
               <a:rPr lang="en-US" smtClean="0"/>
-              <a:t>8/15/2018</a:t>
+              <a:t>5/11/2023</a:t>
             </a:fld>
             <a:endParaRPr lang="en-US"/>
           </a:p>
@@ -1142,13 +3230,7 @@
       </p:sp>
       <p:sp>
         <p:nvSpPr>
-          <p:cNvPr id="5" name="Footer Placeholder 4">
-            <a:extLst>
-              <a:ext uri="{FF2B5EF4-FFF2-40B4-BE49-F238E27FC236}">
-                <a16:creationId xmlns:a16="http://schemas.microsoft.com/office/drawing/2014/main" id="{7A4051CD-74EC-43C1-9F21-D33BD297FC2D}"/>
-              </a:ext>
-            </a:extLst>
-          </p:cNvPr>
+          <p:cNvPr id="5" name="Footer Placeholder 4"/>
           <p:cNvSpPr>
             <a:spLocks noGrp="1"/>
           </p:cNvSpPr>
@@ -1167,13 +3249,7 @@
       </p:sp>
       <p:sp>
         <p:nvSpPr>
-          <p:cNvPr id="6" name="Slide Number Placeholder 5">
-            <a:extLst>
-              <a:ext uri="{FF2B5EF4-FFF2-40B4-BE49-F238E27FC236}">
-                <a16:creationId xmlns:a16="http://schemas.microsoft.com/office/drawing/2014/main" id="{8BC95141-29DC-41BA-BE25-E899055F3178}"/>
-              </a:ext>
-            </a:extLst>
-          </p:cNvPr>
+          <p:cNvPr id="6" name="Slide Number Placeholder 5"/>
           <p:cNvSpPr>
             <a:spLocks noGrp="1"/>
           </p:cNvSpPr>
@@ -1197,7 +3273,7 @@
     </p:spTree>
     <p:extLst>
       <p:ext uri="{BB962C8B-B14F-4D97-AF65-F5344CB8AC3E}">
-        <p14:creationId xmlns:p14="http://schemas.microsoft.com/office/powerpoint/2010/main" val="694532379"/>
+        <p14:creationId xmlns:p14="http://schemas.microsoft.com/office/powerpoint/2010/main" val="1328189090"/>
       </p:ext>
     </p:extLst>
   </p:cSld>
@@ -1226,13 +3302,7 @@
       </p:grpSpPr>
       <p:sp>
         <p:nvSpPr>
-          <p:cNvPr id="2" name="Title 1">
-            <a:extLst>
-              <a:ext uri="{FF2B5EF4-FFF2-40B4-BE49-F238E27FC236}">
-                <a16:creationId xmlns:a16="http://schemas.microsoft.com/office/drawing/2014/main" id="{2134FC21-AE04-4050-80E6-D9DCA4B50C9B}"/>
-              </a:ext>
-            </a:extLst>
-          </p:cNvPr>
+          <p:cNvPr id="2" name="Title 1"/>
           <p:cNvSpPr>
             <a:spLocks noGrp="1"/>
           </p:cNvSpPr>
@@ -1246,21 +3316,16 @@
           <a:lstStyle/>
           <a:p>
             <a:r>
-              <a:rPr lang="en-US"/>
+              <a:rPr lang="en-US" smtClean="0"/>
               <a:t>Click to edit Master title style</a:t>
             </a:r>
-          </a:p>
-        </p:txBody>
-      </p:sp>
-      <p:sp>
-        <p:nvSpPr>
-          <p:cNvPr id="3" name="Content Placeholder 2">
-            <a:extLst>
-              <a:ext uri="{FF2B5EF4-FFF2-40B4-BE49-F238E27FC236}">
-                <a16:creationId xmlns:a16="http://schemas.microsoft.com/office/drawing/2014/main" id="{51885F7E-EF45-48F7-9E54-C6806D0E9638}"/>
-              </a:ext>
-            </a:extLst>
-          </p:cNvPr>
+            <a:endParaRPr lang="en-US" dirty="0"/>
+          </a:p>
+        </p:txBody>
+      </p:sp>
+      <p:sp>
+        <p:nvSpPr>
+          <p:cNvPr id="3" name="Content Placeholder 2"/>
           <p:cNvSpPr>
             <a:spLocks noGrp="1"/>
           </p:cNvSpPr>
@@ -1270,8 +3335,8 @@
         </p:nvSpPr>
         <p:spPr>
           <a:xfrm>
-            <a:off x="838200" y="1825625"/>
-            <a:ext cx="5181600" cy="4351338"/>
+            <a:off x="677334" y="2160589"/>
+            <a:ext cx="4184035" cy="3880772"/>
           </a:xfrm>
         </p:spPr>
         <p:txBody>
@@ -1280,49 +3345,44 @@
           <a:p>
             <a:pPr lvl="0"/>
             <a:r>
-              <a:rPr lang="en-US"/>
-              <a:t>Edit Master text styles</a:t>
+              <a:rPr lang="en-US" smtClean="0"/>
+              <a:t>Click to edit Master text styles</a:t>
             </a:r>
           </a:p>
           <a:p>
             <a:pPr lvl="1"/>
             <a:r>
-              <a:rPr lang="en-US"/>
+              <a:rPr lang="en-US" smtClean="0"/>
               <a:t>Second level</a:t>
             </a:r>
           </a:p>
           <a:p>
             <a:pPr lvl="2"/>
             <a:r>
-              <a:rPr lang="en-US"/>
+              <a:rPr lang="en-US" smtClean="0"/>
               <a:t>Third level</a:t>
             </a:r>
           </a:p>
           <a:p>
             <a:pPr lvl="3"/>
             <a:r>
-              <a:rPr lang="en-US"/>
+              <a:rPr lang="en-US" smtClean="0"/>
               <a:t>Fourth level</a:t>
             </a:r>
           </a:p>
           <a:p>
             <a:pPr lvl="4"/>
             <a:r>
-              <a:rPr lang="en-US"/>
+              <a:rPr lang="en-US" smtClean="0"/>
               <a:t>Fifth level</a:t>
             </a:r>
-          </a:p>
-        </p:txBody>
-      </p:sp>
-      <p:sp>
-        <p:nvSpPr>
-          <p:cNvPr id="4" name="Content Placeholder 3">
-            <a:extLst>
-              <a:ext uri="{FF2B5EF4-FFF2-40B4-BE49-F238E27FC236}">
-                <a16:creationId xmlns:a16="http://schemas.microsoft.com/office/drawing/2014/main" id="{7724501F-6ED5-4112-B037-D3E9F8CF2C81}"/>
-              </a:ext>
-            </a:extLst>
-          </p:cNvPr>
+            <a:endParaRPr lang="en-US" dirty="0"/>
+          </a:p>
+        </p:txBody>
+      </p:sp>
+      <p:sp>
+        <p:nvSpPr>
+          <p:cNvPr id="4" name="Content Placeholder 3"/>
           <p:cNvSpPr>
             <a:spLocks noGrp="1"/>
           </p:cNvSpPr>
@@ -1332,8 +3392,8 @@
         </p:nvSpPr>
         <p:spPr>
           <a:xfrm>
-            <a:off x="6172200" y="1825625"/>
-            <a:ext cx="5181600" cy="4351338"/>
+            <a:off x="5089970" y="2160589"/>
+            <a:ext cx="4184034" cy="3880773"/>
           </a:xfrm>
         </p:spPr>
         <p:txBody>
@@ -1342,49 +3402,44 @@
           <a:p>
             <a:pPr lvl="0"/>
             <a:r>
-              <a:rPr lang="en-US"/>
-              <a:t>Edit Master text styles</a:t>
+              <a:rPr lang="en-US" smtClean="0"/>
+              <a:t>Click to edit Master text styles</a:t>
             </a:r>
           </a:p>
           <a:p>
             <a:pPr lvl="1"/>
             <a:r>
-              <a:rPr lang="en-US"/>
+              <a:rPr lang="en-US" smtClean="0"/>
               <a:t>Second level</a:t>
             </a:r>
           </a:p>
           <a:p>
             <a:pPr lvl="2"/>
             <a:r>
-              <a:rPr lang="en-US"/>
+              <a:rPr lang="en-US" smtClean="0"/>
               <a:t>Third level</a:t>
             </a:r>
           </a:p>
           <a:p>
             <a:pPr lvl="3"/>
             <a:r>
-              <a:rPr lang="en-US"/>
+              <a:rPr lang="en-US" smtClean="0"/>
               <a:t>Fourth level</a:t>
             </a:r>
           </a:p>
           <a:p>
             <a:pPr lvl="4"/>
             <a:r>
-              <a:rPr lang="en-US"/>
+              <a:rPr lang="en-US" smtClean="0"/>
               <a:t>Fifth level</a:t>
             </a:r>
-          </a:p>
-        </p:txBody>
-      </p:sp>
-      <p:sp>
-        <p:nvSpPr>
-          <p:cNvPr id="5" name="Date Placeholder 4">
-            <a:extLst>
-              <a:ext uri="{FF2B5EF4-FFF2-40B4-BE49-F238E27FC236}">
-                <a16:creationId xmlns:a16="http://schemas.microsoft.com/office/drawing/2014/main" id="{E861E48C-176E-4E60-8CB3-5425169963CD}"/>
-              </a:ext>
-            </a:extLst>
-          </p:cNvPr>
+            <a:endParaRPr lang="en-US" dirty="0"/>
+          </a:p>
+        </p:txBody>
+      </p:sp>
+      <p:sp>
+        <p:nvSpPr>
+          <p:cNvPr id="5" name="Date Placeholder 4"/>
           <p:cNvSpPr>
             <a:spLocks noGrp="1"/>
           </p:cNvSpPr>
@@ -1399,7 +3454,7 @@
           <a:p>
             <a:fld id="{EED1C14C-A143-42F5-B247-D0E800131009}" type="datetimeFigureOut">
               <a:rPr lang="en-US" smtClean="0"/>
-              <a:t>8/15/2018</a:t>
+              <a:t>5/11/2023</a:t>
             </a:fld>
             <a:endParaRPr lang="en-US"/>
           </a:p>
@@ -1407,13 +3462,7 @@
       </p:sp>
       <p:sp>
         <p:nvSpPr>
-          <p:cNvPr id="6" name="Footer Placeholder 5">
-            <a:extLst>
-              <a:ext uri="{FF2B5EF4-FFF2-40B4-BE49-F238E27FC236}">
-                <a16:creationId xmlns:a16="http://schemas.microsoft.com/office/drawing/2014/main" id="{5852202B-C929-4B39-AF47-D17C38F868E8}"/>
-              </a:ext>
-            </a:extLst>
-          </p:cNvPr>
+          <p:cNvPr id="6" name="Footer Placeholder 5"/>
           <p:cNvSpPr>
             <a:spLocks noGrp="1"/>
           </p:cNvSpPr>
@@ -1432,13 +3481,7 @@
       </p:sp>
       <p:sp>
         <p:nvSpPr>
-          <p:cNvPr id="7" name="Slide Number Placeholder 6">
-            <a:extLst>
-              <a:ext uri="{FF2B5EF4-FFF2-40B4-BE49-F238E27FC236}">
-                <a16:creationId xmlns:a16="http://schemas.microsoft.com/office/drawing/2014/main" id="{7DEEEBF3-930A-4A23-810D-C1880E7A6D29}"/>
-              </a:ext>
-            </a:extLst>
-          </p:cNvPr>
+          <p:cNvPr id="7" name="Slide Number Placeholder 6"/>
           <p:cNvSpPr>
             <a:spLocks noGrp="1"/>
           </p:cNvSpPr>
@@ -1462,7 +3505,7 @@
     </p:spTree>
     <p:extLst>
       <p:ext uri="{BB962C8B-B14F-4D97-AF65-F5344CB8AC3E}">
-        <p14:creationId xmlns:p14="http://schemas.microsoft.com/office/powerpoint/2010/main" val="1723384594"/>
+        <p14:creationId xmlns:p14="http://schemas.microsoft.com/office/powerpoint/2010/main" val="268694875"/>
       </p:ext>
     </p:extLst>
   </p:cSld>
@@ -1491,65 +3534,55 @@
       </p:grpSpPr>
       <p:sp>
         <p:nvSpPr>
-          <p:cNvPr id="2" name="Title 1">
-            <a:extLst>
-              <a:ext uri="{FF2B5EF4-FFF2-40B4-BE49-F238E27FC236}">
-                <a16:creationId xmlns:a16="http://schemas.microsoft.com/office/drawing/2014/main" id="{40448E08-A828-430D-B8A6-7302E570AD2B}"/>
-              </a:ext>
-            </a:extLst>
-          </p:cNvPr>
+          <p:cNvPr id="2" name="Title 1"/>
           <p:cNvSpPr>
             <a:spLocks noGrp="1"/>
           </p:cNvSpPr>
           <p:nvPr>
             <p:ph type="title"/>
+          </p:nvPr>
+        </p:nvSpPr>
+        <p:spPr/>
+        <p:txBody>
+          <a:bodyPr/>
+          <a:lstStyle>
+            <a:lvl1pPr>
+              <a:defRPr/>
+            </a:lvl1pPr>
+          </a:lstStyle>
+          <a:p>
+            <a:r>
+              <a:rPr lang="en-US" smtClean="0"/>
+              <a:t>Click to edit Master title style</a:t>
+            </a:r>
+            <a:endParaRPr lang="en-US" dirty="0"/>
+          </a:p>
+        </p:txBody>
+      </p:sp>
+      <p:sp>
+        <p:nvSpPr>
+          <p:cNvPr id="3" name="Text Placeholder 2"/>
+          <p:cNvSpPr>
+            <a:spLocks noGrp="1"/>
+          </p:cNvSpPr>
+          <p:nvPr>
+            <p:ph type="body" idx="1"/>
           </p:nvPr>
         </p:nvSpPr>
         <p:spPr>
           <a:xfrm>
-            <a:off x="839788" y="365125"/>
-            <a:ext cx="10515600" cy="1325563"/>
+            <a:off x="675745" y="2160983"/>
+            <a:ext cx="4185623" cy="576262"/>
           </a:xfrm>
         </p:spPr>
         <p:txBody>
-          <a:bodyPr/>
-          <a:lstStyle/>
-          <a:p>
-            <a:r>
-              <a:rPr lang="en-US"/>
-              <a:t>Click to edit Master title style</a:t>
-            </a:r>
-          </a:p>
-        </p:txBody>
-      </p:sp>
-      <p:sp>
-        <p:nvSpPr>
-          <p:cNvPr id="3" name="Text Placeholder 2">
-            <a:extLst>
-              <a:ext uri="{FF2B5EF4-FFF2-40B4-BE49-F238E27FC236}">
-                <a16:creationId xmlns:a16="http://schemas.microsoft.com/office/drawing/2014/main" id="{71FF5402-465C-4E68-BF7E-BFE1177B55A2}"/>
-              </a:ext>
-            </a:extLst>
-          </p:cNvPr>
-          <p:cNvSpPr>
-            <a:spLocks noGrp="1"/>
-          </p:cNvSpPr>
-          <p:nvPr>
-            <p:ph type="body" idx="1"/>
-          </p:nvPr>
-        </p:nvSpPr>
-        <p:spPr>
-          <a:xfrm>
-            <a:off x="839788" y="1681163"/>
-            <a:ext cx="5157787" cy="823912"/>
-          </a:xfrm>
-        </p:spPr>
-        <p:txBody>
-          <a:bodyPr anchor="b"/>
+          <a:bodyPr anchor="b">
+            <a:noAutofit/>
+          </a:bodyPr>
           <a:lstStyle>
             <a:lvl1pPr marL="0" indent="0">
               <a:buNone/>
-              <a:defRPr sz="2400" b="1"/>
+              <a:defRPr sz="2400" b="0"/>
             </a:lvl1pPr>
             <a:lvl2pPr marL="457200" indent="0">
               <a:buNone/>
@@ -1587,21 +3620,15 @@
           <a:p>
             <a:pPr lvl="0"/>
             <a:r>
-              <a:rPr lang="en-US"/>
-              <a:t>Edit Master text styles</a:t>
-            </a:r>
-          </a:p>
-        </p:txBody>
-      </p:sp>
-      <p:sp>
-        <p:nvSpPr>
-          <p:cNvPr id="4" name="Content Placeholder 3">
-            <a:extLst>
-              <a:ext uri="{FF2B5EF4-FFF2-40B4-BE49-F238E27FC236}">
-                <a16:creationId xmlns:a16="http://schemas.microsoft.com/office/drawing/2014/main" id="{469B917D-5EC9-44FC-B8A7-9ADF4ADC4FAB}"/>
-              </a:ext>
-            </a:extLst>
-          </p:cNvPr>
+              <a:rPr lang="en-US" smtClean="0"/>
+              <a:t>Click to edit Master text styles</a:t>
+            </a:r>
+          </a:p>
+        </p:txBody>
+      </p:sp>
+      <p:sp>
+        <p:nvSpPr>
+          <p:cNvPr id="4" name="Content Placeholder 3"/>
           <p:cNvSpPr>
             <a:spLocks noGrp="1"/>
           </p:cNvSpPr>
@@ -1611,59 +3638,56 @@
         </p:nvSpPr>
         <p:spPr>
           <a:xfrm>
-            <a:off x="839788" y="2505075"/>
-            <a:ext cx="5157787" cy="3684588"/>
+            <a:off x="675745" y="2737245"/>
+            <a:ext cx="4185623" cy="3304117"/>
           </a:xfrm>
         </p:spPr>
         <p:txBody>
-          <a:bodyPr/>
+          <a:bodyPr>
+            <a:normAutofit/>
+          </a:bodyPr>
           <a:lstStyle/>
           <a:p>
             <a:pPr lvl="0"/>
             <a:r>
-              <a:rPr lang="en-US"/>
-              <a:t>Edit Master text styles</a:t>
+              <a:rPr lang="en-US" smtClean="0"/>
+              <a:t>Click to edit Master text styles</a:t>
             </a:r>
           </a:p>
           <a:p>
             <a:pPr lvl="1"/>
             <a:r>
-              <a:rPr lang="en-US"/>
+              <a:rPr lang="en-US" smtClean="0"/>
               <a:t>Second level</a:t>
             </a:r>
           </a:p>
           <a:p>
             <a:pPr lvl="2"/>
             <a:r>
-              <a:rPr lang="en-US"/>
+              <a:rPr lang="en-US" smtClean="0"/>
               <a:t>Third level</a:t>
             </a:r>
           </a:p>
           <a:p>
             <a:pPr lvl="3"/>
             <a:r>
-              <a:rPr lang="en-US"/>
+              <a:rPr lang="en-US" smtClean="0"/>
               <a:t>Fourth level</a:t>
             </a:r>
           </a:p>
           <a:p>
             <a:pPr lvl="4"/>
             <a:r>
-              <a:rPr lang="en-US"/>
+              <a:rPr lang="en-US" smtClean="0"/>
               <a:t>Fifth level</a:t>
             </a:r>
-          </a:p>
-        </p:txBody>
-      </p:sp>
-      <p:sp>
-        <p:nvSpPr>
-          <p:cNvPr id="5" name="Text Placeholder 4">
-            <a:extLst>
-              <a:ext uri="{FF2B5EF4-FFF2-40B4-BE49-F238E27FC236}">
-                <a16:creationId xmlns:a16="http://schemas.microsoft.com/office/drawing/2014/main" id="{43DCF5D4-E55C-42FF-A7E5-2466DE35B8C0}"/>
-              </a:ext>
-            </a:extLst>
-          </p:cNvPr>
+            <a:endParaRPr lang="en-US" dirty="0"/>
+          </a:p>
+        </p:txBody>
+      </p:sp>
+      <p:sp>
+        <p:nvSpPr>
+          <p:cNvPr id="5" name="Text Placeholder 4"/>
           <p:cNvSpPr>
             <a:spLocks noGrp="1"/>
           </p:cNvSpPr>
@@ -1673,16 +3697,18 @@
         </p:nvSpPr>
         <p:spPr>
           <a:xfrm>
-            <a:off x="6172200" y="1681163"/>
-            <a:ext cx="5183188" cy="823912"/>
+            <a:off x="5088383" y="2160983"/>
+            <a:ext cx="4185618" cy="576262"/>
           </a:xfrm>
         </p:spPr>
         <p:txBody>
-          <a:bodyPr anchor="b"/>
+          <a:bodyPr anchor="b">
+            <a:noAutofit/>
+          </a:bodyPr>
           <a:lstStyle>
             <a:lvl1pPr marL="0" indent="0">
               <a:buNone/>
-              <a:defRPr sz="2400" b="1"/>
+              <a:defRPr sz="2400" b="0"/>
             </a:lvl1pPr>
             <a:lvl2pPr marL="457200" indent="0">
               <a:buNone/>
@@ -1720,21 +3746,15 @@
           <a:p>
             <a:pPr lvl="0"/>
             <a:r>
-              <a:rPr lang="en-US"/>
-              <a:t>Edit Master text styles</a:t>
-            </a:r>
-          </a:p>
-        </p:txBody>
-      </p:sp>
-      <p:sp>
-        <p:nvSpPr>
-          <p:cNvPr id="6" name="Content Placeholder 5">
-            <a:extLst>
-              <a:ext uri="{FF2B5EF4-FFF2-40B4-BE49-F238E27FC236}">
-                <a16:creationId xmlns:a16="http://schemas.microsoft.com/office/drawing/2014/main" id="{B7579A7F-77F4-4169-8D51-212344199842}"/>
-              </a:ext>
-            </a:extLst>
-          </p:cNvPr>
+              <a:rPr lang="en-US" smtClean="0"/>
+              <a:t>Click to edit Master text styles</a:t>
+            </a:r>
+          </a:p>
+        </p:txBody>
+      </p:sp>
+      <p:sp>
+        <p:nvSpPr>
+          <p:cNvPr id="6" name="Content Placeholder 5"/>
           <p:cNvSpPr>
             <a:spLocks noGrp="1"/>
           </p:cNvSpPr>
@@ -1744,74 +3764,71 @@
         </p:nvSpPr>
         <p:spPr>
           <a:xfrm>
-            <a:off x="6172200" y="2505075"/>
-            <a:ext cx="5183188" cy="3684588"/>
+            <a:off x="5088384" y="2737245"/>
+            <a:ext cx="4185617" cy="3304117"/>
           </a:xfrm>
         </p:spPr>
         <p:txBody>
+          <a:bodyPr>
+            <a:normAutofit/>
+          </a:bodyPr>
+          <a:lstStyle/>
+          <a:p>
+            <a:pPr lvl="0"/>
+            <a:r>
+              <a:rPr lang="en-US" smtClean="0"/>
+              <a:t>Click to edit Master text styles</a:t>
+            </a:r>
+          </a:p>
+          <a:p>
+            <a:pPr lvl="1"/>
+            <a:r>
+              <a:rPr lang="en-US" smtClean="0"/>
+              <a:t>Second level</a:t>
+            </a:r>
+          </a:p>
+          <a:p>
+            <a:pPr lvl="2"/>
+            <a:r>
+              <a:rPr lang="en-US" smtClean="0"/>
+              <a:t>Third level</a:t>
+            </a:r>
+          </a:p>
+          <a:p>
+            <a:pPr lvl="3"/>
+            <a:r>
+              <a:rPr lang="en-US" smtClean="0"/>
+              <a:t>Fourth level</a:t>
+            </a:r>
+          </a:p>
+          <a:p>
+            <a:pPr lvl="4"/>
+            <a:r>
+              <a:rPr lang="en-US" smtClean="0"/>
+              <a:t>Fifth level</a:t>
+            </a:r>
+            <a:endParaRPr lang="en-US" dirty="0"/>
+          </a:p>
+        </p:txBody>
+      </p:sp>
+      <p:sp>
+        <p:nvSpPr>
+          <p:cNvPr id="7" name="Date Placeholder 6"/>
+          <p:cNvSpPr>
+            <a:spLocks noGrp="1"/>
+          </p:cNvSpPr>
+          <p:nvPr>
+            <p:ph type="dt" sz="half" idx="10"/>
+          </p:nvPr>
+        </p:nvSpPr>
+        <p:spPr/>
+        <p:txBody>
           <a:bodyPr/>
           <a:lstStyle/>
           <a:p>
-            <a:pPr lvl="0"/>
-            <a:r>
-              <a:rPr lang="en-US"/>
-              <a:t>Edit Master text styles</a:t>
-            </a:r>
-          </a:p>
-          <a:p>
-            <a:pPr lvl="1"/>
-            <a:r>
-              <a:rPr lang="en-US"/>
-              <a:t>Second level</a:t>
-            </a:r>
-          </a:p>
-          <a:p>
-            <a:pPr lvl="2"/>
-            <a:r>
-              <a:rPr lang="en-US"/>
-              <a:t>Third level</a:t>
-            </a:r>
-          </a:p>
-          <a:p>
-            <a:pPr lvl="3"/>
-            <a:r>
-              <a:rPr lang="en-US"/>
-              <a:t>Fourth level</a:t>
-            </a:r>
-          </a:p>
-          <a:p>
-            <a:pPr lvl="4"/>
-            <a:r>
-              <a:rPr lang="en-US"/>
-              <a:t>Fifth level</a:t>
-            </a:r>
-          </a:p>
-        </p:txBody>
-      </p:sp>
-      <p:sp>
-        <p:nvSpPr>
-          <p:cNvPr id="7" name="Date Placeholder 6">
-            <a:extLst>
-              <a:ext uri="{FF2B5EF4-FFF2-40B4-BE49-F238E27FC236}">
-                <a16:creationId xmlns:a16="http://schemas.microsoft.com/office/drawing/2014/main" id="{2A735923-3BB5-4F33-8E76-56665E95B55A}"/>
-              </a:ext>
-            </a:extLst>
-          </p:cNvPr>
-          <p:cNvSpPr>
-            <a:spLocks noGrp="1"/>
-          </p:cNvSpPr>
-          <p:nvPr>
-            <p:ph type="dt" sz="half" idx="10"/>
-          </p:nvPr>
-        </p:nvSpPr>
-        <p:spPr/>
-        <p:txBody>
-          <a:bodyPr/>
-          <a:lstStyle/>
-          <a:p>
             <a:fld id="{EED1C14C-A143-42F5-B247-D0E800131009}" type="datetimeFigureOut">
               <a:rPr lang="en-US" smtClean="0"/>
-              <a:t>8/15/2018</a:t>
+              <a:t>5/11/2023</a:t>
             </a:fld>
             <a:endParaRPr lang="en-US"/>
           </a:p>
@@ -1819,13 +3836,7 @@
       </p:sp>
       <p:sp>
         <p:nvSpPr>
-          <p:cNvPr id="8" name="Footer Placeholder 7">
-            <a:extLst>
-              <a:ext uri="{FF2B5EF4-FFF2-40B4-BE49-F238E27FC236}">
-                <a16:creationId xmlns:a16="http://schemas.microsoft.com/office/drawing/2014/main" id="{FA43FC79-7089-4373-88DC-12501E78201F}"/>
-              </a:ext>
-            </a:extLst>
-          </p:cNvPr>
+          <p:cNvPr id="8" name="Footer Placeholder 7"/>
           <p:cNvSpPr>
             <a:spLocks noGrp="1"/>
           </p:cNvSpPr>
@@ -1844,13 +3855,7 @@
       </p:sp>
       <p:sp>
         <p:nvSpPr>
-          <p:cNvPr id="9" name="Slide Number Placeholder 8">
-            <a:extLst>
-              <a:ext uri="{FF2B5EF4-FFF2-40B4-BE49-F238E27FC236}">
-                <a16:creationId xmlns:a16="http://schemas.microsoft.com/office/drawing/2014/main" id="{B4E0BEB1-B009-47B7-B159-DE05E615E710}"/>
-              </a:ext>
-            </a:extLst>
-          </p:cNvPr>
+          <p:cNvPr id="9" name="Slide Number Placeholder 8"/>
           <p:cNvSpPr>
             <a:spLocks noGrp="1"/>
           </p:cNvSpPr>
@@ -1874,7 +3879,7 @@
     </p:spTree>
     <p:extLst>
       <p:ext uri="{BB962C8B-B14F-4D97-AF65-F5344CB8AC3E}">
-        <p14:creationId xmlns:p14="http://schemas.microsoft.com/office/powerpoint/2010/main" val="2419726589"/>
+        <p14:creationId xmlns:p14="http://schemas.microsoft.com/office/powerpoint/2010/main" val="2009904639"/>
       </p:ext>
     </p:extLst>
   </p:cSld>
@@ -1903,13 +3908,7 @@
       </p:grpSpPr>
       <p:sp>
         <p:nvSpPr>
-          <p:cNvPr id="2" name="Title 1">
-            <a:extLst>
-              <a:ext uri="{FF2B5EF4-FFF2-40B4-BE49-F238E27FC236}">
-                <a16:creationId xmlns:a16="http://schemas.microsoft.com/office/drawing/2014/main" id="{1165FFCC-78CC-4E9D-A277-8230F27334A9}"/>
-              </a:ext>
-            </a:extLst>
-          </p:cNvPr>
+          <p:cNvPr id="2" name="Title 1"/>
           <p:cNvSpPr>
             <a:spLocks noGrp="1"/>
           </p:cNvSpPr>
@@ -1917,42 +3916,42 @@
             <p:ph type="title"/>
           </p:nvPr>
         </p:nvSpPr>
+        <p:spPr>
+          <a:xfrm>
+            <a:off x="677334" y="609600"/>
+            <a:ext cx="8596668" cy="1320800"/>
+          </a:xfrm>
+        </p:spPr>
+        <p:txBody>
+          <a:bodyPr/>
+          <a:lstStyle/>
+          <a:p>
+            <a:r>
+              <a:rPr lang="en-US" smtClean="0"/>
+              <a:t>Click to edit Master title style</a:t>
+            </a:r>
+            <a:endParaRPr lang="en-US" dirty="0"/>
+          </a:p>
+        </p:txBody>
+      </p:sp>
+      <p:sp>
+        <p:nvSpPr>
+          <p:cNvPr id="3" name="Date Placeholder 2"/>
+          <p:cNvSpPr>
+            <a:spLocks noGrp="1"/>
+          </p:cNvSpPr>
+          <p:nvPr>
+            <p:ph type="dt" sz="half" idx="10"/>
+          </p:nvPr>
+        </p:nvSpPr>
         <p:spPr/>
         <p:txBody>
           <a:bodyPr/>
           <a:lstStyle/>
           <a:p>
-            <a:r>
-              <a:rPr lang="en-US"/>
-              <a:t>Click to edit Master title style</a:t>
-            </a:r>
-          </a:p>
-        </p:txBody>
-      </p:sp>
-      <p:sp>
-        <p:nvSpPr>
-          <p:cNvPr id="3" name="Date Placeholder 2">
-            <a:extLst>
-              <a:ext uri="{FF2B5EF4-FFF2-40B4-BE49-F238E27FC236}">
-                <a16:creationId xmlns:a16="http://schemas.microsoft.com/office/drawing/2014/main" id="{744CEFE7-D923-48C1-B2FE-8110829C69E3}"/>
-              </a:ext>
-            </a:extLst>
-          </p:cNvPr>
-          <p:cNvSpPr>
-            <a:spLocks noGrp="1"/>
-          </p:cNvSpPr>
-          <p:nvPr>
-            <p:ph type="dt" sz="half" idx="10"/>
-          </p:nvPr>
-        </p:nvSpPr>
-        <p:spPr/>
-        <p:txBody>
-          <a:bodyPr/>
-          <a:lstStyle/>
-          <a:p>
             <a:fld id="{EED1C14C-A143-42F5-B247-D0E800131009}" type="datetimeFigureOut">
               <a:rPr lang="en-US" smtClean="0"/>
-              <a:t>8/15/2018</a:t>
+              <a:t>5/11/2023</a:t>
             </a:fld>
             <a:endParaRPr lang="en-US"/>
           </a:p>
@@ -1960,13 +3959,7 @@
       </p:sp>
       <p:sp>
         <p:nvSpPr>
-          <p:cNvPr id="4" name="Footer Placeholder 3">
-            <a:extLst>
-              <a:ext uri="{FF2B5EF4-FFF2-40B4-BE49-F238E27FC236}">
-                <a16:creationId xmlns:a16="http://schemas.microsoft.com/office/drawing/2014/main" id="{A68F91C9-7841-4F7B-8F24-B5FF45B5B391}"/>
-              </a:ext>
-            </a:extLst>
-          </p:cNvPr>
+          <p:cNvPr id="4" name="Footer Placeholder 3"/>
           <p:cNvSpPr>
             <a:spLocks noGrp="1"/>
           </p:cNvSpPr>
@@ -1985,13 +3978,7 @@
       </p:sp>
       <p:sp>
         <p:nvSpPr>
-          <p:cNvPr id="5" name="Slide Number Placeholder 4">
-            <a:extLst>
-              <a:ext uri="{FF2B5EF4-FFF2-40B4-BE49-F238E27FC236}">
-                <a16:creationId xmlns:a16="http://schemas.microsoft.com/office/drawing/2014/main" id="{B8896739-CF17-4867-A5ED-317AD19F5A3B}"/>
-              </a:ext>
-            </a:extLst>
-          </p:cNvPr>
+          <p:cNvPr id="5" name="Slide Number Placeholder 4"/>
           <p:cNvSpPr>
             <a:spLocks noGrp="1"/>
           </p:cNvSpPr>
@@ -2015,7 +4002,7 @@
     </p:spTree>
     <p:extLst>
       <p:ext uri="{BB962C8B-B14F-4D97-AF65-F5344CB8AC3E}">
-        <p14:creationId xmlns:p14="http://schemas.microsoft.com/office/powerpoint/2010/main" val="953114326"/>
+        <p14:creationId xmlns:p14="http://schemas.microsoft.com/office/powerpoint/2010/main" val="2868580191"/>
       </p:ext>
     </p:extLst>
   </p:cSld>
@@ -2044,13 +4031,7 @@
       </p:grpSpPr>
       <p:sp>
         <p:nvSpPr>
-          <p:cNvPr id="2" name="Date Placeholder 1">
-            <a:extLst>
-              <a:ext uri="{FF2B5EF4-FFF2-40B4-BE49-F238E27FC236}">
-                <a16:creationId xmlns:a16="http://schemas.microsoft.com/office/drawing/2014/main" id="{94E8942B-5ECF-4556-91C2-496E4C52EF8A}"/>
-              </a:ext>
-            </a:extLst>
-          </p:cNvPr>
+          <p:cNvPr id="2" name="Date Placeholder 1"/>
           <p:cNvSpPr>
             <a:spLocks noGrp="1"/>
           </p:cNvSpPr>
@@ -2065,7 +4046,7 @@
           <a:p>
             <a:fld id="{EED1C14C-A143-42F5-B247-D0E800131009}" type="datetimeFigureOut">
               <a:rPr lang="en-US" smtClean="0"/>
-              <a:t>8/15/2018</a:t>
+              <a:t>5/11/2023</a:t>
             </a:fld>
             <a:endParaRPr lang="en-US"/>
           </a:p>
@@ -2073,13 +4054,7 @@
       </p:sp>
       <p:sp>
         <p:nvSpPr>
-          <p:cNvPr id="3" name="Footer Placeholder 2">
-            <a:extLst>
-              <a:ext uri="{FF2B5EF4-FFF2-40B4-BE49-F238E27FC236}">
-                <a16:creationId xmlns:a16="http://schemas.microsoft.com/office/drawing/2014/main" id="{3E1589EF-E9AD-45F7-BFBE-6F8AD3570337}"/>
-              </a:ext>
-            </a:extLst>
-          </p:cNvPr>
+          <p:cNvPr id="3" name="Footer Placeholder 2"/>
           <p:cNvSpPr>
             <a:spLocks noGrp="1"/>
           </p:cNvSpPr>
@@ -2098,13 +4073,7 @@
       </p:sp>
       <p:sp>
         <p:nvSpPr>
-          <p:cNvPr id="4" name="Slide Number Placeholder 3">
-            <a:extLst>
-              <a:ext uri="{FF2B5EF4-FFF2-40B4-BE49-F238E27FC236}">
-                <a16:creationId xmlns:a16="http://schemas.microsoft.com/office/drawing/2014/main" id="{6E18E0FA-5424-403C-8462-1B7C301C65D8}"/>
-              </a:ext>
-            </a:extLst>
-          </p:cNvPr>
+          <p:cNvPr id="4" name="Slide Number Placeholder 3"/>
           <p:cNvSpPr>
             <a:spLocks noGrp="1"/>
           </p:cNvSpPr>
@@ -2128,7 +4097,7 @@
     </p:spTree>
     <p:extLst>
       <p:ext uri="{BB962C8B-B14F-4D97-AF65-F5344CB8AC3E}">
-        <p14:creationId xmlns:p14="http://schemas.microsoft.com/office/powerpoint/2010/main" val="4246240454"/>
+        <p14:creationId xmlns:p14="http://schemas.microsoft.com/office/powerpoint/2010/main" val="3537412546"/>
       </p:ext>
     </p:extLst>
   </p:cSld>
@@ -2157,13 +4126,7 @@
       </p:grpSpPr>
       <p:sp>
         <p:nvSpPr>
-          <p:cNvPr id="2" name="Title 1">
-            <a:extLst>
-              <a:ext uri="{FF2B5EF4-FFF2-40B4-BE49-F238E27FC236}">
-                <a16:creationId xmlns:a16="http://schemas.microsoft.com/office/drawing/2014/main" id="{5AB27A56-C315-441C-9002-DFD599AED26C}"/>
-              </a:ext>
-            </a:extLst>
-          </p:cNvPr>
+          <p:cNvPr id="2" name="Title 1"/>
           <p:cNvSpPr>
             <a:spLocks noGrp="1"/>
           </p:cNvSpPr>
@@ -2173,34 +4136,31 @@
         </p:nvSpPr>
         <p:spPr>
           <a:xfrm>
-            <a:off x="839788" y="457200"/>
-            <a:ext cx="3932237" cy="1600200"/>
+            <a:off x="677334" y="1498604"/>
+            <a:ext cx="3854528" cy="1278466"/>
           </a:xfrm>
         </p:spPr>
         <p:txBody>
-          <a:bodyPr anchor="b"/>
+          <a:bodyPr anchor="b">
+            <a:normAutofit/>
+          </a:bodyPr>
           <a:lstStyle>
             <a:lvl1pPr>
-              <a:defRPr sz="3200"/>
+              <a:defRPr sz="2000"/>
             </a:lvl1pPr>
           </a:lstStyle>
           <a:p>
             <a:r>
-              <a:rPr lang="en-US"/>
+              <a:rPr lang="en-US" smtClean="0"/>
               <a:t>Click to edit Master title style</a:t>
             </a:r>
-          </a:p>
-        </p:txBody>
-      </p:sp>
-      <p:sp>
-        <p:nvSpPr>
-          <p:cNvPr id="3" name="Content Placeholder 2">
-            <a:extLst>
-              <a:ext uri="{FF2B5EF4-FFF2-40B4-BE49-F238E27FC236}">
-                <a16:creationId xmlns:a16="http://schemas.microsoft.com/office/drawing/2014/main" id="{C9F57D9A-8037-4B31-951B-4675ADA69390}"/>
-              </a:ext>
-            </a:extLst>
-          </p:cNvPr>
+            <a:endParaRPr lang="en-US" dirty="0"/>
+          </a:p>
+        </p:txBody>
+      </p:sp>
+      <p:sp>
+        <p:nvSpPr>
+          <p:cNvPr id="3" name="Content Placeholder 2"/>
           <p:cNvSpPr>
             <a:spLocks noGrp="1"/>
           </p:cNvSpPr>
@@ -2210,87 +4170,56 @@
         </p:nvSpPr>
         <p:spPr>
           <a:xfrm>
-            <a:off x="5183188" y="987425"/>
-            <a:ext cx="6172200" cy="4873625"/>
+            <a:off x="4760461" y="514924"/>
+            <a:ext cx="4513541" cy="5526437"/>
           </a:xfrm>
         </p:spPr>
         <p:txBody>
-          <a:bodyPr/>
-          <a:lstStyle>
-            <a:lvl1pPr>
-              <a:defRPr sz="3200"/>
-            </a:lvl1pPr>
-            <a:lvl2pPr>
-              <a:defRPr sz="2800"/>
-            </a:lvl2pPr>
-            <a:lvl3pPr>
-              <a:defRPr sz="2400"/>
-            </a:lvl3pPr>
-            <a:lvl4pPr>
-              <a:defRPr sz="2000"/>
-            </a:lvl4pPr>
-            <a:lvl5pPr>
-              <a:defRPr sz="2000"/>
-            </a:lvl5pPr>
-            <a:lvl6pPr>
-              <a:defRPr sz="2000"/>
-            </a:lvl6pPr>
-            <a:lvl7pPr>
-              <a:defRPr sz="2000"/>
-            </a:lvl7pPr>
-            <a:lvl8pPr>
-              <a:defRPr sz="2000"/>
-            </a:lvl8pPr>
-            <a:lvl9pPr>
-              <a:defRPr sz="2000"/>
-            </a:lvl9pPr>
-          </a:lstStyle>
+          <a:bodyPr>
+            <a:normAutofit/>
+          </a:bodyPr>
+          <a:lstStyle/>
           <a:p>
             <a:pPr lvl="0"/>
             <a:r>
-              <a:rPr lang="en-US"/>
-              <a:t>Edit Master text styles</a:t>
+              <a:rPr lang="en-US" smtClean="0"/>
+              <a:t>Click to edit Master text styles</a:t>
             </a:r>
           </a:p>
           <a:p>
             <a:pPr lvl="1"/>
             <a:r>
-              <a:rPr lang="en-US"/>
+              <a:rPr lang="en-US" smtClean="0"/>
               <a:t>Second level</a:t>
             </a:r>
           </a:p>
           <a:p>
             <a:pPr lvl="2"/>
             <a:r>
-              <a:rPr lang="en-US"/>
+              <a:rPr lang="en-US" smtClean="0"/>
               <a:t>Third level</a:t>
             </a:r>
           </a:p>
           <a:p>
             <a:pPr lvl="3"/>
             <a:r>
-              <a:rPr lang="en-US"/>
+              <a:rPr lang="en-US" smtClean="0"/>
               <a:t>Fourth level</a:t>
             </a:r>
           </a:p>
           <a:p>
             <a:pPr lvl="4"/>
             <a:r>
-              <a:rPr lang="en-US"/>
+              <a:rPr lang="en-US" smtClean="0"/>
               <a:t>Fifth level</a:t>
             </a:r>
-          </a:p>
-        </p:txBody>
-      </p:sp>
-      <p:sp>
-        <p:nvSpPr>
-          <p:cNvPr id="4" name="Text Placeholder 3">
-            <a:extLst>
-              <a:ext uri="{FF2B5EF4-FFF2-40B4-BE49-F238E27FC236}">
-                <a16:creationId xmlns:a16="http://schemas.microsoft.com/office/drawing/2014/main" id="{2763141B-5121-4179-B3F6-529569122247}"/>
-              </a:ext>
-            </a:extLst>
-          </p:cNvPr>
+            <a:endParaRPr lang="en-US" dirty="0"/>
+          </a:p>
+        </p:txBody>
+      </p:sp>
+      <p:sp>
+        <p:nvSpPr>
+          <p:cNvPr id="4" name="Text Placeholder 3"/>
           <p:cNvSpPr>
             <a:spLocks noGrp="1"/>
           </p:cNvSpPr>
@@ -2300,46 +4229,48 @@
         </p:nvSpPr>
         <p:spPr>
           <a:xfrm>
-            <a:off x="839788" y="2057400"/>
-            <a:ext cx="3932237" cy="3811588"/>
+            <a:off x="677334" y="2777069"/>
+            <a:ext cx="3854528" cy="2584449"/>
           </a:xfrm>
         </p:spPr>
         <p:txBody>
-          <a:bodyPr/>
+          <a:bodyPr>
+            <a:normAutofit/>
+          </a:bodyPr>
           <a:lstStyle>
             <a:lvl1pPr marL="0" indent="0">
               <a:buNone/>
-              <a:defRPr sz="1600"/>
+              <a:defRPr sz="1400"/>
             </a:lvl1pPr>
-            <a:lvl2pPr marL="457200" indent="0">
+            <a:lvl2pPr marL="457063" indent="0">
               <a:buNone/>
               <a:defRPr sz="1400"/>
             </a:lvl2pPr>
-            <a:lvl3pPr marL="914400" indent="0">
+            <a:lvl3pPr marL="914126" indent="0">
               <a:buNone/>
               <a:defRPr sz="1200"/>
             </a:lvl3pPr>
-            <a:lvl4pPr marL="1371600" indent="0">
+            <a:lvl4pPr marL="1371189" indent="0">
               <a:buNone/>
               <a:defRPr sz="1000"/>
             </a:lvl4pPr>
-            <a:lvl5pPr marL="1828800" indent="0">
+            <a:lvl5pPr marL="1828251" indent="0">
               <a:buNone/>
               <a:defRPr sz="1000"/>
             </a:lvl5pPr>
-            <a:lvl6pPr marL="2286000" indent="0">
+            <a:lvl6pPr marL="2285314" indent="0">
               <a:buNone/>
               <a:defRPr sz="1000"/>
             </a:lvl6pPr>
-            <a:lvl7pPr marL="2743200" indent="0">
+            <a:lvl7pPr marL="2742377" indent="0">
               <a:buNone/>
               <a:defRPr sz="1000"/>
             </a:lvl7pPr>
-            <a:lvl8pPr marL="3200400" indent="0">
+            <a:lvl8pPr marL="3199440" indent="0">
               <a:buNone/>
               <a:defRPr sz="1000"/>
             </a:lvl8pPr>
-            <a:lvl9pPr marL="3657600" indent="0">
+            <a:lvl9pPr marL="3656503" indent="0">
               <a:buNone/>
               <a:defRPr sz="1000"/>
             </a:lvl9pPr>
@@ -2347,21 +4278,15 @@
           <a:p>
             <a:pPr lvl="0"/>
             <a:r>
-              <a:rPr lang="en-US"/>
-              <a:t>Edit Master text styles</a:t>
-            </a:r>
-          </a:p>
-        </p:txBody>
-      </p:sp>
-      <p:sp>
-        <p:nvSpPr>
-          <p:cNvPr id="5" name="Date Placeholder 4">
-            <a:extLst>
-              <a:ext uri="{FF2B5EF4-FFF2-40B4-BE49-F238E27FC236}">
-                <a16:creationId xmlns:a16="http://schemas.microsoft.com/office/drawing/2014/main" id="{AA60C32E-3427-4696-A55A-56886EA24AEB}"/>
-              </a:ext>
-            </a:extLst>
-          </p:cNvPr>
+              <a:rPr lang="en-US" smtClean="0"/>
+              <a:t>Click to edit Master text styles</a:t>
+            </a:r>
+          </a:p>
+        </p:txBody>
+      </p:sp>
+      <p:sp>
+        <p:nvSpPr>
+          <p:cNvPr id="5" name="Date Placeholder 4"/>
           <p:cNvSpPr>
             <a:spLocks noGrp="1"/>
           </p:cNvSpPr>
@@ -2376,7 +4301,7 @@
           <a:p>
             <a:fld id="{EED1C14C-A143-42F5-B247-D0E800131009}" type="datetimeFigureOut">
               <a:rPr lang="en-US" smtClean="0"/>
-              <a:t>8/15/2018</a:t>
+              <a:t>5/11/2023</a:t>
             </a:fld>
             <a:endParaRPr lang="en-US"/>
           </a:p>
@@ -2384,13 +4309,7 @@
       </p:sp>
       <p:sp>
         <p:nvSpPr>
-          <p:cNvPr id="6" name="Footer Placeholder 5">
-            <a:extLst>
-              <a:ext uri="{FF2B5EF4-FFF2-40B4-BE49-F238E27FC236}">
-                <a16:creationId xmlns:a16="http://schemas.microsoft.com/office/drawing/2014/main" id="{7DDFE526-7D20-4EC0-9624-E779812957B3}"/>
-              </a:ext>
-            </a:extLst>
-          </p:cNvPr>
+          <p:cNvPr id="6" name="Footer Placeholder 5"/>
           <p:cNvSpPr>
             <a:spLocks noGrp="1"/>
           </p:cNvSpPr>
@@ -2409,13 +4328,7 @@
       </p:sp>
       <p:sp>
         <p:nvSpPr>
-          <p:cNvPr id="7" name="Slide Number Placeholder 6">
-            <a:extLst>
-              <a:ext uri="{FF2B5EF4-FFF2-40B4-BE49-F238E27FC236}">
-                <a16:creationId xmlns:a16="http://schemas.microsoft.com/office/drawing/2014/main" id="{C7AA82D7-E462-4060-85D6-85CF55540155}"/>
-              </a:ext>
-            </a:extLst>
-          </p:cNvPr>
+          <p:cNvPr id="7" name="Slide Number Placeholder 6"/>
           <p:cNvSpPr>
             <a:spLocks noGrp="1"/>
           </p:cNvSpPr>
@@ -2439,7 +4352,7 @@
     </p:spTree>
     <p:extLst>
       <p:ext uri="{BB962C8B-B14F-4D97-AF65-F5344CB8AC3E}">
-        <p14:creationId xmlns:p14="http://schemas.microsoft.com/office/powerpoint/2010/main" val="3830305192"/>
+        <p14:creationId xmlns:p14="http://schemas.microsoft.com/office/powerpoint/2010/main" val="2291435677"/>
       </p:ext>
     </p:extLst>
   </p:cSld>
@@ -2468,13 +4381,7 @@
       </p:grpSpPr>
       <p:sp>
         <p:nvSpPr>
-          <p:cNvPr id="2" name="Title 1">
-            <a:extLst>
-              <a:ext uri="{FF2B5EF4-FFF2-40B4-BE49-F238E27FC236}">
-                <a16:creationId xmlns:a16="http://schemas.microsoft.com/office/drawing/2014/main" id="{AE5E919B-BF68-4590-8CA9-A51BAC0F750F}"/>
-              </a:ext>
-            </a:extLst>
-          </p:cNvPr>
+          <p:cNvPr id="2" name="Title 1"/>
           <p:cNvSpPr>
             <a:spLocks noGrp="1"/>
           </p:cNvSpPr>
@@ -2484,36 +4391,33 @@
         </p:nvSpPr>
         <p:spPr>
           <a:xfrm>
-            <a:off x="839788" y="457200"/>
-            <a:ext cx="3932237" cy="1600200"/>
+            <a:off x="677334" y="4800600"/>
+            <a:ext cx="8596667" cy="566738"/>
           </a:xfrm>
         </p:spPr>
         <p:txBody>
-          <a:bodyPr anchor="b"/>
+          <a:bodyPr anchor="b">
+            <a:normAutofit/>
+          </a:bodyPr>
           <a:lstStyle>
-            <a:lvl1pPr>
-              <a:defRPr sz="3200"/>
+            <a:lvl1pPr algn="l">
+              <a:defRPr sz="2400" b="0"/>
             </a:lvl1pPr>
           </a:lstStyle>
           <a:p>
             <a:r>
-              <a:rPr lang="en-US"/>
+              <a:rPr lang="en-US" smtClean="0"/>
               <a:t>Click to edit Master title style</a:t>
             </a:r>
-          </a:p>
-        </p:txBody>
-      </p:sp>
-      <p:sp>
-        <p:nvSpPr>
-          <p:cNvPr id="3" name="Picture Placeholder 2">
-            <a:extLst>
-              <a:ext uri="{FF2B5EF4-FFF2-40B4-BE49-F238E27FC236}">
-                <a16:creationId xmlns:a16="http://schemas.microsoft.com/office/drawing/2014/main" id="{A04BC1AA-5C68-47DC-BBF0-1E309865E5AF}"/>
-              </a:ext>
-            </a:extLst>
-          </p:cNvPr>
-          <p:cNvSpPr>
-            <a:spLocks noGrp="1"/>
+            <a:endParaRPr lang="en-US" dirty="0"/>
+          </a:p>
+        </p:txBody>
+      </p:sp>
+      <p:sp>
+        <p:nvSpPr>
+          <p:cNvPr id="3" name="Picture Placeholder 2"/>
+          <p:cNvSpPr>
+            <a:spLocks noGrp="1" noChangeAspect="1"/>
           </p:cNvSpPr>
           <p:nvPr>
             <p:ph type="pic" idx="1"/>
@@ -2521,135 +4425,131 @@
         </p:nvSpPr>
         <p:spPr>
           <a:xfrm>
-            <a:off x="5183188" y="987425"/>
-            <a:ext cx="6172200" cy="4873625"/>
+            <a:off x="677334" y="609600"/>
+            <a:ext cx="8596668" cy="3845718"/>
           </a:xfrm>
         </p:spPr>
         <p:txBody>
-          <a:bodyPr/>
+          <a:bodyPr anchor="t">
+            <a:normAutofit/>
+          </a:bodyPr>
           <a:lstStyle>
-            <a:lvl1pPr marL="0" indent="0">
-              <a:buNone/>
-              <a:defRPr sz="3200"/>
-            </a:lvl1pPr>
-            <a:lvl2pPr marL="457200" indent="0">
-              <a:buNone/>
-              <a:defRPr sz="2800"/>
-            </a:lvl2pPr>
-            <a:lvl3pPr marL="914400" indent="0">
-              <a:buNone/>
-              <a:defRPr sz="2400"/>
-            </a:lvl3pPr>
-            <a:lvl4pPr marL="1371600" indent="0">
-              <a:buNone/>
-              <a:defRPr sz="2000"/>
-            </a:lvl4pPr>
-            <a:lvl5pPr marL="1828800" indent="0">
-              <a:buNone/>
-              <a:defRPr sz="2000"/>
-            </a:lvl5pPr>
-            <a:lvl6pPr marL="2286000" indent="0">
-              <a:buNone/>
-              <a:defRPr sz="2000"/>
-            </a:lvl6pPr>
-            <a:lvl7pPr marL="2743200" indent="0">
-              <a:buNone/>
-              <a:defRPr sz="2000"/>
-            </a:lvl7pPr>
-            <a:lvl8pPr marL="3200400" indent="0">
-              <a:buNone/>
-              <a:defRPr sz="2000"/>
-            </a:lvl8pPr>
-            <a:lvl9pPr marL="3657600" indent="0">
-              <a:buNone/>
-              <a:defRPr sz="2000"/>
-            </a:lvl9pPr>
-          </a:lstStyle>
-          <a:p>
-            <a:endParaRPr lang="en-US"/>
-          </a:p>
-        </p:txBody>
-      </p:sp>
-      <p:sp>
-        <p:nvSpPr>
-          <p:cNvPr id="4" name="Text Placeholder 3">
-            <a:extLst>
-              <a:ext uri="{FF2B5EF4-FFF2-40B4-BE49-F238E27FC236}">
-                <a16:creationId xmlns:a16="http://schemas.microsoft.com/office/drawing/2014/main" id="{0F81A636-7F9C-43EC-B2F2-6FB3323CB79E}"/>
-              </a:ext>
-            </a:extLst>
-          </p:cNvPr>
-          <p:cNvSpPr>
-            <a:spLocks noGrp="1"/>
-          </p:cNvSpPr>
-          <p:nvPr>
-            <p:ph type="body" sz="half" idx="2"/>
-          </p:nvPr>
-        </p:nvSpPr>
-        <p:spPr>
-          <a:xfrm>
-            <a:off x="839788" y="2057400"/>
-            <a:ext cx="3932237" cy="3811588"/>
-          </a:xfrm>
-        </p:spPr>
-        <p:txBody>
-          <a:bodyPr/>
-          <a:lstStyle>
-            <a:lvl1pPr marL="0" indent="0">
+            <a:lvl1pPr marL="0" indent="0" algn="ctr">
               <a:buNone/>
               <a:defRPr sz="1600"/>
             </a:lvl1pPr>
             <a:lvl2pPr marL="457200" indent="0">
               <a:buNone/>
-              <a:defRPr sz="1400"/>
+              <a:defRPr sz="1600"/>
             </a:lvl2pPr>
             <a:lvl3pPr marL="914400" indent="0">
               <a:buNone/>
-              <a:defRPr sz="1200"/>
+              <a:defRPr sz="1600"/>
             </a:lvl3pPr>
             <a:lvl4pPr marL="1371600" indent="0">
               <a:buNone/>
-              <a:defRPr sz="1000"/>
+              <a:defRPr sz="1600"/>
             </a:lvl4pPr>
             <a:lvl5pPr marL="1828800" indent="0">
               <a:buNone/>
-              <a:defRPr sz="1000"/>
+              <a:defRPr sz="1600"/>
             </a:lvl5pPr>
             <a:lvl6pPr marL="2286000" indent="0">
               <a:buNone/>
-              <a:defRPr sz="1000"/>
+              <a:defRPr sz="1600"/>
             </a:lvl6pPr>
             <a:lvl7pPr marL="2743200" indent="0">
               <a:buNone/>
-              <a:defRPr sz="1000"/>
+              <a:defRPr sz="1600"/>
             </a:lvl7pPr>
             <a:lvl8pPr marL="3200400" indent="0">
               <a:buNone/>
-              <a:defRPr sz="1000"/>
+              <a:defRPr sz="1600"/>
             </a:lvl8pPr>
             <a:lvl9pPr marL="3657600" indent="0">
               <a:buNone/>
-              <a:defRPr sz="1000"/>
+              <a:defRPr sz="1600"/>
             </a:lvl9pPr>
           </a:lstStyle>
           <a:p>
+            <a:r>
+              <a:rPr lang="en-US" smtClean="0"/>
+              <a:t>Click icon to add picture</a:t>
+            </a:r>
+            <a:endParaRPr lang="en-US" dirty="0"/>
+          </a:p>
+        </p:txBody>
+      </p:sp>
+      <p:sp>
+        <p:nvSpPr>
+          <p:cNvPr id="4" name="Text Placeholder 3"/>
+          <p:cNvSpPr>
+            <a:spLocks noGrp="1"/>
+          </p:cNvSpPr>
+          <p:nvPr>
+            <p:ph type="body" sz="half" idx="2"/>
+          </p:nvPr>
+        </p:nvSpPr>
+        <p:spPr>
+          <a:xfrm>
+            <a:off x="677334" y="5367338"/>
+            <a:ext cx="8596667" cy="674024"/>
+          </a:xfrm>
+        </p:spPr>
+        <p:txBody>
+          <a:bodyPr>
+            <a:normAutofit/>
+          </a:bodyPr>
+          <a:lstStyle>
+            <a:lvl1pPr marL="0" indent="0">
+              <a:buNone/>
+              <a:defRPr sz="1200"/>
+            </a:lvl1pPr>
+            <a:lvl2pPr marL="457200" indent="0">
+              <a:buNone/>
+              <a:defRPr sz="1200"/>
+            </a:lvl2pPr>
+            <a:lvl3pPr marL="914400" indent="0">
+              <a:buNone/>
+              <a:defRPr sz="1000"/>
+            </a:lvl3pPr>
+            <a:lvl4pPr marL="1371600" indent="0">
+              <a:buNone/>
+              <a:defRPr sz="900"/>
+            </a:lvl4pPr>
+            <a:lvl5pPr marL="1828800" indent="0">
+              <a:buNone/>
+              <a:defRPr sz="900"/>
+            </a:lvl5pPr>
+            <a:lvl6pPr marL="2286000" indent="0">
+              <a:buNone/>
+              <a:defRPr sz="900"/>
+            </a:lvl6pPr>
+            <a:lvl7pPr marL="2743200" indent="0">
+              <a:buNone/>
+              <a:defRPr sz="900"/>
+            </a:lvl7pPr>
+            <a:lvl8pPr marL="3200400" indent="0">
+              <a:buNone/>
+              <a:defRPr sz="900"/>
+            </a:lvl8pPr>
+            <a:lvl9pPr marL="3657600" indent="0">
+              <a:buNone/>
+              <a:defRPr sz="900"/>
+            </a:lvl9pPr>
+          </a:lstStyle>
+          <a:p>
             <a:pPr lvl="0"/>
             <a:r>
-              <a:rPr lang="en-US"/>
-              <a:t>Edit Master text styles</a:t>
-            </a:r>
-          </a:p>
-        </p:txBody>
-      </p:sp>
-      <p:sp>
-        <p:nvSpPr>
-          <p:cNvPr id="5" name="Date Placeholder 4">
-            <a:extLst>
-              <a:ext uri="{FF2B5EF4-FFF2-40B4-BE49-F238E27FC236}">
-                <a16:creationId xmlns:a16="http://schemas.microsoft.com/office/drawing/2014/main" id="{7D19410E-A050-4AA2-BC89-EF52EB1C34F6}"/>
-              </a:ext>
-            </a:extLst>
-          </p:cNvPr>
+              <a:rPr lang="en-US" smtClean="0"/>
+              <a:t>Click to edit Master text styles</a:t>
+            </a:r>
+          </a:p>
+        </p:txBody>
+      </p:sp>
+      <p:sp>
+        <p:nvSpPr>
+          <p:cNvPr id="5" name="Date Placeholder 4"/>
           <p:cNvSpPr>
             <a:spLocks noGrp="1"/>
           </p:cNvSpPr>
@@ -2664,7 +4564,7 @@
           <a:p>
             <a:fld id="{EED1C14C-A143-42F5-B247-D0E800131009}" type="datetimeFigureOut">
               <a:rPr lang="en-US" smtClean="0"/>
-              <a:t>8/15/2018</a:t>
+              <a:t>5/11/2023</a:t>
             </a:fld>
             <a:endParaRPr lang="en-US"/>
           </a:p>
@@ -2672,13 +4572,7 @@
       </p:sp>
       <p:sp>
         <p:nvSpPr>
-          <p:cNvPr id="6" name="Footer Placeholder 5">
-            <a:extLst>
-              <a:ext uri="{FF2B5EF4-FFF2-40B4-BE49-F238E27FC236}">
-                <a16:creationId xmlns:a16="http://schemas.microsoft.com/office/drawing/2014/main" id="{B0C23AB0-18A5-4589-926D-C00F68CFEA43}"/>
-              </a:ext>
-            </a:extLst>
-          </p:cNvPr>
+          <p:cNvPr id="6" name="Footer Placeholder 5"/>
           <p:cNvSpPr>
             <a:spLocks noGrp="1"/>
           </p:cNvSpPr>
@@ -2697,13 +4591,7 @@
       </p:sp>
       <p:sp>
         <p:nvSpPr>
-          <p:cNvPr id="7" name="Slide Number Placeholder 6">
-            <a:extLst>
-              <a:ext uri="{FF2B5EF4-FFF2-40B4-BE49-F238E27FC236}">
-                <a16:creationId xmlns:a16="http://schemas.microsoft.com/office/drawing/2014/main" id="{8754EE52-EECA-4C6E-83E9-6382044D356C}"/>
-              </a:ext>
-            </a:extLst>
-          </p:cNvPr>
+          <p:cNvPr id="7" name="Slide Number Placeholder 6"/>
           <p:cNvSpPr>
             <a:spLocks noGrp="1"/>
           </p:cNvSpPr>
@@ -2727,7 +4615,7 @@
     </p:spTree>
     <p:extLst>
       <p:ext uri="{BB962C8B-B14F-4D97-AF65-F5344CB8AC3E}">
-        <p14:creationId xmlns:p14="http://schemas.microsoft.com/office/powerpoint/2010/main" val="1609688846"/>
+        <p14:creationId xmlns:p14="http://schemas.microsoft.com/office/powerpoint/2010/main" val="690920737"/>
       </p:ext>
     </p:extLst>
   </p:cSld>
@@ -2759,15 +4647,539 @@
           <a:chExt cx="0" cy="0"/>
         </a:xfrm>
       </p:grpSpPr>
-      <p:sp>
-        <p:nvSpPr>
-          <p:cNvPr id="2" name="Title Placeholder 1">
-            <a:extLst>
-              <a:ext uri="{FF2B5EF4-FFF2-40B4-BE49-F238E27FC236}">
-                <a16:creationId xmlns:a16="http://schemas.microsoft.com/office/drawing/2014/main" id="{BC3F6010-77C4-45FE-968C-712199A58514}"/>
-              </a:ext>
-            </a:extLst>
-          </p:cNvPr>
+      <p:grpSp>
+        <p:nvGrpSpPr>
+          <p:cNvPr id="7" name="Group 6"/>
+          <p:cNvGrpSpPr/>
+          <p:nvPr/>
+        </p:nvGrpSpPr>
+        <p:grpSpPr>
+          <a:xfrm>
+            <a:off x="0" y="-8467"/>
+            <a:ext cx="12192000" cy="6866467"/>
+            <a:chOff x="0" y="-8467"/>
+            <a:chExt cx="12192000" cy="6866467"/>
+          </a:xfrm>
+        </p:grpSpPr>
+        <p:cxnSp>
+          <p:nvCxnSpPr>
+            <p:cNvPr id="20" name="Straight Connector 19"/>
+            <p:cNvCxnSpPr/>
+            <p:nvPr/>
+          </p:nvCxnSpPr>
+          <p:spPr>
+            <a:xfrm>
+              <a:off x="9371012" y="0"/>
+              <a:ext cx="1219200" cy="6858000"/>
+            </a:xfrm>
+            <a:prstGeom prst="line">
+              <a:avLst/>
+            </a:prstGeom>
+            <a:ln w="9525">
+              <a:solidFill>
+                <a:schemeClr val="bg1">
+                  <a:lumMod val="75000"/>
+                </a:schemeClr>
+              </a:solidFill>
+            </a:ln>
+          </p:spPr>
+          <p:style>
+            <a:lnRef idx="2">
+              <a:schemeClr val="accent1"/>
+            </a:lnRef>
+            <a:fillRef idx="0">
+              <a:schemeClr val="accent1"/>
+            </a:fillRef>
+            <a:effectRef idx="1">
+              <a:schemeClr val="accent1"/>
+            </a:effectRef>
+            <a:fontRef idx="minor">
+              <a:schemeClr val="tx1"/>
+            </a:fontRef>
+          </p:style>
+        </p:cxnSp>
+        <p:cxnSp>
+          <p:nvCxnSpPr>
+            <p:cNvPr id="21" name="Straight Connector 20"/>
+            <p:cNvCxnSpPr/>
+            <p:nvPr/>
+          </p:nvCxnSpPr>
+          <p:spPr>
+            <a:xfrm flipH="1">
+              <a:off x="7425267" y="3681413"/>
+              <a:ext cx="4763558" cy="3176587"/>
+            </a:xfrm>
+            <a:prstGeom prst="line">
+              <a:avLst/>
+            </a:prstGeom>
+            <a:ln w="9525">
+              <a:solidFill>
+                <a:schemeClr val="bg1">
+                  <a:lumMod val="85000"/>
+                </a:schemeClr>
+              </a:solidFill>
+            </a:ln>
+          </p:spPr>
+          <p:style>
+            <a:lnRef idx="2">
+              <a:schemeClr val="accent1"/>
+            </a:lnRef>
+            <a:fillRef idx="0">
+              <a:schemeClr val="accent1"/>
+            </a:fillRef>
+            <a:effectRef idx="1">
+              <a:schemeClr val="accent1"/>
+            </a:effectRef>
+            <a:fontRef idx="minor">
+              <a:schemeClr val="tx1"/>
+            </a:fontRef>
+          </p:style>
+        </p:cxnSp>
+        <p:sp>
+          <p:nvSpPr>
+            <p:cNvPr id="22" name="Rectangle 23"/>
+            <p:cNvSpPr/>
+            <p:nvPr/>
+          </p:nvSpPr>
+          <p:spPr>
+            <a:xfrm>
+              <a:off x="9181476" y="-8467"/>
+              <a:ext cx="3007349" cy="6866467"/>
+            </a:xfrm>
+            <a:custGeom>
+              <a:avLst/>
+              <a:gdLst/>
+              <a:ahLst/>
+              <a:cxnLst/>
+              <a:rect l="l" t="t" r="r" b="b"/>
+              <a:pathLst>
+                <a:path w="3007349" h="6866467">
+                  <a:moveTo>
+                    <a:pt x="2045532" y="0"/>
+                  </a:moveTo>
+                  <a:lnTo>
+                    <a:pt x="3007349" y="0"/>
+                  </a:lnTo>
+                  <a:lnTo>
+                    <a:pt x="3007349" y="6866467"/>
+                  </a:lnTo>
+                  <a:lnTo>
+                    <a:pt x="0" y="6866467"/>
+                  </a:lnTo>
+                  <a:lnTo>
+                    <a:pt x="2045532" y="0"/>
+                  </a:lnTo>
+                  <a:close/>
+                </a:path>
+              </a:pathLst>
+            </a:custGeom>
+            <a:solidFill>
+              <a:schemeClr val="accent1">
+                <a:alpha val="30000"/>
+              </a:schemeClr>
+            </a:solidFill>
+            <a:ln>
+              <a:noFill/>
+            </a:ln>
+            <a:effectLst/>
+          </p:spPr>
+          <p:style>
+            <a:lnRef idx="1">
+              <a:schemeClr val="accent1"/>
+            </a:lnRef>
+            <a:fillRef idx="3">
+              <a:schemeClr val="accent1"/>
+            </a:fillRef>
+            <a:effectRef idx="2">
+              <a:schemeClr val="accent1"/>
+            </a:effectRef>
+            <a:fontRef idx="minor">
+              <a:schemeClr val="lt1"/>
+            </a:fontRef>
+          </p:style>
+        </p:sp>
+        <p:sp>
+          <p:nvSpPr>
+            <p:cNvPr id="23" name="Rectangle 25"/>
+            <p:cNvSpPr/>
+            <p:nvPr/>
+          </p:nvSpPr>
+          <p:spPr>
+            <a:xfrm>
+              <a:off x="9603442" y="-8467"/>
+              <a:ext cx="2588558" cy="6866467"/>
+            </a:xfrm>
+            <a:custGeom>
+              <a:avLst/>
+              <a:gdLst/>
+              <a:ahLst/>
+              <a:cxnLst/>
+              <a:rect l="l" t="t" r="r" b="b"/>
+              <a:pathLst>
+                <a:path w="2573311" h="6866467">
+                  <a:moveTo>
+                    <a:pt x="0" y="0"/>
+                  </a:moveTo>
+                  <a:lnTo>
+                    <a:pt x="2573311" y="0"/>
+                  </a:lnTo>
+                  <a:lnTo>
+                    <a:pt x="2573311" y="6866467"/>
+                  </a:lnTo>
+                  <a:lnTo>
+                    <a:pt x="1202336" y="6866467"/>
+                  </a:lnTo>
+                  <a:lnTo>
+                    <a:pt x="0" y="0"/>
+                  </a:lnTo>
+                  <a:close/>
+                </a:path>
+              </a:pathLst>
+            </a:custGeom>
+            <a:solidFill>
+              <a:schemeClr val="accent1">
+                <a:alpha val="20000"/>
+              </a:schemeClr>
+            </a:solidFill>
+            <a:ln>
+              <a:noFill/>
+            </a:ln>
+            <a:effectLst/>
+          </p:spPr>
+          <p:style>
+            <a:lnRef idx="1">
+              <a:schemeClr val="accent1"/>
+            </a:lnRef>
+            <a:fillRef idx="3">
+              <a:schemeClr val="accent1"/>
+            </a:fillRef>
+            <a:effectRef idx="2">
+              <a:schemeClr val="accent1"/>
+            </a:effectRef>
+            <a:fontRef idx="minor">
+              <a:schemeClr val="lt1"/>
+            </a:fontRef>
+          </p:style>
+        </p:sp>
+        <p:sp>
+          <p:nvSpPr>
+            <p:cNvPr id="24" name="Isosceles Triangle 23"/>
+            <p:cNvSpPr/>
+            <p:nvPr/>
+          </p:nvSpPr>
+          <p:spPr>
+            <a:xfrm>
+              <a:off x="8932333" y="3048000"/>
+              <a:ext cx="3259667" cy="3810000"/>
+            </a:xfrm>
+            <a:prstGeom prst="triangle">
+              <a:avLst>
+                <a:gd name="adj" fmla="val 100000"/>
+              </a:avLst>
+            </a:prstGeom>
+            <a:solidFill>
+              <a:schemeClr val="accent2">
+                <a:alpha val="72000"/>
+              </a:schemeClr>
+            </a:solidFill>
+            <a:ln>
+              <a:noFill/>
+            </a:ln>
+            <a:effectLst/>
+          </p:spPr>
+          <p:style>
+            <a:lnRef idx="1">
+              <a:schemeClr val="accent1"/>
+            </a:lnRef>
+            <a:fillRef idx="3">
+              <a:schemeClr val="accent1"/>
+            </a:fillRef>
+            <a:effectRef idx="2">
+              <a:schemeClr val="accent1"/>
+            </a:effectRef>
+            <a:fontRef idx="minor">
+              <a:schemeClr val="lt1"/>
+            </a:fontRef>
+          </p:style>
+        </p:sp>
+        <p:sp>
+          <p:nvSpPr>
+            <p:cNvPr id="25" name="Rectangle 27"/>
+            <p:cNvSpPr/>
+            <p:nvPr/>
+          </p:nvSpPr>
+          <p:spPr>
+            <a:xfrm>
+              <a:off x="9334500" y="-8467"/>
+              <a:ext cx="2854326" cy="6866467"/>
+            </a:xfrm>
+            <a:custGeom>
+              <a:avLst/>
+              <a:gdLst/>
+              <a:ahLst/>
+              <a:cxnLst/>
+              <a:rect l="l" t="t" r="r" b="b"/>
+              <a:pathLst>
+                <a:path w="2858013" h="6866467">
+                  <a:moveTo>
+                    <a:pt x="0" y="0"/>
+                  </a:moveTo>
+                  <a:lnTo>
+                    <a:pt x="2858013" y="0"/>
+                  </a:lnTo>
+                  <a:lnTo>
+                    <a:pt x="2858013" y="6866467"/>
+                  </a:lnTo>
+                  <a:lnTo>
+                    <a:pt x="2473942" y="6866467"/>
+                  </a:lnTo>
+                  <a:lnTo>
+                    <a:pt x="0" y="0"/>
+                  </a:lnTo>
+                  <a:close/>
+                </a:path>
+              </a:pathLst>
+            </a:custGeom>
+            <a:solidFill>
+              <a:schemeClr val="accent2">
+                <a:lumMod val="75000"/>
+                <a:alpha val="70000"/>
+              </a:schemeClr>
+            </a:solidFill>
+            <a:ln>
+              <a:noFill/>
+            </a:ln>
+            <a:effectLst/>
+          </p:spPr>
+          <p:style>
+            <a:lnRef idx="1">
+              <a:schemeClr val="accent1"/>
+            </a:lnRef>
+            <a:fillRef idx="3">
+              <a:schemeClr val="accent1"/>
+            </a:fillRef>
+            <a:effectRef idx="2">
+              <a:schemeClr val="accent1"/>
+            </a:effectRef>
+            <a:fontRef idx="minor">
+              <a:schemeClr val="lt1"/>
+            </a:fontRef>
+          </p:style>
+        </p:sp>
+        <p:sp>
+          <p:nvSpPr>
+            <p:cNvPr id="26" name="Rectangle 28"/>
+            <p:cNvSpPr/>
+            <p:nvPr/>
+          </p:nvSpPr>
+          <p:spPr>
+            <a:xfrm>
+              <a:off x="10898730" y="-8467"/>
+              <a:ext cx="1290094" cy="6866467"/>
+            </a:xfrm>
+            <a:custGeom>
+              <a:avLst/>
+              <a:gdLst/>
+              <a:ahLst/>
+              <a:cxnLst/>
+              <a:rect l="l" t="t" r="r" b="b"/>
+              <a:pathLst>
+                <a:path w="1290094" h="6858000">
+                  <a:moveTo>
+                    <a:pt x="1019735" y="0"/>
+                  </a:moveTo>
+                  <a:lnTo>
+                    <a:pt x="1290094" y="0"/>
+                  </a:lnTo>
+                  <a:lnTo>
+                    <a:pt x="1290094" y="6858000"/>
+                  </a:lnTo>
+                  <a:lnTo>
+                    <a:pt x="0" y="6858000"/>
+                  </a:lnTo>
+                  <a:lnTo>
+                    <a:pt x="1019735" y="0"/>
+                  </a:lnTo>
+                  <a:close/>
+                </a:path>
+              </a:pathLst>
+            </a:custGeom>
+            <a:solidFill>
+              <a:schemeClr val="accent1">
+                <a:lumMod val="60000"/>
+                <a:lumOff val="40000"/>
+                <a:alpha val="70000"/>
+              </a:schemeClr>
+            </a:solidFill>
+            <a:ln>
+              <a:noFill/>
+            </a:ln>
+            <a:effectLst/>
+          </p:spPr>
+          <p:style>
+            <a:lnRef idx="1">
+              <a:schemeClr val="accent1"/>
+            </a:lnRef>
+            <a:fillRef idx="3">
+              <a:schemeClr val="accent1"/>
+            </a:fillRef>
+            <a:effectRef idx="2">
+              <a:schemeClr val="accent1"/>
+            </a:effectRef>
+            <a:fontRef idx="minor">
+              <a:schemeClr val="lt1"/>
+            </a:fontRef>
+          </p:style>
+        </p:sp>
+        <p:sp>
+          <p:nvSpPr>
+            <p:cNvPr id="27" name="Rectangle 29"/>
+            <p:cNvSpPr/>
+            <p:nvPr/>
+          </p:nvSpPr>
+          <p:spPr>
+            <a:xfrm>
+              <a:off x="10938999" y="-8467"/>
+              <a:ext cx="1249825" cy="6866467"/>
+            </a:xfrm>
+            <a:custGeom>
+              <a:avLst/>
+              <a:gdLst/>
+              <a:ahLst/>
+              <a:cxnLst/>
+              <a:rect l="l" t="t" r="r" b="b"/>
+              <a:pathLst>
+                <a:path w="1249825" h="6858000">
+                  <a:moveTo>
+                    <a:pt x="0" y="0"/>
+                  </a:moveTo>
+                  <a:lnTo>
+                    <a:pt x="1249825" y="0"/>
+                  </a:lnTo>
+                  <a:lnTo>
+                    <a:pt x="1249825" y="6858000"/>
+                  </a:lnTo>
+                  <a:lnTo>
+                    <a:pt x="1109382" y="6858000"/>
+                  </a:lnTo>
+                  <a:lnTo>
+                    <a:pt x="0" y="0"/>
+                  </a:lnTo>
+                  <a:close/>
+                </a:path>
+              </a:pathLst>
+            </a:custGeom>
+            <a:solidFill>
+              <a:schemeClr val="accent1">
+                <a:alpha val="65000"/>
+              </a:schemeClr>
+            </a:solidFill>
+            <a:ln>
+              <a:noFill/>
+            </a:ln>
+            <a:effectLst/>
+          </p:spPr>
+          <p:style>
+            <a:lnRef idx="1">
+              <a:schemeClr val="accent1"/>
+            </a:lnRef>
+            <a:fillRef idx="3">
+              <a:schemeClr val="accent1"/>
+            </a:fillRef>
+            <a:effectRef idx="2">
+              <a:schemeClr val="accent1"/>
+            </a:effectRef>
+            <a:fontRef idx="minor">
+              <a:schemeClr val="lt1"/>
+            </a:fontRef>
+          </p:style>
+        </p:sp>
+        <p:sp>
+          <p:nvSpPr>
+            <p:cNvPr id="28" name="Isosceles Triangle 27"/>
+            <p:cNvSpPr/>
+            <p:nvPr/>
+          </p:nvSpPr>
+          <p:spPr>
+            <a:xfrm>
+              <a:off x="10371666" y="3589867"/>
+              <a:ext cx="1817159" cy="3268133"/>
+            </a:xfrm>
+            <a:prstGeom prst="triangle">
+              <a:avLst>
+                <a:gd name="adj" fmla="val 100000"/>
+              </a:avLst>
+            </a:prstGeom>
+            <a:solidFill>
+              <a:schemeClr val="accent1">
+                <a:alpha val="80000"/>
+              </a:schemeClr>
+            </a:solidFill>
+            <a:ln>
+              <a:noFill/>
+            </a:ln>
+            <a:effectLst/>
+          </p:spPr>
+          <p:style>
+            <a:lnRef idx="1">
+              <a:schemeClr val="accent1"/>
+            </a:lnRef>
+            <a:fillRef idx="3">
+              <a:schemeClr val="accent1"/>
+            </a:fillRef>
+            <a:effectRef idx="2">
+              <a:schemeClr val="accent1"/>
+            </a:effectRef>
+            <a:fontRef idx="minor">
+              <a:schemeClr val="lt1"/>
+            </a:fontRef>
+          </p:style>
+        </p:sp>
+        <p:sp>
+          <p:nvSpPr>
+            <p:cNvPr id="29" name="Isosceles Triangle 28"/>
+            <p:cNvSpPr/>
+            <p:nvPr/>
+          </p:nvSpPr>
+          <p:spPr>
+            <a:xfrm>
+              <a:off x="0" y="4013200"/>
+              <a:ext cx="448733" cy="2844800"/>
+            </a:xfrm>
+            <a:prstGeom prst="triangle">
+              <a:avLst>
+                <a:gd name="adj" fmla="val 0"/>
+              </a:avLst>
+            </a:prstGeom>
+            <a:solidFill>
+              <a:schemeClr val="accent1">
+                <a:alpha val="85000"/>
+              </a:schemeClr>
+            </a:solidFill>
+            <a:ln>
+              <a:noFill/>
+            </a:ln>
+            <a:effectLst/>
+          </p:spPr>
+          <p:style>
+            <a:lnRef idx="1">
+              <a:schemeClr val="accent1"/>
+            </a:lnRef>
+            <a:fillRef idx="3">
+              <a:schemeClr val="accent1"/>
+            </a:fillRef>
+            <a:effectRef idx="2">
+              <a:schemeClr val="accent1"/>
+            </a:effectRef>
+            <a:fontRef idx="minor">
+              <a:schemeClr val="lt1"/>
+            </a:fontRef>
+          </p:style>
+        </p:sp>
+      </p:grpSp>
+      <p:sp>
+        <p:nvSpPr>
+          <p:cNvPr id="2" name="Title Placeholder 1"/>
           <p:cNvSpPr>
             <a:spLocks noGrp="1"/>
           </p:cNvSpPr>
@@ -2777,35 +5189,30 @@
         </p:nvSpPr>
         <p:spPr>
           <a:xfrm>
-            <a:off x="838200" y="365125"/>
-            <a:ext cx="10515600" cy="1325563"/>
+            <a:off x="677334" y="609600"/>
+            <a:ext cx="8596668" cy="1320800"/>
           </a:xfrm>
           <a:prstGeom prst="rect">
             <a:avLst/>
           </a:prstGeom>
         </p:spPr>
         <p:txBody>
-          <a:bodyPr vert="horz" lIns="91440" tIns="45720" rIns="91440" bIns="45720" rtlCol="0" anchor="ctr">
+          <a:bodyPr vert="horz" lIns="91440" tIns="45720" rIns="91440" bIns="45720" rtlCol="0" anchor="t">
             <a:normAutofit/>
           </a:bodyPr>
           <a:lstStyle/>
           <a:p>
             <a:r>
-              <a:rPr lang="en-US"/>
+              <a:rPr lang="en-US" smtClean="0"/>
               <a:t>Click to edit Master title style</a:t>
             </a:r>
-          </a:p>
-        </p:txBody>
-      </p:sp>
-      <p:sp>
-        <p:nvSpPr>
-          <p:cNvPr id="3" name="Text Placeholder 2">
-            <a:extLst>
-              <a:ext uri="{FF2B5EF4-FFF2-40B4-BE49-F238E27FC236}">
-                <a16:creationId xmlns:a16="http://schemas.microsoft.com/office/drawing/2014/main" id="{B19B1B2C-5D5F-46D9-92F5-ECDF2816A1FB}"/>
-              </a:ext>
-            </a:extLst>
-          </p:cNvPr>
+            <a:endParaRPr lang="en-US" dirty="0"/>
+          </a:p>
+        </p:txBody>
+      </p:sp>
+      <p:sp>
+        <p:nvSpPr>
+          <p:cNvPr id="3" name="Text Placeholder 2"/>
           <p:cNvSpPr>
             <a:spLocks noGrp="1"/>
           </p:cNvSpPr>
@@ -2815,8 +5222,8 @@
         </p:nvSpPr>
         <p:spPr>
           <a:xfrm>
-            <a:off x="838200" y="1825625"/>
-            <a:ext cx="10515600" cy="4351338"/>
+            <a:off x="677334" y="2160589"/>
+            <a:ext cx="8596668" cy="3880773"/>
           </a:xfrm>
           <a:prstGeom prst="rect">
             <a:avLst/>
@@ -2830,49 +5237,44 @@
           <a:p>
             <a:pPr lvl="0"/>
             <a:r>
-              <a:rPr lang="en-US"/>
-              <a:t>Edit Master text styles</a:t>
+              <a:rPr lang="en-US" smtClean="0"/>
+              <a:t>Click to edit Master text styles</a:t>
             </a:r>
           </a:p>
           <a:p>
             <a:pPr lvl="1"/>
             <a:r>
-              <a:rPr lang="en-US"/>
+              <a:rPr lang="en-US" smtClean="0"/>
               <a:t>Second level</a:t>
             </a:r>
           </a:p>
           <a:p>
             <a:pPr lvl="2"/>
             <a:r>
-              <a:rPr lang="en-US"/>
+              <a:rPr lang="en-US" smtClean="0"/>
               <a:t>Third level</a:t>
             </a:r>
           </a:p>
           <a:p>
             <a:pPr lvl="3"/>
             <a:r>
-              <a:rPr lang="en-US"/>
+              <a:rPr lang="en-US" smtClean="0"/>
               <a:t>Fourth level</a:t>
             </a:r>
           </a:p>
           <a:p>
             <a:pPr lvl="4"/>
             <a:r>
-              <a:rPr lang="en-US"/>
+              <a:rPr lang="en-US" smtClean="0"/>
               <a:t>Fifth level</a:t>
             </a:r>
-          </a:p>
-        </p:txBody>
-      </p:sp>
-      <p:sp>
-        <p:nvSpPr>
-          <p:cNvPr id="4" name="Date Placeholder 3">
-            <a:extLst>
-              <a:ext uri="{FF2B5EF4-FFF2-40B4-BE49-F238E27FC236}">
-                <a16:creationId xmlns:a16="http://schemas.microsoft.com/office/drawing/2014/main" id="{60334894-C6F5-46F1-BAA2-AFEA88E68169}"/>
-              </a:ext>
-            </a:extLst>
-          </p:cNvPr>
+            <a:endParaRPr lang="en-US" dirty="0"/>
+          </a:p>
+        </p:txBody>
+      </p:sp>
+      <p:sp>
+        <p:nvSpPr>
+          <p:cNvPr id="4" name="Date Placeholder 3"/>
           <p:cNvSpPr>
             <a:spLocks noGrp="1"/>
           </p:cNvSpPr>
@@ -2882,8 +5284,8 @@
         </p:nvSpPr>
         <p:spPr>
           <a:xfrm>
-            <a:off x="838200" y="6356350"/>
-            <a:ext cx="2743200" cy="365125"/>
+            <a:off x="7205133" y="6041362"/>
+            <a:ext cx="911939" cy="365125"/>
           </a:xfrm>
           <a:prstGeom prst="rect">
             <a:avLst/>
@@ -2892,8 +5294,8 @@
         <p:txBody>
           <a:bodyPr vert="horz" lIns="91440" tIns="45720" rIns="91440" bIns="45720" rtlCol="0" anchor="ctr"/>
           <a:lstStyle>
-            <a:lvl1pPr algn="l">
-              <a:defRPr sz="1200">
+            <a:lvl1pPr algn="r">
+              <a:defRPr sz="900">
                 <a:solidFill>
                   <a:schemeClr val="tx1">
                     <a:tint val="75000"/>
@@ -2905,7 +5307,7 @@
           <a:p>
             <a:fld id="{EED1C14C-A143-42F5-B247-D0E800131009}" type="datetimeFigureOut">
               <a:rPr lang="en-US" smtClean="0"/>
-              <a:t>8/15/2018</a:t>
+              <a:t>5/11/2023</a:t>
             </a:fld>
             <a:endParaRPr lang="en-US"/>
           </a:p>
@@ -2913,13 +5315,7 @@
       </p:sp>
       <p:sp>
         <p:nvSpPr>
-          <p:cNvPr id="5" name="Footer Placeholder 4">
-            <a:extLst>
-              <a:ext uri="{FF2B5EF4-FFF2-40B4-BE49-F238E27FC236}">
-                <a16:creationId xmlns:a16="http://schemas.microsoft.com/office/drawing/2014/main" id="{975B1C84-4663-4022-BBEA-7667FEBCF3FB}"/>
-              </a:ext>
-            </a:extLst>
-          </p:cNvPr>
+          <p:cNvPr id="5" name="Footer Placeholder 4"/>
           <p:cNvSpPr>
             <a:spLocks noGrp="1"/>
           </p:cNvSpPr>
@@ -2929,8 +5325,8 @@
         </p:nvSpPr>
         <p:spPr>
           <a:xfrm>
-            <a:off x="4038600" y="6356350"/>
-            <a:ext cx="4114800" cy="365125"/>
+            <a:off x="677334" y="6041362"/>
+            <a:ext cx="6297612" cy="365125"/>
           </a:xfrm>
           <a:prstGeom prst="rect">
             <a:avLst/>
@@ -2939,8 +5335,8 @@
         <p:txBody>
           <a:bodyPr vert="horz" lIns="91440" tIns="45720" rIns="91440" bIns="45720" rtlCol="0" anchor="ctr"/>
           <a:lstStyle>
-            <a:lvl1pPr algn="ctr">
-              <a:defRPr sz="1200">
+            <a:lvl1pPr algn="l">
+              <a:defRPr sz="900">
                 <a:solidFill>
                   <a:schemeClr val="tx1">
                     <a:tint val="75000"/>
@@ -2956,13 +5352,7 @@
       </p:sp>
       <p:sp>
         <p:nvSpPr>
-          <p:cNvPr id="6" name="Slide Number Placeholder 5">
-            <a:extLst>
-              <a:ext uri="{FF2B5EF4-FFF2-40B4-BE49-F238E27FC236}">
-                <a16:creationId xmlns:a16="http://schemas.microsoft.com/office/drawing/2014/main" id="{E72820DA-1F3A-421F-A770-A6347089E365}"/>
-              </a:ext>
-            </a:extLst>
-          </p:cNvPr>
+          <p:cNvPr id="6" name="Slide Number Placeholder 5"/>
           <p:cNvSpPr>
             <a:spLocks noGrp="1"/>
           </p:cNvSpPr>
@@ -2972,8 +5362,8 @@
         </p:nvSpPr>
         <p:spPr>
           <a:xfrm>
-            <a:off x="8610600" y="6356350"/>
-            <a:ext cx="2743200" cy="365125"/>
+            <a:off x="8590663" y="6041362"/>
+            <a:ext cx="683339" cy="365125"/>
           </a:xfrm>
           <a:prstGeom prst="rect">
             <a:avLst/>
@@ -2983,11 +5373,9 @@
           <a:bodyPr vert="horz" lIns="91440" tIns="45720" rIns="91440" bIns="45720" rtlCol="0" anchor="ctr"/>
           <a:lstStyle>
             <a:lvl1pPr algn="r">
-              <a:defRPr sz="1200">
-                <a:solidFill>
-                  <a:schemeClr val="tx1">
-                    <a:tint val="75000"/>
-                  </a:schemeClr>
+              <a:defRPr sz="900">
+                <a:solidFill>
+                  <a:schemeClr val="accent1"/>
                 </a:solidFill>
               </a:defRPr>
             </a:lvl1pPr>
@@ -3004,201 +5392,322 @@
     </p:spTree>
     <p:extLst>
       <p:ext uri="{BB962C8B-B14F-4D97-AF65-F5344CB8AC3E}">
-        <p14:creationId xmlns:p14="http://schemas.microsoft.com/office/powerpoint/2010/main" val="1904852015"/>
+        <p14:creationId xmlns:p14="http://schemas.microsoft.com/office/powerpoint/2010/main" val="1844940493"/>
       </p:ext>
     </p:extLst>
   </p:cSld>
   <p:clrMap bg1="lt1" tx1="dk1" bg2="lt2" tx2="dk2" accent1="accent1" accent2="accent2" accent3="accent3" accent4="accent4" accent5="accent5" accent6="accent6" hlink="hlink" folHlink="folHlink"/>
   <p:sldLayoutIdLst>
-    <p:sldLayoutId id="2147483649" r:id="rId1"/>
-    <p:sldLayoutId id="2147483650" r:id="rId2"/>
-    <p:sldLayoutId id="2147483651" r:id="rId3"/>
-    <p:sldLayoutId id="2147483652" r:id="rId4"/>
-    <p:sldLayoutId id="2147483653" r:id="rId5"/>
-    <p:sldLayoutId id="2147483654" r:id="rId6"/>
-    <p:sldLayoutId id="2147483655" r:id="rId7"/>
-    <p:sldLayoutId id="2147483656" r:id="rId8"/>
-    <p:sldLayoutId id="2147483657" r:id="rId9"/>
-    <p:sldLayoutId id="2147483658" r:id="rId10"/>
-    <p:sldLayoutId id="2147483659" r:id="rId11"/>
+    <p:sldLayoutId id="2147483679" r:id="rId1"/>
+    <p:sldLayoutId id="2147483680" r:id="rId2"/>
+    <p:sldLayoutId id="2147483681" r:id="rId3"/>
+    <p:sldLayoutId id="2147483682" r:id="rId4"/>
+    <p:sldLayoutId id="2147483683" r:id="rId5"/>
+    <p:sldLayoutId id="2147483684" r:id="rId6"/>
+    <p:sldLayoutId id="2147483685" r:id="rId7"/>
+    <p:sldLayoutId id="2147483686" r:id="rId8"/>
+    <p:sldLayoutId id="2147483687" r:id="rId9"/>
+    <p:sldLayoutId id="2147483688" r:id="rId10"/>
+    <p:sldLayoutId id="2147483689" r:id="rId11"/>
+    <p:sldLayoutId id="2147483690" r:id="rId12"/>
+    <p:sldLayoutId id="2147483691" r:id="rId13"/>
+    <p:sldLayoutId id="2147483692" r:id="rId14"/>
+    <p:sldLayoutId id="2147483693" r:id="rId15"/>
+    <p:sldLayoutId id="2147483694" r:id="rId16"/>
   </p:sldLayoutIdLst>
   <p:txStyles>
     <p:titleStyle>
-      <a:lvl1pPr algn="l" defTabSz="914400" rtl="0" eaLnBrk="1" latinLnBrk="0" hangingPunct="1">
-        <a:lnSpc>
-          <a:spcPct val="90000"/>
-        </a:lnSpc>
+      <a:lvl1pPr algn="l" defTabSz="457200" rtl="0" eaLnBrk="1" latinLnBrk="0" hangingPunct="1">
         <a:spcBef>
           <a:spcPct val="0"/>
         </a:spcBef>
         <a:buNone/>
-        <a:defRPr sz="4400" kern="1200">
+        <a:defRPr sz="3600" kern="1200">
           <a:solidFill>
-            <a:schemeClr val="tx1"/>
+            <a:schemeClr val="accent1"/>
           </a:solidFill>
           <a:latin typeface="+mj-lt"/>
           <a:ea typeface="+mj-ea"/>
           <a:cs typeface="+mj-cs"/>
         </a:defRPr>
       </a:lvl1pPr>
+      <a:lvl2pPr eaLnBrk="1" hangingPunct="1">
+        <a:defRPr>
+          <a:solidFill>
+            <a:schemeClr val="tx2"/>
+          </a:solidFill>
+        </a:defRPr>
+      </a:lvl2pPr>
+      <a:lvl3pPr eaLnBrk="1" hangingPunct="1">
+        <a:defRPr>
+          <a:solidFill>
+            <a:schemeClr val="tx2"/>
+          </a:solidFill>
+        </a:defRPr>
+      </a:lvl3pPr>
+      <a:lvl4pPr eaLnBrk="1" hangingPunct="1">
+        <a:defRPr>
+          <a:solidFill>
+            <a:schemeClr val="tx2"/>
+          </a:solidFill>
+        </a:defRPr>
+      </a:lvl4pPr>
+      <a:lvl5pPr eaLnBrk="1" hangingPunct="1">
+        <a:defRPr>
+          <a:solidFill>
+            <a:schemeClr val="tx2"/>
+          </a:solidFill>
+        </a:defRPr>
+      </a:lvl5pPr>
+      <a:lvl6pPr eaLnBrk="1" hangingPunct="1">
+        <a:defRPr>
+          <a:solidFill>
+            <a:schemeClr val="tx2"/>
+          </a:solidFill>
+        </a:defRPr>
+      </a:lvl6pPr>
+      <a:lvl7pPr eaLnBrk="1" hangingPunct="1">
+        <a:defRPr>
+          <a:solidFill>
+            <a:schemeClr val="tx2"/>
+          </a:solidFill>
+        </a:defRPr>
+      </a:lvl7pPr>
+      <a:lvl8pPr eaLnBrk="1" hangingPunct="1">
+        <a:defRPr>
+          <a:solidFill>
+            <a:schemeClr val="tx2"/>
+          </a:solidFill>
+        </a:defRPr>
+      </a:lvl8pPr>
+      <a:lvl9pPr eaLnBrk="1" hangingPunct="1">
+        <a:defRPr>
+          <a:solidFill>
+            <a:schemeClr val="tx2"/>
+          </a:solidFill>
+        </a:defRPr>
+      </a:lvl9pPr>
     </p:titleStyle>
     <p:bodyStyle>
-      <a:lvl1pPr marL="228600" indent="-228600" algn="l" defTabSz="914400" rtl="0" eaLnBrk="1" latinLnBrk="0" hangingPunct="1">
-        <a:lnSpc>
-          <a:spcPct val="90000"/>
-        </a:lnSpc>
+      <a:lvl1pPr marL="342900" indent="-342900" algn="l" defTabSz="457200" rtl="0" eaLnBrk="1" latinLnBrk="0" hangingPunct="1">
         <a:spcBef>
           <a:spcPts val="1000"/>
         </a:spcBef>
-        <a:buFont typeface="Arial" panose="020B0604020202020204" pitchFamily="34" charset="0"/>
-        <a:buChar char="•"/>
-        <a:defRPr sz="2800" kern="1200">
+        <a:spcAft>
+          <a:spcPts val="0"/>
+        </a:spcAft>
+        <a:buClr>
+          <a:schemeClr val="accent1"/>
+        </a:buClr>
+        <a:buSzPct val="80000"/>
+        <a:buFont typeface="Wingdings 3" charset="2"/>
+        <a:buChar char=""/>
+        <a:defRPr sz="1800" kern="1200">
           <a:solidFill>
-            <a:schemeClr val="tx1"/>
+            <a:schemeClr val="tx1">
+              <a:lumMod val="75000"/>
+              <a:lumOff val="25000"/>
+            </a:schemeClr>
           </a:solidFill>
           <a:latin typeface="+mn-lt"/>
           <a:ea typeface="+mn-ea"/>
           <a:cs typeface="+mn-cs"/>
         </a:defRPr>
       </a:lvl1pPr>
-      <a:lvl2pPr marL="685800" indent="-228600" algn="l" defTabSz="914400" rtl="0" eaLnBrk="1" latinLnBrk="0" hangingPunct="1">
-        <a:lnSpc>
-          <a:spcPct val="90000"/>
-        </a:lnSpc>
+      <a:lvl2pPr marL="742950" indent="-285750" algn="l" defTabSz="457200" rtl="0" eaLnBrk="1" latinLnBrk="0" hangingPunct="1">
         <a:spcBef>
-          <a:spcPts val="500"/>
+          <a:spcPts val="1000"/>
         </a:spcBef>
-        <a:buFont typeface="Arial" panose="020B0604020202020204" pitchFamily="34" charset="0"/>
-        <a:buChar char="•"/>
-        <a:defRPr sz="2400" kern="1200">
+        <a:spcAft>
+          <a:spcPts val="0"/>
+        </a:spcAft>
+        <a:buClr>
+          <a:schemeClr val="accent1"/>
+        </a:buClr>
+        <a:buSzPct val="80000"/>
+        <a:buFont typeface="Wingdings 3" charset="2"/>
+        <a:buChar char=""/>
+        <a:defRPr sz="1600" kern="1200">
           <a:solidFill>
-            <a:schemeClr val="tx1"/>
+            <a:schemeClr val="tx1">
+              <a:lumMod val="75000"/>
+              <a:lumOff val="25000"/>
+            </a:schemeClr>
           </a:solidFill>
           <a:latin typeface="+mn-lt"/>
           <a:ea typeface="+mn-ea"/>
           <a:cs typeface="+mn-cs"/>
         </a:defRPr>
       </a:lvl2pPr>
-      <a:lvl3pPr marL="1143000" indent="-228600" algn="l" defTabSz="914400" rtl="0" eaLnBrk="1" latinLnBrk="0" hangingPunct="1">
-        <a:lnSpc>
-          <a:spcPct val="90000"/>
-        </a:lnSpc>
+      <a:lvl3pPr marL="1143000" indent="-228600" algn="l" defTabSz="457200" rtl="0" eaLnBrk="1" latinLnBrk="0" hangingPunct="1">
         <a:spcBef>
-          <a:spcPts val="500"/>
+          <a:spcPts val="1000"/>
         </a:spcBef>
-        <a:buFont typeface="Arial" panose="020B0604020202020204" pitchFamily="34" charset="0"/>
-        <a:buChar char="•"/>
-        <a:defRPr sz="2000" kern="1200">
+        <a:spcAft>
+          <a:spcPts val="0"/>
+        </a:spcAft>
+        <a:buClr>
+          <a:schemeClr val="accent1"/>
+        </a:buClr>
+        <a:buSzPct val="80000"/>
+        <a:buFont typeface="Wingdings 3" charset="2"/>
+        <a:buChar char=""/>
+        <a:defRPr sz="1400" kern="1200">
           <a:solidFill>
-            <a:schemeClr val="tx1"/>
+            <a:schemeClr val="tx1">
+              <a:lumMod val="75000"/>
+              <a:lumOff val="25000"/>
+            </a:schemeClr>
           </a:solidFill>
           <a:latin typeface="+mn-lt"/>
           <a:ea typeface="+mn-ea"/>
           <a:cs typeface="+mn-cs"/>
         </a:defRPr>
       </a:lvl3pPr>
-      <a:lvl4pPr marL="1600200" indent="-228600" algn="l" defTabSz="914400" rtl="0" eaLnBrk="1" latinLnBrk="0" hangingPunct="1">
-        <a:lnSpc>
-          <a:spcPct val="90000"/>
-        </a:lnSpc>
+      <a:lvl4pPr marL="1600200" indent="-228600" algn="l" defTabSz="457200" rtl="0" eaLnBrk="1" latinLnBrk="0" hangingPunct="1">
         <a:spcBef>
-          <a:spcPts val="500"/>
+          <a:spcPts val="1000"/>
         </a:spcBef>
-        <a:buFont typeface="Arial" panose="020B0604020202020204" pitchFamily="34" charset="0"/>
-        <a:buChar char="•"/>
-        <a:defRPr sz="1800" kern="1200">
+        <a:spcAft>
+          <a:spcPts val="0"/>
+        </a:spcAft>
+        <a:buClr>
+          <a:schemeClr val="accent1"/>
+        </a:buClr>
+        <a:buSzPct val="80000"/>
+        <a:buFont typeface="Wingdings 3" charset="2"/>
+        <a:buChar char=""/>
+        <a:defRPr sz="1200" kern="1200">
           <a:solidFill>
-            <a:schemeClr val="tx1"/>
+            <a:schemeClr val="tx1">
+              <a:lumMod val="75000"/>
+              <a:lumOff val="25000"/>
+            </a:schemeClr>
           </a:solidFill>
           <a:latin typeface="+mn-lt"/>
           <a:ea typeface="+mn-ea"/>
           <a:cs typeface="+mn-cs"/>
         </a:defRPr>
       </a:lvl4pPr>
-      <a:lvl5pPr marL="2057400" indent="-228600" algn="l" defTabSz="914400" rtl="0" eaLnBrk="1" latinLnBrk="0" hangingPunct="1">
-        <a:lnSpc>
-          <a:spcPct val="90000"/>
-        </a:lnSpc>
+      <a:lvl5pPr marL="2057400" indent="-228600" algn="l" defTabSz="457200" rtl="0" eaLnBrk="1" latinLnBrk="0" hangingPunct="1">
         <a:spcBef>
-          <a:spcPts val="500"/>
+          <a:spcPts val="1000"/>
         </a:spcBef>
-        <a:buFont typeface="Arial" panose="020B0604020202020204" pitchFamily="34" charset="0"/>
-        <a:buChar char="•"/>
-        <a:defRPr sz="1800" kern="1200">
+        <a:spcAft>
+          <a:spcPts val="0"/>
+        </a:spcAft>
+        <a:buClr>
+          <a:schemeClr val="accent1"/>
+        </a:buClr>
+        <a:buSzPct val="80000"/>
+        <a:buFont typeface="Wingdings 3" charset="2"/>
+        <a:buChar char=""/>
+        <a:defRPr sz="1200" kern="1200">
           <a:solidFill>
-            <a:schemeClr val="tx1"/>
+            <a:schemeClr val="tx1">
+              <a:lumMod val="75000"/>
+              <a:lumOff val="25000"/>
+            </a:schemeClr>
           </a:solidFill>
           <a:latin typeface="+mn-lt"/>
           <a:ea typeface="+mn-ea"/>
           <a:cs typeface="+mn-cs"/>
         </a:defRPr>
       </a:lvl5pPr>
-      <a:lvl6pPr marL="2514600" indent="-228600" algn="l" defTabSz="914400" rtl="0" eaLnBrk="1" latinLnBrk="0" hangingPunct="1">
-        <a:lnSpc>
-          <a:spcPct val="90000"/>
-        </a:lnSpc>
+      <a:lvl6pPr marL="2514600" indent="-228600" algn="l" defTabSz="457200" rtl="0" eaLnBrk="1" latinLnBrk="0" hangingPunct="1">
         <a:spcBef>
-          <a:spcPts val="500"/>
+          <a:spcPts val="1000"/>
         </a:spcBef>
-        <a:buFont typeface="Arial" panose="020B0604020202020204" pitchFamily="34" charset="0"/>
-        <a:buChar char="•"/>
-        <a:defRPr sz="1800" kern="1200">
+        <a:spcAft>
+          <a:spcPts val="0"/>
+        </a:spcAft>
+        <a:buClr>
+          <a:schemeClr val="accent1"/>
+        </a:buClr>
+        <a:buSzPct val="80000"/>
+        <a:buFont typeface="Wingdings 3" charset="2"/>
+        <a:buChar char=""/>
+        <a:defRPr sz="1200" kern="1200">
           <a:solidFill>
-            <a:schemeClr val="tx1"/>
+            <a:schemeClr val="tx1">
+              <a:lumMod val="75000"/>
+              <a:lumOff val="25000"/>
+            </a:schemeClr>
           </a:solidFill>
           <a:latin typeface="+mn-lt"/>
           <a:ea typeface="+mn-ea"/>
           <a:cs typeface="+mn-cs"/>
         </a:defRPr>
       </a:lvl6pPr>
-      <a:lvl7pPr marL="2971800" indent="-228600" algn="l" defTabSz="914400" rtl="0" eaLnBrk="1" latinLnBrk="0" hangingPunct="1">
-        <a:lnSpc>
-          <a:spcPct val="90000"/>
-        </a:lnSpc>
+      <a:lvl7pPr marL="2971800" indent="-228600" algn="l" defTabSz="457200" rtl="0" eaLnBrk="1" latinLnBrk="0" hangingPunct="1">
         <a:spcBef>
-          <a:spcPts val="500"/>
+          <a:spcPts val="1000"/>
         </a:spcBef>
-        <a:buFont typeface="Arial" panose="020B0604020202020204" pitchFamily="34" charset="0"/>
-        <a:buChar char="•"/>
-        <a:defRPr sz="1800" kern="1200">
+        <a:spcAft>
+          <a:spcPts val="0"/>
+        </a:spcAft>
+        <a:buClr>
+          <a:schemeClr val="accent1"/>
+        </a:buClr>
+        <a:buSzPct val="80000"/>
+        <a:buFont typeface="Wingdings 3" charset="2"/>
+        <a:buChar char=""/>
+        <a:defRPr sz="1200" kern="1200">
           <a:solidFill>
-            <a:schemeClr val="tx1"/>
+            <a:schemeClr val="tx1">
+              <a:lumMod val="75000"/>
+              <a:lumOff val="25000"/>
+            </a:schemeClr>
           </a:solidFill>
           <a:latin typeface="+mn-lt"/>
           <a:ea typeface="+mn-ea"/>
           <a:cs typeface="+mn-cs"/>
         </a:defRPr>
       </a:lvl7pPr>
-      <a:lvl8pPr marL="3429000" indent="-228600" algn="l" defTabSz="914400" rtl="0" eaLnBrk="1" latinLnBrk="0" hangingPunct="1">
-        <a:lnSpc>
-          <a:spcPct val="90000"/>
-        </a:lnSpc>
+      <a:lvl8pPr marL="3429000" indent="-228600" algn="l" defTabSz="457200" rtl="0" eaLnBrk="1" latinLnBrk="0" hangingPunct="1">
         <a:spcBef>
-          <a:spcPts val="500"/>
+          <a:spcPts val="1000"/>
         </a:spcBef>
-        <a:buFont typeface="Arial" panose="020B0604020202020204" pitchFamily="34" charset="0"/>
-        <a:buChar char="•"/>
-        <a:defRPr sz="1800" kern="1200">
+        <a:spcAft>
+          <a:spcPts val="0"/>
+        </a:spcAft>
+        <a:buClr>
+          <a:schemeClr val="accent1"/>
+        </a:buClr>
+        <a:buSzPct val="80000"/>
+        <a:buFont typeface="Wingdings 3" charset="2"/>
+        <a:buChar char=""/>
+        <a:defRPr sz="1200" kern="1200">
           <a:solidFill>
-            <a:schemeClr val="tx1"/>
+            <a:schemeClr val="tx1">
+              <a:lumMod val="75000"/>
+              <a:lumOff val="25000"/>
+            </a:schemeClr>
           </a:solidFill>
           <a:latin typeface="+mn-lt"/>
           <a:ea typeface="+mn-ea"/>
           <a:cs typeface="+mn-cs"/>
         </a:defRPr>
       </a:lvl8pPr>
-      <a:lvl9pPr marL="3886200" indent="-228600" algn="l" defTabSz="914400" rtl="0" eaLnBrk="1" latinLnBrk="0" hangingPunct="1">
-        <a:lnSpc>
-          <a:spcPct val="90000"/>
-        </a:lnSpc>
+      <a:lvl9pPr marL="3886200" indent="-228600" algn="l" defTabSz="457200" rtl="0" eaLnBrk="1" latinLnBrk="0" hangingPunct="1">
         <a:spcBef>
-          <a:spcPts val="500"/>
+          <a:spcPts val="1000"/>
         </a:spcBef>
-        <a:buFont typeface="Arial" panose="020B0604020202020204" pitchFamily="34" charset="0"/>
-        <a:buChar char="•"/>
-        <a:defRPr sz="1800" kern="1200">
+        <a:spcAft>
+          <a:spcPts val="0"/>
+        </a:spcAft>
+        <a:buClr>
+          <a:schemeClr val="accent1"/>
+        </a:buClr>
+        <a:buSzPct val="80000"/>
+        <a:buFont typeface="Wingdings 3" charset="2"/>
+        <a:buChar char=""/>
+        <a:defRPr sz="1200" kern="1200">
           <a:solidFill>
-            <a:schemeClr val="tx1"/>
+            <a:schemeClr val="tx1">
+              <a:lumMod val="75000"/>
+              <a:lumOff val="25000"/>
+            </a:schemeClr>
           </a:solidFill>
           <a:latin typeface="+mn-lt"/>
           <a:ea typeface="+mn-ea"/>
@@ -3210,7 +5719,7 @@
       <a:defPPr>
         <a:defRPr lang="en-US"/>
       </a:defPPr>
-      <a:lvl1pPr marL="0" algn="l" defTabSz="914400" rtl="0" eaLnBrk="1" latinLnBrk="0" hangingPunct="1">
+      <a:lvl1pPr marL="0" algn="l" defTabSz="457200" rtl="0" eaLnBrk="1" latinLnBrk="0" hangingPunct="1">
         <a:defRPr sz="1800" kern="1200">
           <a:solidFill>
             <a:schemeClr val="tx1"/>
@@ -3220,7 +5729,7 @@
           <a:cs typeface="+mn-cs"/>
         </a:defRPr>
       </a:lvl1pPr>
-      <a:lvl2pPr marL="457200" algn="l" defTabSz="914400" rtl="0" eaLnBrk="1" latinLnBrk="0" hangingPunct="1">
+      <a:lvl2pPr marL="457200" algn="l" defTabSz="457200" rtl="0" eaLnBrk="1" latinLnBrk="0" hangingPunct="1">
         <a:defRPr sz="1800" kern="1200">
           <a:solidFill>
             <a:schemeClr val="tx1"/>
@@ -3230,7 +5739,7 @@
           <a:cs typeface="+mn-cs"/>
         </a:defRPr>
       </a:lvl2pPr>
-      <a:lvl3pPr marL="914400" algn="l" defTabSz="914400" rtl="0" eaLnBrk="1" latinLnBrk="0" hangingPunct="1">
+      <a:lvl3pPr marL="914400" algn="l" defTabSz="457200" rtl="0" eaLnBrk="1" latinLnBrk="0" hangingPunct="1">
         <a:defRPr sz="1800" kern="1200">
           <a:solidFill>
             <a:schemeClr val="tx1"/>
@@ -3240,7 +5749,7 @@
           <a:cs typeface="+mn-cs"/>
         </a:defRPr>
       </a:lvl3pPr>
-      <a:lvl4pPr marL="1371600" algn="l" defTabSz="914400" rtl="0" eaLnBrk="1" latinLnBrk="0" hangingPunct="1">
+      <a:lvl4pPr marL="1371600" algn="l" defTabSz="457200" rtl="0" eaLnBrk="1" latinLnBrk="0" hangingPunct="1">
         <a:defRPr sz="1800" kern="1200">
           <a:solidFill>
             <a:schemeClr val="tx1"/>
@@ -3250,7 +5759,7 @@
           <a:cs typeface="+mn-cs"/>
         </a:defRPr>
       </a:lvl4pPr>
-      <a:lvl5pPr marL="1828800" algn="l" defTabSz="914400" rtl="0" eaLnBrk="1" latinLnBrk="0" hangingPunct="1">
+      <a:lvl5pPr marL="1828800" algn="l" defTabSz="457200" rtl="0" eaLnBrk="1" latinLnBrk="0" hangingPunct="1">
         <a:defRPr sz="1800" kern="1200">
           <a:solidFill>
             <a:schemeClr val="tx1"/>
@@ -3260,7 +5769,7 @@
           <a:cs typeface="+mn-cs"/>
         </a:defRPr>
       </a:lvl5pPr>
-      <a:lvl6pPr marL="2286000" algn="l" defTabSz="914400" rtl="0" eaLnBrk="1" latinLnBrk="0" hangingPunct="1">
+      <a:lvl6pPr marL="2286000" algn="l" defTabSz="457200" rtl="0" eaLnBrk="1" latinLnBrk="0" hangingPunct="1">
         <a:defRPr sz="1800" kern="1200">
           <a:solidFill>
             <a:schemeClr val="tx1"/>
@@ -3270,7 +5779,7 @@
           <a:cs typeface="+mn-cs"/>
         </a:defRPr>
       </a:lvl6pPr>
-      <a:lvl7pPr marL="2743200" algn="l" defTabSz="914400" rtl="0" eaLnBrk="1" latinLnBrk="0" hangingPunct="1">
+      <a:lvl7pPr marL="2743200" algn="l" defTabSz="457200" rtl="0" eaLnBrk="1" latinLnBrk="0" hangingPunct="1">
         <a:defRPr sz="1800" kern="1200">
           <a:solidFill>
             <a:schemeClr val="tx1"/>
@@ -3280,7 +5789,7 @@
           <a:cs typeface="+mn-cs"/>
         </a:defRPr>
       </a:lvl7pPr>
-      <a:lvl8pPr marL="3200400" algn="l" defTabSz="914400" rtl="0" eaLnBrk="1" latinLnBrk="0" hangingPunct="1">
+      <a:lvl8pPr marL="3200400" algn="l" defTabSz="457200" rtl="0" eaLnBrk="1" latinLnBrk="0" hangingPunct="1">
         <a:defRPr sz="1800" kern="1200">
           <a:solidFill>
             <a:schemeClr val="tx1"/>
@@ -3290,7 +5799,7 @@
           <a:cs typeface="+mn-cs"/>
         </a:defRPr>
       </a:lvl8pPr>
-      <a:lvl9pPr marL="3657600" algn="l" defTabSz="914400" rtl="0" eaLnBrk="1" latinLnBrk="0" hangingPunct="1">
+      <a:lvl9pPr marL="3657600" algn="l" defTabSz="457200" rtl="0" eaLnBrk="1" latinLnBrk="0" hangingPunct="1">
         <a:defRPr sz="1800" kern="1200">
           <a:solidFill>
             <a:schemeClr val="tx1"/>
@@ -3306,7 +5815,7 @@
 </file>
 
 <file path=ppt/slides/slide1.xml><?xml version="1.0" encoding="utf-8"?>
-<p:sld xmlns:a="http://schemas.openxmlformats.org/drawingml/2006/main" xmlns:p="http://schemas.openxmlformats.org/presentationml/2006/main" xmlns:r="http://schemas.openxmlformats.org/officeDocument/2006/relationships">
+<p:sld xmlns:a="http://schemas.openxmlformats.org/drawingml/2006/main" xmlns:r="http://schemas.openxmlformats.org/officeDocument/2006/relationships" xmlns:p="http://schemas.openxmlformats.org/presentationml/2006/main">
   <p:cSld>
     <p:spTree>
       <p:nvGrpSpPr>
@@ -3324,10 +5833,10 @@
       </p:grpSpPr>
       <p:sp>
         <p:nvSpPr>
-          <p:cNvPr id="0" name="slide1">
+          <p:cNvPr id="2" name="slide1">
             <a:extLst>
               <a:ext uri="{FF2B5EF4-FFF2-40B4-BE49-F238E27FC236}">
-                <a16:creationId xmlns:a16="http://schemas.microsoft.com/office/drawing/2014/main" id="{5B842198-F6AA-4543-B8E6-A0C2EB0B5C95}"/>
+                <a16:creationId xmlns:a16="http://schemas.microsoft.com/office/drawing/2014/main" xmlns="" id="{5B842198-F6AA-4543-B8E6-A0C2EB0B5C95}"/>
               </a:ext>
             </a:extLst>
           </p:cNvPr>
@@ -3335,27 +5844,50 @@
             <a:spLocks noGrp="1"/>
           </p:cNvSpPr>
           <p:nvPr>
-            <p:ph idx="0" type="ctrTitle"/>
-          </p:nvPr>
-        </p:nvSpPr>
-        <p:spPr/>
+            <p:ph type="ctrTitle"/>
+          </p:nvPr>
+        </p:nvSpPr>
+        <p:spPr>
+          <a:xfrm>
+            <a:off x="309093" y="1236372"/>
+            <a:ext cx="11513713" cy="2814464"/>
+          </a:xfrm>
+        </p:spPr>
         <p:txBody>
           <a:bodyPr/>
           <a:lstStyle/>
           <a:p>
-            <a:r>
-              <a:rPr/>
+            <a:pPr algn="ctr"/>
+            <a:r>
+              <a:rPr lang="en-US" dirty="0" smtClean="0"/>
+              <a:t>Interactive </a:t>
+            </a:r>
+            <a:r>
+              <a:rPr dirty="0" smtClean="0"/>
               <a:t>HR Analytics</a:t>
             </a:r>
-          </a:p>
-        </p:txBody>
-      </p:sp>
-      <p:sp>
-        <p:nvSpPr>
-          <p:cNvPr id="1" name="slide1">
+            <a:r>
+              <a:rPr lang="en-US" dirty="0"/>
+              <a:t> </a:t>
+            </a:r>
+            <a:r>
+              <a:rPr lang="en-US" dirty="0" smtClean="0"/>
+              <a:t>Dashboard </a:t>
+            </a:r>
+            <a:r>
+              <a:rPr lang="en-US" dirty="0" smtClean="0"/>
+              <a:t>using Tableau</a:t>
+            </a:r>
+            <a:endParaRPr dirty="0"/>
+          </a:p>
+        </p:txBody>
+      </p:sp>
+      <p:sp>
+        <p:nvSpPr>
+          <p:cNvPr id="3" name="slide1">
             <a:extLst>
               <a:ext uri="{FF2B5EF4-FFF2-40B4-BE49-F238E27FC236}">
-                <a16:creationId xmlns:a16="http://schemas.microsoft.com/office/drawing/2014/main" id="{00443481-1539-4EA0-A1ED-6A72A4313298}"/>
+                <a16:creationId xmlns:a16="http://schemas.microsoft.com/office/drawing/2014/main" xmlns="" id="{00443481-1539-4EA0-A1ED-6A72A4313298}"/>
               </a:ext>
             </a:extLst>
           </p:cNvPr>
@@ -3363,7 +5895,7 @@
             <a:spLocks noGrp="1"/>
           </p:cNvSpPr>
           <p:nvPr>
-            <p:ph idx="1" type="subTitle"/>
+            <p:ph type="subTitle" idx="1"/>
           </p:nvPr>
         </p:nvSpPr>
         <p:spPr/>
@@ -3371,10 +5903,20 @@
           <a:bodyPr/>
           <a:lstStyle/>
           <a:p>
-            <a:r>
-              <a:rPr/>
-              <a:t>File created on: 5/11/2023 12:09:09 AM</a:t>
-            </a:r>
+            <a:pPr algn="ctr"/>
+            <a:r>
+              <a:rPr dirty="0"/>
+              <a:t>File created on: 5/11/2023 </a:t>
+            </a:r>
+            <a:endParaRPr lang="en-US" dirty="0" smtClean="0"/>
+          </a:p>
+          <a:p>
+            <a:pPr algn="ctr"/>
+            <a:r>
+              <a:rPr lang="en-US" dirty="0" smtClean="0"/>
+              <a:t>By Merin Raju</a:t>
+            </a:r>
+            <a:endParaRPr dirty="0"/>
           </a:p>
         </p:txBody>
       </p:sp>
@@ -3392,7 +5934,7 @@
 </file>
 
 <file path=ppt/slides/slide2.xml><?xml version="1.0" encoding="utf-8"?>
-<p:sld xmlns:a="http://schemas.openxmlformats.org/drawingml/2006/main" xmlns:p="http://schemas.openxmlformats.org/presentationml/2006/main" xmlns:r="http://schemas.openxmlformats.org/officeDocument/2006/relationships">
+<p:sld xmlns:a="http://schemas.openxmlformats.org/drawingml/2006/main" xmlns:r="http://schemas.openxmlformats.org/officeDocument/2006/relationships" xmlns:p="http://schemas.openxmlformats.org/presentationml/2006/main">
   <p:cSld>
     <p:spTree>
       <p:nvGrpSpPr>
@@ -3410,20 +5952,16 @@
       </p:grpSpPr>
       <p:pic>
         <p:nvPicPr>
-          <p:cNvPr descr="HR Analytics Dashboard" id="2" name="slide2">
-            <a:extLst>
-              <a:ext uri="{FF2B5EF4-FFF2-40B4-BE49-F238E27FC236}">
-                <a16:creationId xmlns:a16="http://schemas.microsoft.com/office/drawing/2014/main" id="{7AD26C3E-7884-4247-A409-3DC74D4CEA1B}"/>
-              </a:ext>
-            </a:extLst>
-          </p:cNvPr>
+          <p:cNvPr id="4" name="Content Placeholder 3"/>
           <p:cNvPicPr>
-            <a:picLocks noChangeAspect="1"/>
+            <a:picLocks noGrp="1" noChangeAspect="1"/>
           </p:cNvPicPr>
-          <p:nvPr/>
+          <p:nvPr>
+            <p:ph idx="1"/>
+          </p:nvPr>
         </p:nvPicPr>
         <p:blipFill>
-          <a:blip r:embed="rId7">
+          <a:blip r:embed="rId2">
             <a:extLst>
               <a:ext uri="{28A0092B-C50C-407E-A947-70E740481C1C}">
                 <a14:useLocalDpi xmlns:a14="http://schemas.microsoft.com/office/drawing/2010/main" val="0"/>
@@ -3436,18 +5974,15 @@
         </p:blipFill>
         <p:spPr>
           <a:xfrm>
-            <a:off x="76200" y="0"/>
-            <a:ext cx="12039600" cy="6858000"/>
+            <a:off x="206062" y="206062"/>
+            <a:ext cx="11758411" cy="6651938"/>
           </a:xfrm>
-          <a:prstGeom prst="rect">
-            <a:avLst/>
-          </a:prstGeom>
         </p:spPr>
       </p:pic>
     </p:spTree>
     <p:extLst>
       <p:ext uri="{BB962C8B-B14F-4D97-AF65-F5344CB8AC3E}">
-        <p14:creationId xmlns:p14="http://schemas.microsoft.com/office/powerpoint/2010/main" val="95992585"/>
+        <p14:creationId xmlns:p14="http://schemas.microsoft.com/office/powerpoint/2010/main" val="2911926642"/>
       </p:ext>
     </p:extLst>
   </p:cSld>
@@ -3457,7 +5992,7 @@
 </p:sld>
 </file>
 
-<file path=ppt/slides/slideTemplate.xml><?xml version="1.0" encoding="utf-8"?>
+<file path=ppt/slides/slide3.xml><?xml version="1.0" encoding="utf-8"?>
 <p:sld xmlns:a="http://schemas.openxmlformats.org/drawingml/2006/main" xmlns:r="http://schemas.openxmlformats.org/officeDocument/2006/relationships" xmlns:p="http://schemas.openxmlformats.org/presentationml/2006/main">
   <p:cSld>
     <p:spTree>
@@ -3474,10 +6009,200 @@
           <a:chExt cx="0" cy="0"/>
         </a:xfrm>
       </p:grpSpPr>
+      <p:sp>
+        <p:nvSpPr>
+          <p:cNvPr id="2" name="Rectangle 1"/>
+          <p:cNvSpPr/>
+          <p:nvPr/>
+        </p:nvSpPr>
+        <p:spPr>
+          <a:xfrm>
+            <a:off x="978794" y="1443841"/>
+            <a:ext cx="10586434" cy="3170099"/>
+          </a:xfrm>
+          <a:prstGeom prst="rect">
+            <a:avLst/>
+          </a:prstGeom>
+        </p:spPr>
+        <p:txBody>
+          <a:bodyPr wrap="square">
+            <a:spAutoFit/>
+          </a:bodyPr>
+          <a:lstStyle/>
+          <a:p>
+            <a:pPr marL="285750" indent="-285750">
+              <a:buFont typeface="Wingdings" panose="05000000000000000000" pitchFamily="2" charset="2"/>
+              <a:buChar char="q"/>
+            </a:pPr>
+            <a:r>
+              <a:rPr lang="en-CA" sz="2000" dirty="0">
+                <a:latin typeface="Bahnschrift Condensed" panose="020B0502040204020203" pitchFamily="34" charset="0"/>
+              </a:rPr>
+              <a:t>The HR </a:t>
+            </a:r>
+            <a:r>
+              <a:rPr lang="en-CA" sz="2000" dirty="0" smtClean="0">
+                <a:latin typeface="Bahnschrift Condensed" panose="020B0502040204020203" pitchFamily="34" charset="0"/>
+              </a:rPr>
+              <a:t>Data.xlsx was </a:t>
+            </a:r>
+            <a:r>
+              <a:rPr lang="en-CA" sz="2000" dirty="0">
+                <a:latin typeface="Bahnschrift Condensed" panose="020B0502040204020203" pitchFamily="34" charset="0"/>
+              </a:rPr>
+              <a:t>used to generate the HR Analytics Dashboard.</a:t>
+            </a:r>
+          </a:p>
+          <a:p>
+            <a:pPr marL="285750" indent="-285750">
+              <a:buFont typeface="Wingdings" panose="05000000000000000000" pitchFamily="2" charset="2"/>
+              <a:buChar char="q"/>
+            </a:pPr>
+            <a:r>
+              <a:rPr lang="en-CA" sz="2000" dirty="0">
+                <a:latin typeface="Bahnschrift Condensed" panose="020B0502040204020203" pitchFamily="34" charset="0"/>
+              </a:rPr>
+              <a:t>The data set is cleaned and processed before being put into the tableau environment for analysis and dashboard construction.</a:t>
+            </a:r>
+          </a:p>
+          <a:p>
+            <a:pPr marL="285750" indent="-285750">
+              <a:buFont typeface="Wingdings" panose="05000000000000000000" pitchFamily="2" charset="2"/>
+              <a:buChar char="q"/>
+            </a:pPr>
+            <a:r>
+              <a:rPr lang="en-CA" sz="2000" dirty="0">
+                <a:latin typeface="Bahnschrift Condensed" panose="020B0502040204020203" pitchFamily="34" charset="0"/>
+              </a:rPr>
+              <a:t>The dashboard includes pie charts, heat maps, doughnut charts, lollipop charts, bar charts, and other visuals</a:t>
+            </a:r>
+            <a:r>
+              <a:rPr lang="en-CA" sz="2000" dirty="0" smtClean="0">
+                <a:latin typeface="Bahnschrift Condensed" panose="020B0502040204020203" pitchFamily="34" charset="0"/>
+              </a:rPr>
+              <a:t>.</a:t>
+            </a:r>
+          </a:p>
+          <a:p>
+            <a:pPr marL="285750" indent="-285750">
+              <a:buFont typeface="Wingdings" panose="05000000000000000000" pitchFamily="2" charset="2"/>
+              <a:buChar char="q"/>
+            </a:pPr>
+            <a:r>
+              <a:rPr lang="en-CA" sz="2000" dirty="0" smtClean="0">
+                <a:latin typeface="Bahnschrift Condensed" panose="020B0502040204020203" pitchFamily="34" charset="0"/>
+              </a:rPr>
+              <a:t>Its an interactive dashboard where the values changes as you click on different charts</a:t>
+            </a:r>
+          </a:p>
+          <a:p>
+            <a:pPr marL="285750" indent="-285750">
+              <a:buFont typeface="Wingdings" panose="05000000000000000000" pitchFamily="2" charset="2"/>
+              <a:buChar char="q"/>
+            </a:pPr>
+            <a:r>
+              <a:rPr lang="en-CA" sz="2000" dirty="0" smtClean="0">
+                <a:latin typeface="Bahnschrift Condensed" panose="020B0502040204020203" pitchFamily="34" charset="0"/>
+              </a:rPr>
+              <a:t>Below are the summary that we made from the dashboard:</a:t>
+            </a:r>
+            <a:endParaRPr lang="en-CA" sz="2000" dirty="0">
+              <a:latin typeface="Bahnschrift Condensed" panose="020B0502040204020203" pitchFamily="34" charset="0"/>
+            </a:endParaRPr>
+          </a:p>
+          <a:p>
+            <a:pPr marL="285750" indent="-285750">
+              <a:buFont typeface="Arial" panose="020B0604020202020204" pitchFamily="34" charset="0"/>
+              <a:buChar char="•"/>
+            </a:pPr>
+            <a:r>
+              <a:rPr lang="en-CA" sz="2000" dirty="0" smtClean="0">
+                <a:latin typeface="Bahnschrift Condensed" panose="020B0502040204020203" pitchFamily="34" charset="0"/>
+              </a:rPr>
+              <a:t>On </a:t>
+            </a:r>
+            <a:r>
+              <a:rPr lang="en-CA" sz="2000" dirty="0">
+                <a:latin typeface="Bahnschrift Condensed" panose="020B0502040204020203" pitchFamily="34" charset="0"/>
+              </a:rPr>
+              <a:t>average, employees at the company are 37 years </a:t>
+            </a:r>
+            <a:r>
+              <a:rPr lang="en-CA" sz="2000" dirty="0" smtClean="0">
+                <a:latin typeface="Bahnschrift Condensed" panose="020B0502040204020203" pitchFamily="34" charset="0"/>
+              </a:rPr>
+              <a:t>old</a:t>
+            </a:r>
+          </a:p>
+          <a:p>
+            <a:pPr marL="285750" indent="-285750">
+              <a:buFont typeface="Arial" panose="020B0604020202020204" pitchFamily="34" charset="0"/>
+              <a:buChar char="•"/>
+            </a:pPr>
+            <a:r>
+              <a:rPr lang="en-CA" sz="2000" dirty="0" smtClean="0">
+                <a:latin typeface="Bahnschrift Condensed" panose="020B0502040204020203" pitchFamily="34" charset="0"/>
+              </a:rPr>
+              <a:t>The rate of employees leaving the organization is 16.12% and 237 employees left the organization</a:t>
+            </a:r>
+          </a:p>
+          <a:p>
+            <a:pPr marL="285750" indent="-285750">
+              <a:buFont typeface="Arial" panose="020B0604020202020204" pitchFamily="34" charset="0"/>
+              <a:buChar char="•"/>
+            </a:pPr>
+            <a:r>
+              <a:rPr lang="en-CA" sz="2000" dirty="0" smtClean="0">
+                <a:latin typeface="Bahnschrift Condensed" panose="020B0502040204020203" pitchFamily="34" charset="0"/>
+              </a:rPr>
+              <a:t>There </a:t>
+            </a:r>
+            <a:r>
+              <a:rPr lang="en-CA" sz="2000" dirty="0">
+                <a:latin typeface="Bahnschrift Condensed" panose="020B0502040204020203" pitchFamily="34" charset="0"/>
+              </a:rPr>
+              <a:t>are more men than women working at the </a:t>
+            </a:r>
+            <a:r>
+              <a:rPr lang="en-CA" sz="2000" dirty="0" smtClean="0">
+                <a:latin typeface="Bahnschrift Condensed" panose="020B0502040204020203" pitchFamily="34" charset="0"/>
+              </a:rPr>
+              <a:t>company</a:t>
+            </a:r>
+          </a:p>
+          <a:p>
+            <a:pPr marL="285750" indent="-285750">
+              <a:buFont typeface="Arial" panose="020B0604020202020204" pitchFamily="34" charset="0"/>
+              <a:buChar char="•"/>
+            </a:pPr>
+            <a:r>
+              <a:rPr lang="en-CA" sz="2000" dirty="0" smtClean="0">
+                <a:latin typeface="Bahnschrift Condensed" panose="020B0502040204020203" pitchFamily="34" charset="0"/>
+              </a:rPr>
+              <a:t>The </a:t>
+            </a:r>
+            <a:r>
+              <a:rPr lang="en-CA" sz="2000" dirty="0">
+                <a:latin typeface="Bahnschrift Condensed" panose="020B0502040204020203" pitchFamily="34" charset="0"/>
+              </a:rPr>
+              <a:t>age group of 25 to 34 has the highest percentage of departing </a:t>
+            </a:r>
+            <a:r>
+              <a:rPr lang="en-CA" sz="2000" dirty="0" smtClean="0">
+                <a:latin typeface="Bahnschrift Condensed" panose="020B0502040204020203" pitchFamily="34" charset="0"/>
+              </a:rPr>
+              <a:t>employees</a:t>
+            </a:r>
+            <a:endParaRPr lang="en-CA" sz="2000" dirty="0">
+              <a:latin typeface="Bahnschrift Condensed" panose="020B0502040204020203" pitchFamily="34" charset="0"/>
+            </a:endParaRPr>
+          </a:p>
+        </p:txBody>
+      </p:sp>
     </p:spTree>
     <p:extLst>
       <p:ext uri="{BB962C8B-B14F-4D97-AF65-F5344CB8AC3E}">
-        <p14:creationId xmlns:p14="http://schemas.microsoft.com/office/powerpoint/2010/main" val="95992585"/>
+        <p14:creationId xmlns:p14="http://schemas.microsoft.com/office/powerpoint/2010/main" val="4092797246"/>
       </p:ext>
     </p:extLst>
   </p:cSld>
@@ -3488,9 +6213,9 @@
 </file>
 
 <file path=ppt/theme/theme1.xml><?xml version="1.0" encoding="utf-8"?>
-<a:theme xmlns:a="http://schemas.openxmlformats.org/drawingml/2006/main" name="Office Theme">
+<a:theme xmlns:a="http://schemas.openxmlformats.org/drawingml/2006/main" name="Facet">
   <a:themeElements>
-    <a:clrScheme name="Office">
+    <a:clrScheme name="Facet">
       <a:dk1>
         <a:sysClr val="windowText" lastClr="000000"/>
       </a:dk1>
@@ -3498,52 +6223,52 @@
         <a:sysClr val="window" lastClr="FFFFFF"/>
       </a:lt1>
       <a:dk2>
-        <a:srgbClr val="44546A"/>
+        <a:srgbClr val="2C3C43"/>
       </a:dk2>
       <a:lt2>
-        <a:srgbClr val="E7E6E6"/>
+        <a:srgbClr val="EBEBEB"/>
       </a:lt2>
       <a:accent1>
-        <a:srgbClr val="4472C4"/>
+        <a:srgbClr val="90C226"/>
       </a:accent1>
       <a:accent2>
-        <a:srgbClr val="ED7D31"/>
+        <a:srgbClr val="54A021"/>
       </a:accent2>
       <a:accent3>
-        <a:srgbClr val="A5A5A5"/>
+        <a:srgbClr val="E6B91E"/>
       </a:accent3>
       <a:accent4>
-        <a:srgbClr val="FFC000"/>
+        <a:srgbClr val="E76618"/>
       </a:accent4>
       <a:accent5>
-        <a:srgbClr val="5B9BD5"/>
+        <a:srgbClr val="C42F1A"/>
       </a:accent5>
       <a:accent6>
-        <a:srgbClr val="70AD47"/>
+        <a:srgbClr val="918655"/>
       </a:accent6>
       <a:hlink>
-        <a:srgbClr val="0563C1"/>
+        <a:srgbClr val="99CA3C"/>
       </a:hlink>
       <a:folHlink>
-        <a:srgbClr val="954F72"/>
+        <a:srgbClr val="B9D181"/>
       </a:folHlink>
     </a:clrScheme>
-    <a:fontScheme name="Office">
+    <a:fontScheme name="Facet">
       <a:majorFont>
-        <a:latin typeface="Calibri Light" panose="020F0302020204030204"/>
+        <a:latin typeface="Trebuchet MS" panose="020B0603020202020204"/>
         <a:ea typeface=""/>
         <a:cs typeface=""/>
-        <a:font script="Jpan" typeface="游ゴシック Light"/>
+        <a:font script="Jpan" typeface="メイリオ"/>
         <a:font script="Hang" typeface="맑은 고딕"/>
-        <a:font script="Hans" typeface="等线 Light"/>
-        <a:font script="Hant" typeface="新細明體"/>
-        <a:font script="Arab" typeface="Times New Roman"/>
-        <a:font script="Hebr" typeface="Times New Roman"/>
-        <a:font script="Thai" typeface="Angsana New"/>
+        <a:font script="Hans" typeface="方正姚体"/>
+        <a:font script="Hant" typeface="微軟正黑體"/>
+        <a:font script="Arab" typeface="Tahoma"/>
+        <a:font script="Hebr" typeface="Arial"/>
+        <a:font script="Thai" typeface="Cordia New"/>
         <a:font script="Ethi" typeface="Nyala"/>
         <a:font script="Beng" typeface="Vrinda"/>
         <a:font script="Gujr" typeface="Shruti"/>
-        <a:font script="Khmr" typeface="MoolBoran"/>
+        <a:font script="Khmr" typeface="DaunPenh"/>
         <a:font script="Knda" typeface="Tunga"/>
         <a:font script="Guru" typeface="Raavi"/>
         <a:font script="Cans" typeface="Euphemia"/>
@@ -3560,38 +6285,21 @@
         <a:font script="Laoo" typeface="DokChampa"/>
         <a:font script="Sinh" typeface="Iskoola Pota"/>
         <a:font script="Mong" typeface="Mongolian Baiti"/>
-        <a:font script="Viet" typeface="Times New Roman"/>
+        <a:font script="Viet" typeface="Tahoma"/>
         <a:font script="Uigh" typeface="Microsoft Uighur"/>
         <a:font script="Geor" typeface="Sylfaen"/>
-        <a:font script="Armn" typeface="Arial"/>
-        <a:font script="Bugi" typeface="Leelawadee UI"/>
-        <a:font script="Bopo" typeface="Microsoft JhengHei"/>
-        <a:font script="Java" typeface="Javanese Text"/>
-        <a:font script="Lisu" typeface="Segoe UI"/>
-        <a:font script="Mymr" typeface="Myanmar Text"/>
-        <a:font script="Nkoo" typeface="Ebrima"/>
-        <a:font script="Olck" typeface="Nirmala UI"/>
-        <a:font script="Osma" typeface="Ebrima"/>
-        <a:font script="Phag" typeface="Phagspa"/>
-        <a:font script="Syrn" typeface="Estrangelo Edessa"/>
-        <a:font script="Syrj" typeface="Estrangelo Edessa"/>
-        <a:font script="Syre" typeface="Estrangelo Edessa"/>
-        <a:font script="Sora" typeface="Nirmala UI"/>
-        <a:font script="Tale" typeface="Microsoft Tai Le"/>
-        <a:font script="Talu" typeface="Microsoft New Tai Lue"/>
-        <a:font script="Tfng" typeface="Ebrima"/>
       </a:majorFont>
       <a:minorFont>
-        <a:latin typeface="Calibri" panose="020F0502020204030204"/>
+        <a:latin typeface="Trebuchet MS" panose="020B0603020202020204"/>
         <a:ea typeface=""/>
         <a:cs typeface=""/>
-        <a:font script="Jpan" typeface="游ゴシック"/>
-        <a:font script="Hang" typeface="맑은 고딕"/>
-        <a:font script="Hans" typeface="等线"/>
-        <a:font script="Hant" typeface="新細明體"/>
-        <a:font script="Arab" typeface="Arial"/>
-        <a:font script="Hebr" typeface="Arial"/>
-        <a:font script="Thai" typeface="Cordia New"/>
+        <a:font script="Jpan" typeface="メイリオ"/>
+        <a:font script="Hang" typeface="HY그래픽M"/>
+        <a:font script="Hans" typeface="华文新魏"/>
+        <a:font script="Hant" typeface="微軟正黑體"/>
+        <a:font script="Arab" typeface="Tahoma"/>
+        <a:font script="Hebr" typeface="Gisha"/>
+        <a:font script="Thai" typeface="IrisUPC"/>
         <a:font script="Ethi" typeface="Nyala"/>
         <a:font script="Beng" typeface="Vrinda"/>
         <a:font script="Gujr" typeface="Shruti"/>
@@ -3615,26 +6323,9 @@
         <a:font script="Viet" typeface="Arial"/>
         <a:font script="Uigh" typeface="Microsoft Uighur"/>
         <a:font script="Geor" typeface="Sylfaen"/>
-        <a:font script="Armn" typeface="Arial"/>
-        <a:font script="Bugi" typeface="Leelawadee UI"/>
-        <a:font script="Bopo" typeface="Microsoft JhengHei"/>
-        <a:font script="Java" typeface="Javanese Text"/>
-        <a:font script="Lisu" typeface="Segoe UI"/>
-        <a:font script="Mymr" typeface="Myanmar Text"/>
-        <a:font script="Nkoo" typeface="Ebrima"/>
-        <a:font script="Olck" typeface="Nirmala UI"/>
-        <a:font script="Osma" typeface="Ebrima"/>
-        <a:font script="Phag" typeface="Phagspa"/>
-        <a:font script="Syrn" typeface="Estrangelo Edessa"/>
-        <a:font script="Syrj" typeface="Estrangelo Edessa"/>
-        <a:font script="Syre" typeface="Estrangelo Edessa"/>
-        <a:font script="Sora" typeface="Nirmala UI"/>
-        <a:font script="Tale" typeface="Microsoft Tai Le"/>
-        <a:font script="Talu" typeface="Microsoft New Tai Lue"/>
-        <a:font script="Tfng" typeface="Ebrima"/>
       </a:minorFont>
     </a:fontScheme>
-    <a:fmtScheme name="Office">
+    <a:fmtScheme name="Facet">
       <a:fillStyleLst>
         <a:solidFill>
           <a:schemeClr val="phClr"/>
@@ -3643,23 +6334,13 @@
           <a:gsLst>
             <a:gs pos="0">
               <a:schemeClr val="phClr">
+                <a:tint val="65000"/>
                 <a:lumMod val="110000"/>
-                <a:satMod val="105000"/>
-                <a:tint val="67000"/>
               </a:schemeClr>
             </a:gs>
-            <a:gs pos="50000">
+            <a:gs pos="88000">
               <a:schemeClr val="phClr">
-                <a:lumMod val="105000"/>
-                <a:satMod val="103000"/>
-                <a:tint val="73000"/>
-              </a:schemeClr>
-            </a:gs>
-            <a:gs pos="100000">
-              <a:schemeClr val="phClr">
-                <a:lumMod val="105000"/>
-                <a:satMod val="109000"/>
-                <a:tint val="81000"/>
+                <a:tint val="90000"/>
               </a:schemeClr>
             </a:gs>
           </a:gsLst>
@@ -3669,23 +6350,14 @@
           <a:gsLst>
             <a:gs pos="0">
               <a:schemeClr val="phClr">
-                <a:satMod val="103000"/>
-                <a:lumMod val="102000"/>
-                <a:tint val="94000"/>
+                <a:tint val="96000"/>
+                <a:lumMod val="100000"/>
               </a:schemeClr>
             </a:gs>
-            <a:gs pos="50000">
+            <a:gs pos="78000">
               <a:schemeClr val="phClr">
-                <a:satMod val="110000"/>
-                <a:lumMod val="100000"/>
-                <a:shade val="100000"/>
-              </a:schemeClr>
-            </a:gs>
-            <a:gs pos="100000">
-              <a:schemeClr val="phClr">
-                <a:lumMod val="99000"/>
-                <a:satMod val="120000"/>
-                <a:shade val="78000"/>
+                <a:shade val="94000"/>
+                <a:lumMod val="94000"/>
               </a:schemeClr>
             </a:gs>
           </a:gsLst>
@@ -3693,26 +6365,23 @@
         </a:gradFill>
       </a:fillStyleLst>
       <a:lnStyleLst>
-        <a:ln w="6350" cap="flat" cmpd="sng" algn="ctr">
+        <a:ln w="12700" cap="rnd" cmpd="sng" algn="ctr">
           <a:solidFill>
             <a:schemeClr val="phClr"/>
           </a:solidFill>
           <a:prstDash val="solid"/>
-          <a:miter lim="800000"/>
         </a:ln>
-        <a:ln w="12700" cap="flat" cmpd="sng" algn="ctr">
+        <a:ln w="19050" cap="rnd" cmpd="sng" algn="ctr">
           <a:solidFill>
             <a:schemeClr val="phClr"/>
           </a:solidFill>
           <a:prstDash val="solid"/>
-          <a:miter lim="800000"/>
         </a:ln>
-        <a:ln w="19050" cap="flat" cmpd="sng" algn="ctr">
+        <a:ln w="25400" cap="rnd" cmpd="sng" algn="ctr">
           <a:solidFill>
             <a:schemeClr val="phClr"/>
           </a:solidFill>
           <a:prstDash val="solid"/>
-          <a:miter lim="800000"/>
         </a:ln>
       </a:lnStyleLst>
       <a:effectStyleLst>
@@ -3720,54 +6389,72 @@
           <a:effectLst/>
         </a:effectStyle>
         <a:effectStyle>
-          <a:effectLst/>
+          <a:effectLst>
+            <a:outerShdw blurRad="38100" dist="25400" dir="5400000" rotWithShape="0">
+              <a:srgbClr val="000000">
+                <a:alpha val="35000"/>
+              </a:srgbClr>
+            </a:outerShdw>
+          </a:effectLst>
         </a:effectStyle>
         <a:effectStyle>
           <a:effectLst>
-            <a:outerShdw blurRad="57150" dist="19050" dir="5400000" algn="ctr" rotWithShape="0">
+            <a:outerShdw blurRad="50800" dist="38100" dir="5400000" rotWithShape="0">
               <a:srgbClr val="000000">
-                <a:alpha val="63000"/>
+                <a:alpha val="35000"/>
               </a:srgbClr>
             </a:outerShdw>
           </a:effectLst>
+          <a:scene3d>
+            <a:camera prst="orthographicFront">
+              <a:rot lat="0" lon="0" rev="0"/>
+            </a:camera>
+            <a:lightRig rig="threePt" dir="tl"/>
+          </a:scene3d>
+          <a:sp3d prstMaterial="plastic">
+            <a:bevelT w="0" h="0"/>
+          </a:sp3d>
         </a:effectStyle>
       </a:effectStyleLst>
       <a:bgFillStyleLst>
         <a:solidFill>
           <a:schemeClr val="phClr"/>
         </a:solidFill>
-        <a:solidFill>
-          <a:schemeClr val="phClr">
-            <a:tint val="95000"/>
-            <a:satMod val="170000"/>
-          </a:schemeClr>
-        </a:solidFill>
         <a:gradFill rotWithShape="1">
           <a:gsLst>
             <a:gs pos="0">
               <a:schemeClr val="phClr">
-                <a:tint val="93000"/>
-                <a:satMod val="150000"/>
-                <a:shade val="98000"/>
-                <a:lumMod val="102000"/>
+                <a:tint val="90000"/>
+                <a:lumMod val="104000"/>
               </a:schemeClr>
             </a:gs>
-            <a:gs pos="50000">
+            <a:gs pos="94000">
               <a:schemeClr val="phClr">
-                <a:tint val="98000"/>
-                <a:satMod val="130000"/>
-                <a:shade val="90000"/>
-                <a:lumMod val="103000"/>
+                <a:shade val="96000"/>
+                <a:lumMod val="82000"/>
+              </a:schemeClr>
+            </a:gs>
+          </a:gsLst>
+          <a:lin ang="5400000" scaled="0"/>
+        </a:gradFill>
+        <a:gradFill rotWithShape="1">
+          <a:gsLst>
+            <a:gs pos="0">
+              <a:schemeClr val="phClr">
+                <a:tint val="90000"/>
+                <a:lumMod val="110000"/>
               </a:schemeClr>
             </a:gs>
             <a:gs pos="100000">
               <a:schemeClr val="phClr">
-                <a:shade val="63000"/>
-                <a:satMod val="120000"/>
+                <a:shade val="94000"/>
+                <a:lumMod val="96000"/>
               </a:schemeClr>
             </a:gs>
           </a:gsLst>
-          <a:lin ang="5400000" scaled="0"/>
+          <a:path path="circle">
+            <a:fillToRect l="50000" t="50000" r="100000" b="100000"/>
+          </a:path>
         </a:gradFill>
       </a:bgFillStyleLst>
     </a:fmtScheme>
@@ -3776,7 +6463,7 @@
   <a:extraClrSchemeLst/>
   <a:extLst>
     <a:ext uri="{05A4C25C-085E-4340-85A3-A5531E510DB2}">
-      <thm15:themeFamily xmlns:thm15="http://schemas.microsoft.com/office/thememl/2012/main" name="Office Theme" id="{62F939B6-93AF-4DB8-9C6B-D6C7DFDC589F}" vid="{4A3C46E8-61CC-4603-A589-7422A47A8E4A}"/>
+      <thm15:themeFamily xmlns:thm15="http://schemas.microsoft.com/office/thememl/2012/main" name="Facet" id="{C0C680CD-088A-49FC-A102-D699147F32B2}" vid="{CFBC31BA-B70F-4F30-BCAA-4F3011E16C4D}"/>
     </a:ext>
   </a:extLst>
 </a:theme>
